--- a/CLAHE/GROUP6_CLAHE.pptx
+++ b/CLAHE/GROUP6_CLAHE.pptx
@@ -1,43 +1,43 @@
 
 <file path=ppt/presentation.xml><?xml version="1.0" encoding="utf-8"?>
-<p:presentation xmlns:a="http://schemas.openxmlformats.org/drawingml/2006/main" xmlns:r="http://schemas.openxmlformats.org/officeDocument/2006/relationships" xmlns:mc="http://schemas.openxmlformats.org/markup-compatibility/2006" xmlns:mv="urn:schemas-microsoft-com:mac:vml" xmlns:p="http://schemas.openxmlformats.org/presentationml/2006/main" xmlns:c="http://schemas.openxmlformats.org/drawingml/2006/chart" xmlns:dgm="http://schemas.openxmlformats.org/drawingml/2006/diagram" xmlns:o="urn:schemas-microsoft-com:office:office" xmlns:v="urn:schemas-microsoft-com:vml" xmlns:pvml="urn:schemas-microsoft-com:office:powerpoint" xmlns:com="http://schemas.openxmlformats.org/drawingml/2006/compatibility" xmlns:p14="http://schemas.microsoft.com/office/powerpoint/2010/main" xmlns:p15="http://schemas.microsoft.com/office/powerpoint/2012/main" xmlns:ahyp="http://schemas.microsoft.com/office/drawing/2018/hyperlinkcolor" autoCompressPictures="0" embedTrueTypeFonts="1" strictFirstAndLastChars="0" saveSubsetFonts="1">
+<p:presentation xmlns:a="http://schemas.openxmlformats.org/drawingml/2006/main" xmlns:r="http://schemas.openxmlformats.org/officeDocument/2006/relationships" xmlns:p="http://schemas.openxmlformats.org/presentationml/2006/main" strictFirstAndLastChars="0" embedTrueTypeFonts="1" saveSubsetFonts="1" autoCompressPictures="0">
   <p:sldMasterIdLst>
-    <p:sldMasterId id="2147483659" r:id="rId4"/>
+    <p:sldMasterId id="2147483659" r:id="rId1"/>
   </p:sldMasterIdLst>
   <p:notesMasterIdLst>
-    <p:notesMasterId r:id="rId5"/>
+    <p:notesMasterId r:id="rId11"/>
   </p:notesMasterIdLst>
   <p:sldIdLst>
-    <p:sldId id="256" r:id="rId6"/>
-    <p:sldId id="257" r:id="rId7"/>
-    <p:sldId id="258" r:id="rId8"/>
-    <p:sldId id="259" r:id="rId9"/>
-    <p:sldId id="260" r:id="rId10"/>
-    <p:sldId id="261" r:id="rId11"/>
-    <p:sldId id="262" r:id="rId12"/>
-    <p:sldId id="263" r:id="rId13"/>
-    <p:sldId id="264" r:id="rId14"/>
+    <p:sldId id="256" r:id="rId2"/>
+    <p:sldId id="257" r:id="rId3"/>
+    <p:sldId id="258" r:id="rId4"/>
+    <p:sldId id="259" r:id="rId5"/>
+    <p:sldId id="260" r:id="rId6"/>
+    <p:sldId id="261" r:id="rId7"/>
+    <p:sldId id="262" r:id="rId8"/>
+    <p:sldId id="263" r:id="rId9"/>
+    <p:sldId id="264" r:id="rId10"/>
   </p:sldIdLst>
-  <p:sldSz cy="5143500" cx="9144000"/>
+  <p:sldSz cx="9144000" cy="5143500" type="screen16x9"/>
   <p:notesSz cx="6858000" cy="9144000"/>
   <p:embeddedFontLst>
     <p:embeddedFont>
-      <p:font typeface="Montserrat"/>
-      <p:regular r:id="rId15"/>
-      <p:bold r:id="rId16"/>
-      <p:italic r:id="rId17"/>
-      <p:boldItalic r:id="rId18"/>
+      <p:font typeface="Lato" panose="020B0604020202020204" charset="0"/>
+      <p:regular r:id="rId12"/>
+      <p:bold r:id="rId13"/>
+      <p:italic r:id="rId14"/>
+      <p:boldItalic r:id="rId15"/>
     </p:embeddedFont>
     <p:embeddedFont>
-      <p:font typeface="Lato"/>
-      <p:regular r:id="rId19"/>
-      <p:bold r:id="rId20"/>
-      <p:italic r:id="rId21"/>
-      <p:boldItalic r:id="rId22"/>
+      <p:font typeface="Montserrat" panose="020B0604020202020204" charset="0"/>
+      <p:regular r:id="rId16"/>
+      <p:bold r:id="rId17"/>
+      <p:italic r:id="rId18"/>
+      <p:boldItalic r:id="rId19"/>
     </p:embeddedFont>
   </p:embeddedFontLst>
   <p:defaultTextStyle>
-    <a:defPPr lvl="0" marR="0" rtl="0" algn="l">
+    <a:defPPr marR="0" lvl="0" algn="l" rtl="0">
       <a:lnSpc>
         <a:spcPct val="100000"/>
       </a:lnSpc>
@@ -48,7 +48,7 @@
         <a:spcPts val="0"/>
       </a:spcAft>
     </a:defPPr>
-    <a:lvl1pPr lvl="0" marR="0" rtl="0" algn="l">
+    <a:lvl1pPr marR="0" lvl="0" algn="l" rtl="0">
       <a:lnSpc>
         <a:spcPct val="100000"/>
       </a:lnSpc>
@@ -62,7 +62,7 @@
         <a:srgbClr val="000000"/>
       </a:buClr>
       <a:buFont typeface="Arial"/>
-      <a:defRPr b="0" i="0" sz="1400" u="none" cap="none" strike="noStrike">
+      <a:defRPr sz="1400" b="0" i="0" u="none" strike="noStrike" cap="none">
         <a:solidFill>
           <a:srgbClr val="000000"/>
         </a:solidFill>
@@ -72,7 +72,7 @@
         <a:sym typeface="Arial"/>
       </a:defRPr>
     </a:lvl1pPr>
-    <a:lvl2pPr lvl="1" marR="0" rtl="0" algn="l">
+    <a:lvl2pPr marR="0" lvl="1" algn="l" rtl="0">
       <a:lnSpc>
         <a:spcPct val="100000"/>
       </a:lnSpc>
@@ -86,7 +86,7 @@
         <a:srgbClr val="000000"/>
       </a:buClr>
       <a:buFont typeface="Arial"/>
-      <a:defRPr b="0" i="0" sz="1400" u="none" cap="none" strike="noStrike">
+      <a:defRPr sz="1400" b="0" i="0" u="none" strike="noStrike" cap="none">
         <a:solidFill>
           <a:srgbClr val="000000"/>
         </a:solidFill>
@@ -96,7 +96,7 @@
         <a:sym typeface="Arial"/>
       </a:defRPr>
     </a:lvl2pPr>
-    <a:lvl3pPr lvl="2" marR="0" rtl="0" algn="l">
+    <a:lvl3pPr marR="0" lvl="2" algn="l" rtl="0">
       <a:lnSpc>
         <a:spcPct val="100000"/>
       </a:lnSpc>
@@ -110,7 +110,7 @@
         <a:srgbClr val="000000"/>
       </a:buClr>
       <a:buFont typeface="Arial"/>
-      <a:defRPr b="0" i="0" sz="1400" u="none" cap="none" strike="noStrike">
+      <a:defRPr sz="1400" b="0" i="0" u="none" strike="noStrike" cap="none">
         <a:solidFill>
           <a:srgbClr val="000000"/>
         </a:solidFill>
@@ -120,7 +120,7 @@
         <a:sym typeface="Arial"/>
       </a:defRPr>
     </a:lvl3pPr>
-    <a:lvl4pPr lvl="3" marR="0" rtl="0" algn="l">
+    <a:lvl4pPr marR="0" lvl="3" algn="l" rtl="0">
       <a:lnSpc>
         <a:spcPct val="100000"/>
       </a:lnSpc>
@@ -134,7 +134,7 @@
         <a:srgbClr val="000000"/>
       </a:buClr>
       <a:buFont typeface="Arial"/>
-      <a:defRPr b="0" i="0" sz="1400" u="none" cap="none" strike="noStrike">
+      <a:defRPr sz="1400" b="0" i="0" u="none" strike="noStrike" cap="none">
         <a:solidFill>
           <a:srgbClr val="000000"/>
         </a:solidFill>
@@ -144,7 +144,7 @@
         <a:sym typeface="Arial"/>
       </a:defRPr>
     </a:lvl4pPr>
-    <a:lvl5pPr lvl="4" marR="0" rtl="0" algn="l">
+    <a:lvl5pPr marR="0" lvl="4" algn="l" rtl="0">
       <a:lnSpc>
         <a:spcPct val="100000"/>
       </a:lnSpc>
@@ -158,7 +158,7 @@
         <a:srgbClr val="000000"/>
       </a:buClr>
       <a:buFont typeface="Arial"/>
-      <a:defRPr b="0" i="0" sz="1400" u="none" cap="none" strike="noStrike">
+      <a:defRPr sz="1400" b="0" i="0" u="none" strike="noStrike" cap="none">
         <a:solidFill>
           <a:srgbClr val="000000"/>
         </a:solidFill>
@@ -168,7 +168,7 @@
         <a:sym typeface="Arial"/>
       </a:defRPr>
     </a:lvl5pPr>
-    <a:lvl6pPr lvl="5" marR="0" rtl="0" algn="l">
+    <a:lvl6pPr marR="0" lvl="5" algn="l" rtl="0">
       <a:lnSpc>
         <a:spcPct val="100000"/>
       </a:lnSpc>
@@ -182,7 +182,7 @@
         <a:srgbClr val="000000"/>
       </a:buClr>
       <a:buFont typeface="Arial"/>
-      <a:defRPr b="0" i="0" sz="1400" u="none" cap="none" strike="noStrike">
+      <a:defRPr sz="1400" b="0" i="0" u="none" strike="noStrike" cap="none">
         <a:solidFill>
           <a:srgbClr val="000000"/>
         </a:solidFill>
@@ -192,7 +192,7 @@
         <a:sym typeface="Arial"/>
       </a:defRPr>
     </a:lvl6pPr>
-    <a:lvl7pPr lvl="6" marR="0" rtl="0" algn="l">
+    <a:lvl7pPr marR="0" lvl="6" algn="l" rtl="0">
       <a:lnSpc>
         <a:spcPct val="100000"/>
       </a:lnSpc>
@@ -206,7 +206,7 @@
         <a:srgbClr val="000000"/>
       </a:buClr>
       <a:buFont typeface="Arial"/>
-      <a:defRPr b="0" i="0" sz="1400" u="none" cap="none" strike="noStrike">
+      <a:defRPr sz="1400" b="0" i="0" u="none" strike="noStrike" cap="none">
         <a:solidFill>
           <a:srgbClr val="000000"/>
         </a:solidFill>
@@ -216,7 +216,7 @@
         <a:sym typeface="Arial"/>
       </a:defRPr>
     </a:lvl7pPr>
-    <a:lvl8pPr lvl="7" marR="0" rtl="0" algn="l">
+    <a:lvl8pPr marR="0" lvl="7" algn="l" rtl="0">
       <a:lnSpc>
         <a:spcPct val="100000"/>
       </a:lnSpc>
@@ -230,7 +230,7 @@
         <a:srgbClr val="000000"/>
       </a:buClr>
       <a:buFont typeface="Arial"/>
-      <a:defRPr b="0" i="0" sz="1400" u="none" cap="none" strike="noStrike">
+      <a:defRPr sz="1400" b="0" i="0" u="none" strike="noStrike" cap="none">
         <a:solidFill>
           <a:srgbClr val="000000"/>
         </a:solidFill>
@@ -240,7 +240,7 @@
         <a:sym typeface="Arial"/>
       </a:defRPr>
     </a:lvl8pPr>
-    <a:lvl9pPr lvl="8" marR="0" rtl="0" algn="l">
+    <a:lvl9pPr marR="0" lvl="8" algn="l" rtl="0">
       <a:lnSpc>
         <a:spcPct val="100000"/>
       </a:lnSpc>
@@ -254,7 +254,7 @@
         <a:srgbClr val="000000"/>
       </a:buClr>
       <a:buFont typeface="Arial"/>
-      <a:defRPr b="0" i="0" sz="1400" u="none" cap="none" strike="noStrike">
+      <a:defRPr sz="1400" b="0" i="0" u="none" strike="noStrike" cap="none">
         <a:solidFill>
           <a:srgbClr val="000000"/>
         </a:solidFill>
@@ -267,7 +267,7 @@
   </p:defaultTextStyle>
   <p:extLst>
     <p:ext uri="{EFAFB233-063F-42B5-8137-9DF3F51BA10A}">
-      <p15:sldGuideLst>
+      <p15:sldGuideLst xmlns:p15="http://schemas.microsoft.com/office/powerpoint/2012/main">
         <p15:guide id="1" orient="horz" pos="1620">
           <p15:clr>
             <a:srgbClr val="A4A3A4"/>
@@ -285,11 +285,16 @@
 </file>
 
 <file path=ppt/notesMasters/notesMaster1.xml><?xml version="1.0" encoding="utf-8"?>
-<p:notesMaster xmlns:a="http://schemas.openxmlformats.org/drawingml/2006/main" xmlns:r="http://schemas.openxmlformats.org/officeDocument/2006/relationships" xmlns:mc="http://schemas.openxmlformats.org/markup-compatibility/2006" xmlns:mv="urn:schemas-microsoft-com:mac:vml" xmlns:p="http://schemas.openxmlformats.org/presentationml/2006/main" xmlns:c="http://schemas.openxmlformats.org/drawingml/2006/chart" xmlns:dgm="http://schemas.openxmlformats.org/drawingml/2006/diagram" xmlns:o="urn:schemas-microsoft-com:office:office" xmlns:v="urn:schemas-microsoft-com:vml" xmlns:pvml="urn:schemas-microsoft-com:office:powerpoint" xmlns:com="http://schemas.openxmlformats.org/drawingml/2006/compatibility" xmlns:p14="http://schemas.microsoft.com/office/powerpoint/2010/main" xmlns:p15="http://schemas.microsoft.com/office/powerpoint/2012/main" xmlns:ahyp="http://schemas.microsoft.com/office/drawing/2018/hyperlinkcolor">
+<p:notesMaster xmlns:a="http://schemas.openxmlformats.org/drawingml/2006/main" xmlns:r="http://schemas.openxmlformats.org/officeDocument/2006/relationships" xmlns:p="http://schemas.openxmlformats.org/presentationml/2006/main">
   <p:cSld>
+    <p:bg>
+      <p:bgRef idx="1001">
+        <a:schemeClr val="bg1"/>
+      </p:bgRef>
+    </p:bg>
     <p:spTree>
       <p:nvGrpSpPr>
-        <p:cNvPr id="2" name="Shape 2"/>
+        <p:cNvPr id="1" name="Shape 2"/>
         <p:cNvGrpSpPr/>
         <p:nvPr/>
       </p:nvGrpSpPr>
@@ -304,9 +309,11 @@
       <p:sp>
         <p:nvSpPr>
           <p:cNvPr id="3" name="Google Shape;3;n"/>
-          <p:cNvSpPr/>
+          <p:cNvSpPr>
+            <a:spLocks noGrp="1" noRot="1" noChangeAspect="1"/>
+          </p:cNvSpPr>
           <p:nvPr>
-            <p:ph idx="2" type="sldImg"/>
+            <p:ph type="sldImg" idx="2"/>
           </p:nvPr>
         </p:nvSpPr>
         <p:spPr>
@@ -315,9 +322,13 @@
             <a:ext cx="6096075" cy="3429000"/>
           </a:xfrm>
           <a:custGeom>
-            <a:rect b="b" l="l" r="r" t="t"/>
+            <a:avLst/>
+            <a:gdLst/>
+            <a:ahLst/>
+            <a:cxnLst/>
+            <a:rect l="l" t="t" r="r" b="b"/>
             <a:pathLst>
-              <a:path extrusionOk="0" h="120000" w="120000">
+              <a:path w="120000" h="120000" extrusionOk="0">
                 <a:moveTo>
                   <a:pt x="0" y="0"/>
                 </a:moveTo>
@@ -335,23 +346,25 @@
             </a:pathLst>
           </a:custGeom>
           <a:noFill/>
-          <a:ln cap="flat" cmpd="sng" w="9525">
+          <a:ln w="9525" cap="flat" cmpd="sng">
             <a:solidFill>
               <a:srgbClr val="000000"/>
             </a:solidFill>
             <a:prstDash val="solid"/>
             <a:round/>
-            <a:headEnd len="sm" w="sm" type="none"/>
-            <a:tailEnd len="sm" w="sm" type="none"/>
+            <a:headEnd type="none" w="sm" len="sm"/>
+            <a:tailEnd type="none" w="sm" len="sm"/>
           </a:ln>
         </p:spPr>
       </p:sp>
       <p:sp>
         <p:nvSpPr>
           <p:cNvPr id="4" name="Google Shape;4;n"/>
-          <p:cNvSpPr txBox="1"/>
+          <p:cNvSpPr txBox="1">
+            <a:spLocks noGrp="1"/>
+          </p:cNvSpPr>
           <p:nvPr>
-            <p:ph idx="1" type="body"/>
+            <p:ph type="body" idx="1"/>
           </p:nvPr>
         </p:nvSpPr>
         <p:spPr>
@@ -368,11 +381,11 @@
           </a:ln>
         </p:spPr>
         <p:txBody>
-          <a:bodyPr anchorCtr="0" anchor="t" bIns="91425" lIns="91425" spcFirstLastPara="1" rIns="91425" wrap="square" tIns="91425">
+          <a:bodyPr spcFirstLastPara="1" wrap="square" lIns="91425" tIns="91425" rIns="91425" bIns="91425" anchor="t" anchorCtr="0">
             <a:noAutofit/>
           </a:bodyPr>
           <a:lstStyle>
-            <a:lvl1pPr indent="-298450" lvl="0" marL="457200">
+            <a:lvl1pPr marL="457200" lvl="0" indent="-298450">
               <a:spcBef>
                 <a:spcPts val="0"/>
               </a:spcBef>
@@ -383,7 +396,7 @@
               <a:buChar char="●"/>
               <a:defRPr sz="1100"/>
             </a:lvl1pPr>
-            <a:lvl2pPr indent="-298450" lvl="1" marL="914400">
+            <a:lvl2pPr marL="914400" lvl="1" indent="-298450">
               <a:spcBef>
                 <a:spcPts val="0"/>
               </a:spcBef>
@@ -394,7 +407,7 @@
               <a:buChar char="○"/>
               <a:defRPr sz="1100"/>
             </a:lvl2pPr>
-            <a:lvl3pPr indent="-298450" lvl="2" marL="1371600">
+            <a:lvl3pPr marL="1371600" lvl="2" indent="-298450">
               <a:spcBef>
                 <a:spcPts val="0"/>
               </a:spcBef>
@@ -405,7 +418,7 @@
               <a:buChar char="■"/>
               <a:defRPr sz="1100"/>
             </a:lvl3pPr>
-            <a:lvl4pPr indent="-298450" lvl="3" marL="1828800">
+            <a:lvl4pPr marL="1828800" lvl="3" indent="-298450">
               <a:spcBef>
                 <a:spcPts val="0"/>
               </a:spcBef>
@@ -416,7 +429,7 @@
               <a:buChar char="●"/>
               <a:defRPr sz="1100"/>
             </a:lvl4pPr>
-            <a:lvl5pPr indent="-298450" lvl="4" marL="2286000">
+            <a:lvl5pPr marL="2286000" lvl="4" indent="-298450">
               <a:spcBef>
                 <a:spcPts val="0"/>
               </a:spcBef>
@@ -427,7 +440,7 @@
               <a:buChar char="○"/>
               <a:defRPr sz="1100"/>
             </a:lvl5pPr>
-            <a:lvl6pPr indent="-298450" lvl="5" marL="2743200">
+            <a:lvl6pPr marL="2743200" lvl="5" indent="-298450">
               <a:spcBef>
                 <a:spcPts val="0"/>
               </a:spcBef>
@@ -438,7 +451,7 @@
               <a:buChar char="■"/>
               <a:defRPr sz="1100"/>
             </a:lvl6pPr>
-            <a:lvl7pPr indent="-298450" lvl="6" marL="3200400">
+            <a:lvl7pPr marL="3200400" lvl="6" indent="-298450">
               <a:spcBef>
                 <a:spcPts val="0"/>
               </a:spcBef>
@@ -449,7 +462,7 @@
               <a:buChar char="●"/>
               <a:defRPr sz="1100"/>
             </a:lvl7pPr>
-            <a:lvl8pPr indent="-298450" lvl="7" marL="3657600">
+            <a:lvl8pPr marL="3657600" lvl="7" indent="-298450">
               <a:spcBef>
                 <a:spcPts val="0"/>
               </a:spcBef>
@@ -460,7 +473,7 @@
               <a:buChar char="○"/>
               <a:defRPr sz="1100"/>
             </a:lvl8pPr>
-            <a:lvl9pPr indent="-298450" lvl="8" marL="4114800">
+            <a:lvl9pPr marL="4114800" lvl="8" indent="-298450">
               <a:spcBef>
                 <a:spcPts val="0"/>
               </a:spcBef>
@@ -472,14 +485,16 @@
               <a:defRPr sz="1100"/>
             </a:lvl9pPr>
           </a:lstStyle>
-          <a:p/>
+          <a:p>
+            <a:endParaRPr/>
+          </a:p>
         </p:txBody>
       </p:sp>
     </p:spTree>
   </p:cSld>
-  <p:clrMap accent1="accent1" accent2="accent2" accent3="accent3" accent4="accent4" accent5="accent5" accent6="accent6" bg1="lt1" bg2="dk2" tx1="dk1" tx2="lt2" folHlink="folHlink" hlink="hlink"/>
+  <p:clrMap bg1="lt1" tx1="dk1" bg2="dk2" tx2="lt2" accent1="accent1" accent2="accent2" accent3="accent3" accent4="accent4" accent5="accent5" accent6="accent6" hlink="hlink" folHlink="folHlink"/>
   <p:notesStyle>
-    <a:defPPr lvl="0" marR="0" rtl="0" algn="l">
+    <a:defPPr marR="0" lvl="0" algn="l" rtl="0">
       <a:lnSpc>
         <a:spcPct val="100000"/>
       </a:lnSpc>
@@ -490,7 +505,7 @@
         <a:spcPts val="0"/>
       </a:spcAft>
     </a:defPPr>
-    <a:lvl1pPr lvl="0" marR="0" rtl="0" algn="l">
+    <a:lvl1pPr marR="0" lvl="0" algn="l" rtl="0">
       <a:lnSpc>
         <a:spcPct val="100000"/>
       </a:lnSpc>
@@ -504,7 +519,7 @@
         <a:srgbClr val="000000"/>
       </a:buClr>
       <a:buFont typeface="Arial"/>
-      <a:defRPr b="0" i="0" sz="1400" u="none" cap="none" strike="noStrike">
+      <a:defRPr sz="1400" b="0" i="0" u="none" strike="noStrike" cap="none">
         <a:solidFill>
           <a:srgbClr val="000000"/>
         </a:solidFill>
@@ -514,7 +529,7 @@
         <a:sym typeface="Arial"/>
       </a:defRPr>
     </a:lvl1pPr>
-    <a:lvl2pPr lvl="1" marR="0" rtl="0" algn="l">
+    <a:lvl2pPr marR="0" lvl="1" algn="l" rtl="0">
       <a:lnSpc>
         <a:spcPct val="100000"/>
       </a:lnSpc>
@@ -528,7 +543,7 @@
         <a:srgbClr val="000000"/>
       </a:buClr>
       <a:buFont typeface="Arial"/>
-      <a:defRPr b="0" i="0" sz="1400" u="none" cap="none" strike="noStrike">
+      <a:defRPr sz="1400" b="0" i="0" u="none" strike="noStrike" cap="none">
         <a:solidFill>
           <a:srgbClr val="000000"/>
         </a:solidFill>
@@ -538,7 +553,7 @@
         <a:sym typeface="Arial"/>
       </a:defRPr>
     </a:lvl2pPr>
-    <a:lvl3pPr lvl="2" marR="0" rtl="0" algn="l">
+    <a:lvl3pPr marR="0" lvl="2" algn="l" rtl="0">
       <a:lnSpc>
         <a:spcPct val="100000"/>
       </a:lnSpc>
@@ -552,7 +567,7 @@
         <a:srgbClr val="000000"/>
       </a:buClr>
       <a:buFont typeface="Arial"/>
-      <a:defRPr b="0" i="0" sz="1400" u="none" cap="none" strike="noStrike">
+      <a:defRPr sz="1400" b="0" i="0" u="none" strike="noStrike" cap="none">
         <a:solidFill>
           <a:srgbClr val="000000"/>
         </a:solidFill>
@@ -562,7 +577,7 @@
         <a:sym typeface="Arial"/>
       </a:defRPr>
     </a:lvl3pPr>
-    <a:lvl4pPr lvl="3" marR="0" rtl="0" algn="l">
+    <a:lvl4pPr marR="0" lvl="3" algn="l" rtl="0">
       <a:lnSpc>
         <a:spcPct val="100000"/>
       </a:lnSpc>
@@ -576,7 +591,7 @@
         <a:srgbClr val="000000"/>
       </a:buClr>
       <a:buFont typeface="Arial"/>
-      <a:defRPr b="0" i="0" sz="1400" u="none" cap="none" strike="noStrike">
+      <a:defRPr sz="1400" b="0" i="0" u="none" strike="noStrike" cap="none">
         <a:solidFill>
           <a:srgbClr val="000000"/>
         </a:solidFill>
@@ -586,7 +601,7 @@
         <a:sym typeface="Arial"/>
       </a:defRPr>
     </a:lvl4pPr>
-    <a:lvl5pPr lvl="4" marR="0" rtl="0" algn="l">
+    <a:lvl5pPr marR="0" lvl="4" algn="l" rtl="0">
       <a:lnSpc>
         <a:spcPct val="100000"/>
       </a:lnSpc>
@@ -600,7 +615,7 @@
         <a:srgbClr val="000000"/>
       </a:buClr>
       <a:buFont typeface="Arial"/>
-      <a:defRPr b="0" i="0" sz="1400" u="none" cap="none" strike="noStrike">
+      <a:defRPr sz="1400" b="0" i="0" u="none" strike="noStrike" cap="none">
         <a:solidFill>
           <a:srgbClr val="000000"/>
         </a:solidFill>
@@ -610,7 +625,7 @@
         <a:sym typeface="Arial"/>
       </a:defRPr>
     </a:lvl5pPr>
-    <a:lvl6pPr lvl="5" marR="0" rtl="0" algn="l">
+    <a:lvl6pPr marR="0" lvl="5" algn="l" rtl="0">
       <a:lnSpc>
         <a:spcPct val="100000"/>
       </a:lnSpc>
@@ -624,7 +639,7 @@
         <a:srgbClr val="000000"/>
       </a:buClr>
       <a:buFont typeface="Arial"/>
-      <a:defRPr b="0" i="0" sz="1400" u="none" cap="none" strike="noStrike">
+      <a:defRPr sz="1400" b="0" i="0" u="none" strike="noStrike" cap="none">
         <a:solidFill>
           <a:srgbClr val="000000"/>
         </a:solidFill>
@@ -634,7 +649,7 @@
         <a:sym typeface="Arial"/>
       </a:defRPr>
     </a:lvl6pPr>
-    <a:lvl7pPr lvl="6" marR="0" rtl="0" algn="l">
+    <a:lvl7pPr marR="0" lvl="6" algn="l" rtl="0">
       <a:lnSpc>
         <a:spcPct val="100000"/>
       </a:lnSpc>
@@ -648,7 +663,7 @@
         <a:srgbClr val="000000"/>
       </a:buClr>
       <a:buFont typeface="Arial"/>
-      <a:defRPr b="0" i="0" sz="1400" u="none" cap="none" strike="noStrike">
+      <a:defRPr sz="1400" b="0" i="0" u="none" strike="noStrike" cap="none">
         <a:solidFill>
           <a:srgbClr val="000000"/>
         </a:solidFill>
@@ -658,7 +673,7 @@
         <a:sym typeface="Arial"/>
       </a:defRPr>
     </a:lvl7pPr>
-    <a:lvl8pPr lvl="7" marR="0" rtl="0" algn="l">
+    <a:lvl8pPr marR="0" lvl="7" algn="l" rtl="0">
       <a:lnSpc>
         <a:spcPct val="100000"/>
       </a:lnSpc>
@@ -672,7 +687,7 @@
         <a:srgbClr val="000000"/>
       </a:buClr>
       <a:buFont typeface="Arial"/>
-      <a:defRPr b="0" i="0" sz="1400" u="none" cap="none" strike="noStrike">
+      <a:defRPr sz="1400" b="0" i="0" u="none" strike="noStrike" cap="none">
         <a:solidFill>
           <a:srgbClr val="000000"/>
         </a:solidFill>
@@ -682,7 +697,7 @@
         <a:sym typeface="Arial"/>
       </a:defRPr>
     </a:lvl8pPr>
-    <a:lvl9pPr lvl="8" marR="0" rtl="0" algn="l">
+    <a:lvl9pPr marR="0" lvl="8" algn="l" rtl="0">
       <a:lnSpc>
         <a:spcPct val="100000"/>
       </a:lnSpc>
@@ -696,7 +711,7 @@
         <a:srgbClr val="000000"/>
       </a:buClr>
       <a:buFont typeface="Arial"/>
-      <a:defRPr b="0" i="0" sz="1400" u="none" cap="none" strike="noStrike">
+      <a:defRPr sz="1400" b="0" i="0" u="none" strike="noStrike" cap="none">
         <a:solidFill>
           <a:srgbClr val="000000"/>
         </a:solidFill>
@@ -711,11 +726,11 @@
 </file>
 
 <file path=ppt/notesSlides/notesSlide1.xml><?xml version="1.0" encoding="utf-8"?>
-<p:notes xmlns:a="http://schemas.openxmlformats.org/drawingml/2006/main" xmlns:r="http://schemas.openxmlformats.org/officeDocument/2006/relationships" xmlns:mc="http://schemas.openxmlformats.org/markup-compatibility/2006" xmlns:mv="urn:schemas-microsoft-com:mac:vml" xmlns:p="http://schemas.openxmlformats.org/presentationml/2006/main" xmlns:c="http://schemas.openxmlformats.org/drawingml/2006/chart" xmlns:dgm="http://schemas.openxmlformats.org/drawingml/2006/diagram" xmlns:o="urn:schemas-microsoft-com:office:office" xmlns:v="urn:schemas-microsoft-com:vml" xmlns:pvml="urn:schemas-microsoft-com:office:powerpoint" xmlns:com="http://schemas.openxmlformats.org/drawingml/2006/compatibility" xmlns:p14="http://schemas.microsoft.com/office/powerpoint/2010/main" xmlns:p15="http://schemas.microsoft.com/office/powerpoint/2012/main" xmlns:ahyp="http://schemas.microsoft.com/office/drawing/2018/hyperlinkcolor" showMasterPhAnim="0" showMasterSp="0">
+<p:notes xmlns:a="http://schemas.openxmlformats.org/drawingml/2006/main" xmlns:r="http://schemas.openxmlformats.org/officeDocument/2006/relationships" xmlns:p="http://schemas.openxmlformats.org/presentationml/2006/main" showMasterSp="0" showMasterPhAnim="0">
   <p:cSld>
     <p:spTree>
       <p:nvGrpSpPr>
-        <p:cNvPr id="130" name="Shape 130"/>
+        <p:cNvPr id="1" name="Shape 130"/>
         <p:cNvGrpSpPr/>
         <p:nvPr/>
       </p:nvGrpSpPr>
@@ -730,9 +745,11 @@
       <p:sp>
         <p:nvSpPr>
           <p:cNvPr id="131" name="Google Shape;131;p:notes"/>
-          <p:cNvSpPr/>
+          <p:cNvSpPr>
+            <a:spLocks noGrp="1" noRot="1" noChangeAspect="1"/>
+          </p:cNvSpPr>
           <p:nvPr>
-            <p:ph idx="2" type="sldImg"/>
+            <p:ph type="sldImg" idx="2"/>
           </p:nvPr>
         </p:nvSpPr>
         <p:spPr>
@@ -741,9 +758,13 @@
             <a:ext cx="6096075" cy="3429000"/>
           </a:xfrm>
           <a:custGeom>
-            <a:rect b="b" l="l" r="r" t="t"/>
+            <a:avLst/>
+            <a:gdLst/>
+            <a:ahLst/>
+            <a:cxnLst/>
+            <a:rect l="l" t="t" r="r" b="b"/>
             <a:pathLst>
-              <a:path extrusionOk="0" h="120000" w="120000">
+              <a:path w="120000" h="120000" extrusionOk="0">
                 <a:moveTo>
                   <a:pt x="0" y="0"/>
                 </a:moveTo>
@@ -765,9 +786,11 @@
       <p:sp>
         <p:nvSpPr>
           <p:cNvPr id="132" name="Google Shape;132;p:notes"/>
-          <p:cNvSpPr txBox="1"/>
+          <p:cNvSpPr txBox="1">
+            <a:spLocks noGrp="1"/>
+          </p:cNvSpPr>
           <p:nvPr>
-            <p:ph idx="1" type="body"/>
+            <p:ph type="body" idx="1"/>
           </p:nvPr>
         </p:nvSpPr>
         <p:spPr>
@@ -780,12 +803,12 @@
           </a:prstGeom>
         </p:spPr>
         <p:txBody>
-          <a:bodyPr anchorCtr="0" anchor="t" bIns="91425" lIns="91425" spcFirstLastPara="1" rIns="91425" wrap="square" tIns="91425">
+          <a:bodyPr spcFirstLastPara="1" wrap="square" lIns="91425" tIns="91425" rIns="91425" bIns="91425" anchor="t" anchorCtr="0">
             <a:noAutofit/>
           </a:bodyPr>
           <a:lstStyle/>
           <a:p>
-            <a:pPr indent="0" lvl="0" marL="0" rtl="0" algn="l">
+            <a:pPr marL="0" lvl="0" indent="0" algn="l" rtl="0">
               <a:spcBef>
                 <a:spcPts val="0"/>
               </a:spcBef>
@@ -794,9 +817,6 @@
               </a:spcAft>
               <a:buNone/>
             </a:pPr>
-            <a:r>
-              <a:t/>
-            </a:r>
             <a:endParaRPr/>
           </a:p>
         </p:txBody>
@@ -810,11 +830,11 @@
 </file>
 
 <file path=ppt/notesSlides/notesSlide2.xml><?xml version="1.0" encoding="utf-8"?>
-<p:notes xmlns:a="http://schemas.openxmlformats.org/drawingml/2006/main" xmlns:r="http://schemas.openxmlformats.org/officeDocument/2006/relationships" xmlns:mc="http://schemas.openxmlformats.org/markup-compatibility/2006" xmlns:mv="urn:schemas-microsoft-com:mac:vml" xmlns:p="http://schemas.openxmlformats.org/presentationml/2006/main" xmlns:c="http://schemas.openxmlformats.org/drawingml/2006/chart" xmlns:dgm="http://schemas.openxmlformats.org/drawingml/2006/diagram" xmlns:o="urn:schemas-microsoft-com:office:office" xmlns:v="urn:schemas-microsoft-com:vml" xmlns:pvml="urn:schemas-microsoft-com:office:powerpoint" xmlns:com="http://schemas.openxmlformats.org/drawingml/2006/compatibility" xmlns:p14="http://schemas.microsoft.com/office/powerpoint/2010/main" xmlns:p15="http://schemas.microsoft.com/office/powerpoint/2012/main" xmlns:ahyp="http://schemas.microsoft.com/office/drawing/2018/hyperlinkcolor" showMasterPhAnim="0" showMasterSp="0">
+<p:notes xmlns:a="http://schemas.openxmlformats.org/drawingml/2006/main" xmlns:r="http://schemas.openxmlformats.org/officeDocument/2006/relationships" xmlns:p="http://schemas.openxmlformats.org/presentationml/2006/main" showMasterSp="0" showMasterPhAnim="0">
   <p:cSld>
     <p:spTree>
       <p:nvGrpSpPr>
-        <p:cNvPr id="136" name="Shape 136"/>
+        <p:cNvPr id="1" name="Shape 136"/>
         <p:cNvGrpSpPr/>
         <p:nvPr/>
       </p:nvGrpSpPr>
@@ -829,20 +849,26 @@
       <p:sp>
         <p:nvSpPr>
           <p:cNvPr id="137" name="Google Shape;137;ge070c3f4cf_0_11:notes"/>
-          <p:cNvSpPr/>
+          <p:cNvSpPr>
+            <a:spLocks noGrp="1" noRot="1" noChangeAspect="1"/>
+          </p:cNvSpPr>
           <p:nvPr>
-            <p:ph idx="2" type="sldImg"/>
+            <p:ph type="sldImg" idx="2"/>
           </p:nvPr>
         </p:nvSpPr>
         <p:spPr>
           <a:xfrm>
-            <a:off x="381300" y="685800"/>
+            <a:off x="381000" y="685800"/>
             <a:ext cx="6096000" cy="3429000"/>
           </a:xfrm>
           <a:custGeom>
-            <a:rect b="b" l="l" r="r" t="t"/>
+            <a:avLst/>
+            <a:gdLst/>
+            <a:ahLst/>
+            <a:cxnLst/>
+            <a:rect l="l" t="t" r="r" b="b"/>
             <a:pathLst>
-              <a:path extrusionOk="0" h="120000" w="120000">
+              <a:path w="120000" h="120000" extrusionOk="0">
                 <a:moveTo>
                   <a:pt x="0" y="0"/>
                 </a:moveTo>
@@ -864,9 +890,11 @@
       <p:sp>
         <p:nvSpPr>
           <p:cNvPr id="138" name="Google Shape;138;ge070c3f4cf_0_11:notes"/>
-          <p:cNvSpPr txBox="1"/>
+          <p:cNvSpPr txBox="1">
+            <a:spLocks noGrp="1"/>
+          </p:cNvSpPr>
           <p:nvPr>
-            <p:ph idx="1" type="body"/>
+            <p:ph type="body" idx="1"/>
           </p:nvPr>
         </p:nvSpPr>
         <p:spPr>
@@ -879,12 +907,12 @@
           </a:prstGeom>
         </p:spPr>
         <p:txBody>
-          <a:bodyPr anchorCtr="0" anchor="t" bIns="91425" lIns="91425" spcFirstLastPara="1" rIns="91425" wrap="square" tIns="91425">
+          <a:bodyPr spcFirstLastPara="1" wrap="square" lIns="91425" tIns="91425" rIns="91425" bIns="91425" anchor="t" anchorCtr="0">
             <a:noAutofit/>
           </a:bodyPr>
           <a:lstStyle/>
           <a:p>
-            <a:pPr indent="0" lvl="0" marL="0" rtl="0" algn="l">
+            <a:pPr marL="0" lvl="0" indent="0" algn="l" rtl="0">
               <a:spcBef>
                 <a:spcPts val="0"/>
               </a:spcBef>
@@ -893,9 +921,6 @@
               </a:spcAft>
               <a:buNone/>
             </a:pPr>
-            <a:r>
-              <a:t/>
-            </a:r>
             <a:endParaRPr/>
           </a:p>
         </p:txBody>
@@ -909,11 +934,11 @@
 </file>
 
 <file path=ppt/notesSlides/notesSlide3.xml><?xml version="1.0" encoding="utf-8"?>
-<p:notes xmlns:a="http://schemas.openxmlformats.org/drawingml/2006/main" xmlns:r="http://schemas.openxmlformats.org/officeDocument/2006/relationships" xmlns:mc="http://schemas.openxmlformats.org/markup-compatibility/2006" xmlns:mv="urn:schemas-microsoft-com:mac:vml" xmlns:p="http://schemas.openxmlformats.org/presentationml/2006/main" xmlns:c="http://schemas.openxmlformats.org/drawingml/2006/chart" xmlns:dgm="http://schemas.openxmlformats.org/drawingml/2006/diagram" xmlns:o="urn:schemas-microsoft-com:office:office" xmlns:v="urn:schemas-microsoft-com:vml" xmlns:pvml="urn:schemas-microsoft-com:office:powerpoint" xmlns:com="http://schemas.openxmlformats.org/drawingml/2006/compatibility" xmlns:p14="http://schemas.microsoft.com/office/powerpoint/2010/main" xmlns:p15="http://schemas.microsoft.com/office/powerpoint/2012/main" xmlns:ahyp="http://schemas.microsoft.com/office/drawing/2018/hyperlinkcolor" showMasterPhAnim="0" showMasterSp="0">
+<p:notes xmlns:a="http://schemas.openxmlformats.org/drawingml/2006/main" xmlns:r="http://schemas.openxmlformats.org/officeDocument/2006/relationships" xmlns:p="http://schemas.openxmlformats.org/presentationml/2006/main" showMasterSp="0" showMasterPhAnim="0">
   <p:cSld>
     <p:spTree>
       <p:nvGrpSpPr>
-        <p:cNvPr id="143" name="Shape 143"/>
+        <p:cNvPr id="1" name="Shape 143"/>
         <p:cNvGrpSpPr/>
         <p:nvPr/>
       </p:nvGrpSpPr>
@@ -928,9 +953,11 @@
       <p:sp>
         <p:nvSpPr>
           <p:cNvPr id="144" name="Google Shape;144;ge070c3f4cf_0_17:notes"/>
-          <p:cNvSpPr/>
+          <p:cNvSpPr>
+            <a:spLocks noGrp="1" noRot="1" noChangeAspect="1"/>
+          </p:cNvSpPr>
           <p:nvPr>
-            <p:ph idx="2" type="sldImg"/>
+            <p:ph type="sldImg" idx="2"/>
           </p:nvPr>
         </p:nvSpPr>
         <p:spPr>
@@ -939,9 +966,13 @@
             <a:ext cx="6096000" cy="3429000"/>
           </a:xfrm>
           <a:custGeom>
-            <a:rect b="b" l="l" r="r" t="t"/>
+            <a:avLst/>
+            <a:gdLst/>
+            <a:ahLst/>
+            <a:cxnLst/>
+            <a:rect l="l" t="t" r="r" b="b"/>
             <a:pathLst>
-              <a:path extrusionOk="0" h="120000" w="120000">
+              <a:path w="120000" h="120000" extrusionOk="0">
                 <a:moveTo>
                   <a:pt x="0" y="0"/>
                 </a:moveTo>
@@ -963,9 +994,11 @@
       <p:sp>
         <p:nvSpPr>
           <p:cNvPr id="145" name="Google Shape;145;ge070c3f4cf_0_17:notes"/>
-          <p:cNvSpPr txBox="1"/>
+          <p:cNvSpPr txBox="1">
+            <a:spLocks noGrp="1"/>
+          </p:cNvSpPr>
           <p:nvPr>
-            <p:ph idx="1" type="body"/>
+            <p:ph type="body" idx="1"/>
           </p:nvPr>
         </p:nvSpPr>
         <p:spPr>
@@ -978,12 +1011,12 @@
           </a:prstGeom>
         </p:spPr>
         <p:txBody>
-          <a:bodyPr anchorCtr="0" anchor="t" bIns="91425" lIns="91425" spcFirstLastPara="1" rIns="91425" wrap="square" tIns="91425">
+          <a:bodyPr spcFirstLastPara="1" wrap="square" lIns="91425" tIns="91425" rIns="91425" bIns="91425" anchor="t" anchorCtr="0">
             <a:noAutofit/>
           </a:bodyPr>
           <a:lstStyle/>
           <a:p>
-            <a:pPr indent="0" lvl="0" marL="0" rtl="0" algn="l">
+            <a:pPr marL="0" lvl="0" indent="0" algn="l" rtl="0">
               <a:spcBef>
                 <a:spcPts val="0"/>
               </a:spcBef>
@@ -992,9 +1025,6 @@
               </a:spcAft>
               <a:buNone/>
             </a:pPr>
-            <a:r>
-              <a:t/>
-            </a:r>
             <a:endParaRPr/>
           </a:p>
         </p:txBody>
@@ -1008,11 +1038,11 @@
 </file>
 
 <file path=ppt/notesSlides/notesSlide4.xml><?xml version="1.0" encoding="utf-8"?>
-<p:notes xmlns:a="http://schemas.openxmlformats.org/drawingml/2006/main" xmlns:r="http://schemas.openxmlformats.org/officeDocument/2006/relationships" xmlns:mc="http://schemas.openxmlformats.org/markup-compatibility/2006" xmlns:mv="urn:schemas-microsoft-com:mac:vml" xmlns:p="http://schemas.openxmlformats.org/presentationml/2006/main" xmlns:c="http://schemas.openxmlformats.org/drawingml/2006/chart" xmlns:dgm="http://schemas.openxmlformats.org/drawingml/2006/diagram" xmlns:o="urn:schemas-microsoft-com:office:office" xmlns:v="urn:schemas-microsoft-com:vml" xmlns:pvml="urn:schemas-microsoft-com:office:powerpoint" xmlns:com="http://schemas.openxmlformats.org/drawingml/2006/compatibility" xmlns:p14="http://schemas.microsoft.com/office/powerpoint/2010/main" xmlns:p15="http://schemas.microsoft.com/office/powerpoint/2012/main" xmlns:ahyp="http://schemas.microsoft.com/office/drawing/2018/hyperlinkcolor" showMasterPhAnim="0" showMasterSp="0">
+<p:notes xmlns:a="http://schemas.openxmlformats.org/drawingml/2006/main" xmlns:r="http://schemas.openxmlformats.org/officeDocument/2006/relationships" xmlns:p="http://schemas.openxmlformats.org/presentationml/2006/main" showMasterSp="0" showMasterPhAnim="0">
   <p:cSld>
     <p:spTree>
       <p:nvGrpSpPr>
-        <p:cNvPr id="150" name="Shape 150"/>
+        <p:cNvPr id="1" name="Shape 150"/>
         <p:cNvGrpSpPr/>
         <p:nvPr/>
       </p:nvGrpSpPr>
@@ -1027,9 +1057,11 @@
       <p:sp>
         <p:nvSpPr>
           <p:cNvPr id="151" name="Google Shape;151;ge070c3f4cf_0_5:notes"/>
-          <p:cNvSpPr/>
+          <p:cNvSpPr>
+            <a:spLocks noGrp="1" noRot="1" noChangeAspect="1"/>
+          </p:cNvSpPr>
           <p:nvPr>
-            <p:ph idx="2" type="sldImg"/>
+            <p:ph type="sldImg" idx="2"/>
           </p:nvPr>
         </p:nvSpPr>
         <p:spPr>
@@ -1038,9 +1070,13 @@
             <a:ext cx="6096000" cy="3429000"/>
           </a:xfrm>
           <a:custGeom>
-            <a:rect b="b" l="l" r="r" t="t"/>
+            <a:avLst/>
+            <a:gdLst/>
+            <a:ahLst/>
+            <a:cxnLst/>
+            <a:rect l="l" t="t" r="r" b="b"/>
             <a:pathLst>
-              <a:path extrusionOk="0" h="120000" w="120000">
+              <a:path w="120000" h="120000" extrusionOk="0">
                 <a:moveTo>
                   <a:pt x="0" y="0"/>
                 </a:moveTo>
@@ -1062,9 +1098,11 @@
       <p:sp>
         <p:nvSpPr>
           <p:cNvPr id="152" name="Google Shape;152;ge070c3f4cf_0_5:notes"/>
-          <p:cNvSpPr txBox="1"/>
+          <p:cNvSpPr txBox="1">
+            <a:spLocks noGrp="1"/>
+          </p:cNvSpPr>
           <p:nvPr>
-            <p:ph idx="1" type="body"/>
+            <p:ph type="body" idx="1"/>
           </p:nvPr>
         </p:nvSpPr>
         <p:spPr>
@@ -1077,12 +1115,12 @@
           </a:prstGeom>
         </p:spPr>
         <p:txBody>
-          <a:bodyPr anchorCtr="0" anchor="t" bIns="91425" lIns="91425" spcFirstLastPara="1" rIns="91425" wrap="square" tIns="91425">
+          <a:bodyPr spcFirstLastPara="1" wrap="square" lIns="91425" tIns="91425" rIns="91425" bIns="91425" anchor="t" anchorCtr="0">
             <a:noAutofit/>
           </a:bodyPr>
           <a:lstStyle/>
           <a:p>
-            <a:pPr indent="0" lvl="0" marL="0" rtl="0" algn="l">
+            <a:pPr marL="0" lvl="0" indent="0" algn="l" rtl="0">
               <a:spcBef>
                 <a:spcPts val="0"/>
               </a:spcBef>
@@ -1091,9 +1129,6 @@
               </a:spcAft>
               <a:buNone/>
             </a:pPr>
-            <a:r>
-              <a:t/>
-            </a:r>
             <a:endParaRPr/>
           </a:p>
         </p:txBody>
@@ -1107,11 +1142,11 @@
 </file>
 
 <file path=ppt/notesSlides/notesSlide5.xml><?xml version="1.0" encoding="utf-8"?>
-<p:notes xmlns:a="http://schemas.openxmlformats.org/drawingml/2006/main" xmlns:r="http://schemas.openxmlformats.org/officeDocument/2006/relationships" xmlns:mc="http://schemas.openxmlformats.org/markup-compatibility/2006" xmlns:mv="urn:schemas-microsoft-com:mac:vml" xmlns:p="http://schemas.openxmlformats.org/presentationml/2006/main" xmlns:c="http://schemas.openxmlformats.org/drawingml/2006/chart" xmlns:dgm="http://schemas.openxmlformats.org/drawingml/2006/diagram" xmlns:o="urn:schemas-microsoft-com:office:office" xmlns:v="urn:schemas-microsoft-com:vml" xmlns:pvml="urn:schemas-microsoft-com:office:powerpoint" xmlns:com="http://schemas.openxmlformats.org/drawingml/2006/compatibility" xmlns:p14="http://schemas.microsoft.com/office/powerpoint/2010/main" xmlns:p15="http://schemas.microsoft.com/office/powerpoint/2012/main" xmlns:ahyp="http://schemas.microsoft.com/office/drawing/2018/hyperlinkcolor" showMasterPhAnim="0" showMasterSp="0">
+<p:notes xmlns:a="http://schemas.openxmlformats.org/drawingml/2006/main" xmlns:r="http://schemas.openxmlformats.org/officeDocument/2006/relationships" xmlns:p="http://schemas.openxmlformats.org/presentationml/2006/main" showMasterSp="0" showMasterPhAnim="0">
   <p:cSld>
     <p:spTree>
       <p:nvGrpSpPr>
-        <p:cNvPr id="156" name="Shape 156"/>
+        <p:cNvPr id="1" name="Shape 156"/>
         <p:cNvGrpSpPr/>
         <p:nvPr/>
       </p:nvGrpSpPr>
@@ -1126,9 +1161,11 @@
       <p:sp>
         <p:nvSpPr>
           <p:cNvPr id="157" name="Google Shape;157;gdfbfdff118_0_5:notes"/>
-          <p:cNvSpPr/>
+          <p:cNvSpPr>
+            <a:spLocks noGrp="1" noRot="1" noChangeAspect="1"/>
+          </p:cNvSpPr>
           <p:nvPr>
-            <p:ph idx="2" type="sldImg"/>
+            <p:ph type="sldImg" idx="2"/>
           </p:nvPr>
         </p:nvSpPr>
         <p:spPr>
@@ -1137,9 +1174,13 @@
             <a:ext cx="6096000" cy="3429000"/>
           </a:xfrm>
           <a:custGeom>
-            <a:rect b="b" l="l" r="r" t="t"/>
+            <a:avLst/>
+            <a:gdLst/>
+            <a:ahLst/>
+            <a:cxnLst/>
+            <a:rect l="l" t="t" r="r" b="b"/>
             <a:pathLst>
-              <a:path extrusionOk="0" h="120000" w="120000">
+              <a:path w="120000" h="120000" extrusionOk="0">
                 <a:moveTo>
                   <a:pt x="0" y="0"/>
                 </a:moveTo>
@@ -1161,9 +1202,11 @@
       <p:sp>
         <p:nvSpPr>
           <p:cNvPr id="158" name="Google Shape;158;gdfbfdff118_0_5:notes"/>
-          <p:cNvSpPr txBox="1"/>
+          <p:cNvSpPr txBox="1">
+            <a:spLocks noGrp="1"/>
+          </p:cNvSpPr>
           <p:nvPr>
-            <p:ph idx="1" type="body"/>
+            <p:ph type="body" idx="1"/>
           </p:nvPr>
         </p:nvSpPr>
         <p:spPr>
@@ -1176,12 +1219,12 @@
           </a:prstGeom>
         </p:spPr>
         <p:txBody>
-          <a:bodyPr anchorCtr="0" anchor="t" bIns="91425" lIns="91425" spcFirstLastPara="1" rIns="91425" wrap="square" tIns="91425">
+          <a:bodyPr spcFirstLastPara="1" wrap="square" lIns="91425" tIns="91425" rIns="91425" bIns="91425" anchor="t" anchorCtr="0">
             <a:noAutofit/>
           </a:bodyPr>
           <a:lstStyle/>
           <a:p>
-            <a:pPr indent="0" lvl="0" marL="0" rtl="0" algn="l">
+            <a:pPr marL="0" lvl="0" indent="0" algn="l" rtl="0">
               <a:spcBef>
                 <a:spcPts val="0"/>
               </a:spcBef>
@@ -1190,9 +1233,6 @@
               </a:spcAft>
               <a:buNone/>
             </a:pPr>
-            <a:r>
-              <a:t/>
-            </a:r>
             <a:endParaRPr/>
           </a:p>
         </p:txBody>
@@ -1206,11 +1246,11 @@
 </file>
 
 <file path=ppt/notesSlides/notesSlide6.xml><?xml version="1.0" encoding="utf-8"?>
-<p:notes xmlns:a="http://schemas.openxmlformats.org/drawingml/2006/main" xmlns:r="http://schemas.openxmlformats.org/officeDocument/2006/relationships" xmlns:mc="http://schemas.openxmlformats.org/markup-compatibility/2006" xmlns:mv="urn:schemas-microsoft-com:mac:vml" xmlns:p="http://schemas.openxmlformats.org/presentationml/2006/main" xmlns:c="http://schemas.openxmlformats.org/drawingml/2006/chart" xmlns:dgm="http://schemas.openxmlformats.org/drawingml/2006/diagram" xmlns:o="urn:schemas-microsoft-com:office:office" xmlns:v="urn:schemas-microsoft-com:vml" xmlns:pvml="urn:schemas-microsoft-com:office:powerpoint" xmlns:com="http://schemas.openxmlformats.org/drawingml/2006/compatibility" xmlns:p14="http://schemas.microsoft.com/office/powerpoint/2010/main" xmlns:p15="http://schemas.microsoft.com/office/powerpoint/2012/main" xmlns:ahyp="http://schemas.microsoft.com/office/drawing/2018/hyperlinkcolor" showMasterPhAnim="0" showMasterSp="0">
+<p:notes xmlns:a="http://schemas.openxmlformats.org/drawingml/2006/main" xmlns:r="http://schemas.openxmlformats.org/officeDocument/2006/relationships" xmlns:p="http://schemas.openxmlformats.org/presentationml/2006/main" showMasterSp="0" showMasterPhAnim="0">
   <p:cSld>
     <p:spTree>
       <p:nvGrpSpPr>
-        <p:cNvPr id="163" name="Shape 163"/>
+        <p:cNvPr id="1" name="Shape 163"/>
         <p:cNvGrpSpPr/>
         <p:nvPr/>
       </p:nvGrpSpPr>
@@ -1225,9 +1265,11 @@
       <p:sp>
         <p:nvSpPr>
           <p:cNvPr id="164" name="Google Shape;164;gdbfcaa1b94_0_3:notes"/>
-          <p:cNvSpPr/>
+          <p:cNvSpPr>
+            <a:spLocks noGrp="1" noRot="1" noChangeAspect="1"/>
+          </p:cNvSpPr>
           <p:nvPr>
-            <p:ph idx="2" type="sldImg"/>
+            <p:ph type="sldImg" idx="2"/>
           </p:nvPr>
         </p:nvSpPr>
         <p:spPr>
@@ -1236,9 +1278,13 @@
             <a:ext cx="6096000" cy="3429000"/>
           </a:xfrm>
           <a:custGeom>
-            <a:rect b="b" l="l" r="r" t="t"/>
+            <a:avLst/>
+            <a:gdLst/>
+            <a:ahLst/>
+            <a:cxnLst/>
+            <a:rect l="l" t="t" r="r" b="b"/>
             <a:pathLst>
-              <a:path extrusionOk="0" h="120000" w="120000">
+              <a:path w="120000" h="120000" extrusionOk="0">
                 <a:moveTo>
                   <a:pt x="0" y="0"/>
                 </a:moveTo>
@@ -1260,9 +1306,11 @@
       <p:sp>
         <p:nvSpPr>
           <p:cNvPr id="165" name="Google Shape;165;gdbfcaa1b94_0_3:notes"/>
-          <p:cNvSpPr txBox="1"/>
+          <p:cNvSpPr txBox="1">
+            <a:spLocks noGrp="1"/>
+          </p:cNvSpPr>
           <p:nvPr>
-            <p:ph idx="1" type="body"/>
+            <p:ph type="body" idx="1"/>
           </p:nvPr>
         </p:nvSpPr>
         <p:spPr>
@@ -1275,12 +1323,12 @@
           </a:prstGeom>
         </p:spPr>
         <p:txBody>
-          <a:bodyPr anchorCtr="0" anchor="t" bIns="91425" lIns="91425" spcFirstLastPara="1" rIns="91425" wrap="square" tIns="91425">
+          <a:bodyPr spcFirstLastPara="1" wrap="square" lIns="91425" tIns="91425" rIns="91425" bIns="91425" anchor="t" anchorCtr="0">
             <a:noAutofit/>
           </a:bodyPr>
           <a:lstStyle/>
           <a:p>
-            <a:pPr indent="0" lvl="0" marL="0" rtl="0" algn="l">
+            <a:pPr marL="0" lvl="0" indent="0" algn="l" rtl="0">
               <a:spcBef>
                 <a:spcPts val="0"/>
               </a:spcBef>
@@ -1289,9 +1337,6 @@
               </a:spcAft>
               <a:buNone/>
             </a:pPr>
-            <a:r>
-              <a:t/>
-            </a:r>
             <a:endParaRPr/>
           </a:p>
         </p:txBody>
@@ -1305,11 +1350,11 @@
 </file>
 
 <file path=ppt/notesSlides/notesSlide7.xml><?xml version="1.0" encoding="utf-8"?>
-<p:notes xmlns:a="http://schemas.openxmlformats.org/drawingml/2006/main" xmlns:r="http://schemas.openxmlformats.org/officeDocument/2006/relationships" xmlns:mc="http://schemas.openxmlformats.org/markup-compatibility/2006" xmlns:mv="urn:schemas-microsoft-com:mac:vml" xmlns:p="http://schemas.openxmlformats.org/presentationml/2006/main" xmlns:c="http://schemas.openxmlformats.org/drawingml/2006/chart" xmlns:dgm="http://schemas.openxmlformats.org/drawingml/2006/diagram" xmlns:o="urn:schemas-microsoft-com:office:office" xmlns:v="urn:schemas-microsoft-com:vml" xmlns:pvml="urn:schemas-microsoft-com:office:powerpoint" xmlns:com="http://schemas.openxmlformats.org/drawingml/2006/compatibility" xmlns:p14="http://schemas.microsoft.com/office/powerpoint/2010/main" xmlns:p15="http://schemas.microsoft.com/office/powerpoint/2012/main" xmlns:ahyp="http://schemas.microsoft.com/office/drawing/2018/hyperlinkcolor" showMasterPhAnim="0" showMasterSp="0">
+<p:notes xmlns:a="http://schemas.openxmlformats.org/drawingml/2006/main" xmlns:r="http://schemas.openxmlformats.org/officeDocument/2006/relationships" xmlns:p="http://schemas.openxmlformats.org/presentationml/2006/main" showMasterSp="0" showMasterPhAnim="0">
   <p:cSld>
     <p:spTree>
       <p:nvGrpSpPr>
-        <p:cNvPr id="169" name="Shape 169"/>
+        <p:cNvPr id="1" name="Shape 169"/>
         <p:cNvGrpSpPr/>
         <p:nvPr/>
       </p:nvGrpSpPr>
@@ -1324,9 +1369,11 @@
       <p:sp>
         <p:nvSpPr>
           <p:cNvPr id="170" name="Google Shape;170;ge0e566eb27_0_0:notes"/>
-          <p:cNvSpPr/>
+          <p:cNvSpPr>
+            <a:spLocks noGrp="1" noRot="1" noChangeAspect="1"/>
+          </p:cNvSpPr>
           <p:nvPr>
-            <p:ph idx="2" type="sldImg"/>
+            <p:ph type="sldImg" idx="2"/>
           </p:nvPr>
         </p:nvSpPr>
         <p:spPr>
@@ -1335,9 +1382,13 @@
             <a:ext cx="6096000" cy="3429000"/>
           </a:xfrm>
           <a:custGeom>
-            <a:rect b="b" l="l" r="r" t="t"/>
+            <a:avLst/>
+            <a:gdLst/>
+            <a:ahLst/>
+            <a:cxnLst/>
+            <a:rect l="l" t="t" r="r" b="b"/>
             <a:pathLst>
-              <a:path extrusionOk="0" h="120000" w="120000">
+              <a:path w="120000" h="120000" extrusionOk="0">
                 <a:moveTo>
                   <a:pt x="0" y="0"/>
                 </a:moveTo>
@@ -1359,9 +1410,11 @@
       <p:sp>
         <p:nvSpPr>
           <p:cNvPr id="171" name="Google Shape;171;ge0e566eb27_0_0:notes"/>
-          <p:cNvSpPr txBox="1"/>
+          <p:cNvSpPr txBox="1">
+            <a:spLocks noGrp="1"/>
+          </p:cNvSpPr>
           <p:nvPr>
-            <p:ph idx="1" type="body"/>
+            <p:ph type="body" idx="1"/>
           </p:nvPr>
         </p:nvSpPr>
         <p:spPr>
@@ -1374,12 +1427,12 @@
           </a:prstGeom>
         </p:spPr>
         <p:txBody>
-          <a:bodyPr anchorCtr="0" anchor="t" bIns="91425" lIns="91425" spcFirstLastPara="1" rIns="91425" wrap="square" tIns="91425">
+          <a:bodyPr spcFirstLastPara="1" wrap="square" lIns="91425" tIns="91425" rIns="91425" bIns="91425" anchor="t" anchorCtr="0">
             <a:noAutofit/>
           </a:bodyPr>
           <a:lstStyle/>
           <a:p>
-            <a:pPr indent="0" lvl="0" marL="0" rtl="0" algn="l">
+            <a:pPr marL="0" lvl="0" indent="0" algn="l" rtl="0">
               <a:spcBef>
                 <a:spcPts val="0"/>
               </a:spcBef>
@@ -1388,9 +1441,6 @@
               </a:spcAft>
               <a:buNone/>
             </a:pPr>
-            <a:r>
-              <a:t/>
-            </a:r>
             <a:endParaRPr/>
           </a:p>
         </p:txBody>
@@ -1404,11 +1454,11 @@
 </file>
 
 <file path=ppt/notesSlides/notesSlide8.xml><?xml version="1.0" encoding="utf-8"?>
-<p:notes xmlns:a="http://schemas.openxmlformats.org/drawingml/2006/main" xmlns:r="http://schemas.openxmlformats.org/officeDocument/2006/relationships" xmlns:mc="http://schemas.openxmlformats.org/markup-compatibility/2006" xmlns:mv="urn:schemas-microsoft-com:mac:vml" xmlns:p="http://schemas.openxmlformats.org/presentationml/2006/main" xmlns:c="http://schemas.openxmlformats.org/drawingml/2006/chart" xmlns:dgm="http://schemas.openxmlformats.org/drawingml/2006/diagram" xmlns:o="urn:schemas-microsoft-com:office:office" xmlns:v="urn:schemas-microsoft-com:vml" xmlns:pvml="urn:schemas-microsoft-com:office:powerpoint" xmlns:com="http://schemas.openxmlformats.org/drawingml/2006/compatibility" xmlns:p14="http://schemas.microsoft.com/office/powerpoint/2010/main" xmlns:p15="http://schemas.microsoft.com/office/powerpoint/2012/main" xmlns:ahyp="http://schemas.microsoft.com/office/drawing/2018/hyperlinkcolor" showMasterPhAnim="0" showMasterSp="0">
+<p:notes xmlns:a="http://schemas.openxmlformats.org/drawingml/2006/main" xmlns:r="http://schemas.openxmlformats.org/officeDocument/2006/relationships" xmlns:p="http://schemas.openxmlformats.org/presentationml/2006/main" showMasterSp="0" showMasterPhAnim="0">
   <p:cSld>
     <p:spTree>
       <p:nvGrpSpPr>
-        <p:cNvPr id="175" name="Shape 175"/>
+        <p:cNvPr id="1" name="Shape 175"/>
         <p:cNvGrpSpPr/>
         <p:nvPr/>
       </p:nvGrpSpPr>
@@ -1423,20 +1473,26 @@
       <p:sp>
         <p:nvSpPr>
           <p:cNvPr id="176" name="Google Shape;176;ge0e566eb27_0_9:notes"/>
-          <p:cNvSpPr/>
+          <p:cNvSpPr>
+            <a:spLocks noGrp="1" noRot="1" noChangeAspect="1"/>
+          </p:cNvSpPr>
           <p:nvPr>
-            <p:ph idx="2" type="sldImg"/>
+            <p:ph type="sldImg" idx="2"/>
           </p:nvPr>
         </p:nvSpPr>
         <p:spPr>
           <a:xfrm>
-            <a:off x="381300" y="685800"/>
+            <a:off x="381000" y="685800"/>
             <a:ext cx="6096000" cy="3429000"/>
           </a:xfrm>
           <a:custGeom>
-            <a:rect b="b" l="l" r="r" t="t"/>
+            <a:avLst/>
+            <a:gdLst/>
+            <a:ahLst/>
+            <a:cxnLst/>
+            <a:rect l="l" t="t" r="r" b="b"/>
             <a:pathLst>
-              <a:path extrusionOk="0" h="120000" w="120000">
+              <a:path w="120000" h="120000" extrusionOk="0">
                 <a:moveTo>
                   <a:pt x="0" y="0"/>
                 </a:moveTo>
@@ -1458,9 +1514,11 @@
       <p:sp>
         <p:nvSpPr>
           <p:cNvPr id="177" name="Google Shape;177;ge0e566eb27_0_9:notes"/>
-          <p:cNvSpPr txBox="1"/>
+          <p:cNvSpPr txBox="1">
+            <a:spLocks noGrp="1"/>
+          </p:cNvSpPr>
           <p:nvPr>
-            <p:ph idx="1" type="body"/>
+            <p:ph type="body" idx="1"/>
           </p:nvPr>
         </p:nvSpPr>
         <p:spPr>
@@ -1473,12 +1531,12 @@
           </a:prstGeom>
         </p:spPr>
         <p:txBody>
-          <a:bodyPr anchorCtr="0" anchor="t" bIns="91425" lIns="91425" spcFirstLastPara="1" rIns="91425" wrap="square" tIns="91425">
+          <a:bodyPr spcFirstLastPara="1" wrap="square" lIns="91425" tIns="91425" rIns="91425" bIns="91425" anchor="t" anchorCtr="0">
             <a:noAutofit/>
           </a:bodyPr>
           <a:lstStyle/>
           <a:p>
-            <a:pPr indent="0" lvl="0" marL="0" rtl="0" algn="l">
+            <a:pPr marL="0" lvl="0" indent="0" algn="l" rtl="0">
               <a:spcBef>
                 <a:spcPts val="0"/>
               </a:spcBef>
@@ -1487,9 +1545,6 @@
               </a:spcAft>
               <a:buNone/>
             </a:pPr>
-            <a:r>
-              <a:t/>
-            </a:r>
             <a:endParaRPr/>
           </a:p>
         </p:txBody>
@@ -1503,11 +1558,11 @@
 </file>
 
 <file path=ppt/notesSlides/notesSlide9.xml><?xml version="1.0" encoding="utf-8"?>
-<p:notes xmlns:a="http://schemas.openxmlformats.org/drawingml/2006/main" xmlns:r="http://schemas.openxmlformats.org/officeDocument/2006/relationships" xmlns:mc="http://schemas.openxmlformats.org/markup-compatibility/2006" xmlns:mv="urn:schemas-microsoft-com:mac:vml" xmlns:p="http://schemas.openxmlformats.org/presentationml/2006/main" xmlns:c="http://schemas.openxmlformats.org/drawingml/2006/chart" xmlns:dgm="http://schemas.openxmlformats.org/drawingml/2006/diagram" xmlns:o="urn:schemas-microsoft-com:office:office" xmlns:v="urn:schemas-microsoft-com:vml" xmlns:pvml="urn:schemas-microsoft-com:office:powerpoint" xmlns:com="http://schemas.openxmlformats.org/drawingml/2006/compatibility" xmlns:p14="http://schemas.microsoft.com/office/powerpoint/2010/main" xmlns:p15="http://schemas.microsoft.com/office/powerpoint/2012/main" xmlns:ahyp="http://schemas.microsoft.com/office/drawing/2018/hyperlinkcolor" showMasterPhAnim="0" showMasterSp="0">
+<p:notes xmlns:a="http://schemas.openxmlformats.org/drawingml/2006/main" xmlns:r="http://schemas.openxmlformats.org/officeDocument/2006/relationships" xmlns:p="http://schemas.openxmlformats.org/presentationml/2006/main" showMasterSp="0" showMasterPhAnim="0">
   <p:cSld>
     <p:spTree>
       <p:nvGrpSpPr>
-        <p:cNvPr id="181" name="Shape 181"/>
+        <p:cNvPr id="1" name="Shape 181"/>
         <p:cNvGrpSpPr/>
         <p:nvPr/>
       </p:nvGrpSpPr>
@@ -1522,9 +1577,11 @@
       <p:sp>
         <p:nvSpPr>
           <p:cNvPr id="182" name="Google Shape;182;ge0e566eb27_0_22:notes"/>
-          <p:cNvSpPr/>
+          <p:cNvSpPr>
+            <a:spLocks noGrp="1" noRot="1" noChangeAspect="1"/>
+          </p:cNvSpPr>
           <p:nvPr>
-            <p:ph idx="2" type="sldImg"/>
+            <p:ph type="sldImg" idx="2"/>
           </p:nvPr>
         </p:nvSpPr>
         <p:spPr>
@@ -1533,9 +1590,13 @@
             <a:ext cx="6096000" cy="3429000"/>
           </a:xfrm>
           <a:custGeom>
-            <a:rect b="b" l="l" r="r" t="t"/>
+            <a:avLst/>
+            <a:gdLst/>
+            <a:ahLst/>
+            <a:cxnLst/>
+            <a:rect l="l" t="t" r="r" b="b"/>
             <a:pathLst>
-              <a:path extrusionOk="0" h="120000" w="120000">
+              <a:path w="120000" h="120000" extrusionOk="0">
                 <a:moveTo>
                   <a:pt x="0" y="0"/>
                 </a:moveTo>
@@ -1557,9 +1618,11 @@
       <p:sp>
         <p:nvSpPr>
           <p:cNvPr id="183" name="Google Shape;183;ge0e566eb27_0_22:notes"/>
-          <p:cNvSpPr txBox="1"/>
+          <p:cNvSpPr txBox="1">
+            <a:spLocks noGrp="1"/>
+          </p:cNvSpPr>
           <p:nvPr>
-            <p:ph idx="1" type="body"/>
+            <p:ph type="body" idx="1"/>
           </p:nvPr>
         </p:nvSpPr>
         <p:spPr>
@@ -1572,12 +1635,12 @@
           </a:prstGeom>
         </p:spPr>
         <p:txBody>
-          <a:bodyPr anchorCtr="0" anchor="t" bIns="91425" lIns="91425" spcFirstLastPara="1" rIns="91425" wrap="square" tIns="91425">
+          <a:bodyPr spcFirstLastPara="1" wrap="square" lIns="91425" tIns="91425" rIns="91425" bIns="91425" anchor="t" anchorCtr="0">
             <a:noAutofit/>
           </a:bodyPr>
           <a:lstStyle/>
           <a:p>
-            <a:pPr indent="0" lvl="0" marL="0" rtl="0" algn="l">
+            <a:pPr marL="0" lvl="0" indent="0" algn="l" rtl="0">
               <a:spcBef>
                 <a:spcPts val="0"/>
               </a:spcBef>
@@ -1586,9 +1649,6 @@
               </a:spcAft>
               <a:buNone/>
             </a:pPr>
-            <a:r>
-              <a:t/>
-            </a:r>
             <a:endParaRPr/>
           </a:p>
         </p:txBody>
@@ -1602,11 +1662,11 @@
 </file>
 
 <file path=ppt/slideLayouts/slideLayout1.xml><?xml version="1.0" encoding="utf-8"?>
-<p:sldLayout xmlns:a="http://schemas.openxmlformats.org/drawingml/2006/main" xmlns:r="http://schemas.openxmlformats.org/officeDocument/2006/relationships" xmlns:mc="http://schemas.openxmlformats.org/markup-compatibility/2006" xmlns:mv="urn:schemas-microsoft-com:mac:vml" xmlns:p="http://schemas.openxmlformats.org/presentationml/2006/main" xmlns:c="http://schemas.openxmlformats.org/drawingml/2006/chart" xmlns:dgm="http://schemas.openxmlformats.org/drawingml/2006/diagram" xmlns:o="urn:schemas-microsoft-com:office:office" xmlns:v="urn:schemas-microsoft-com:vml" xmlns:pvml="urn:schemas-microsoft-com:office:powerpoint" xmlns:com="http://schemas.openxmlformats.org/drawingml/2006/compatibility" xmlns:p14="http://schemas.microsoft.com/office/powerpoint/2010/main" xmlns:p15="http://schemas.microsoft.com/office/powerpoint/2012/main" xmlns:ahyp="http://schemas.microsoft.com/office/drawing/2018/hyperlinkcolor" matchingName="Title slide" type="title">
+<p:sldLayout xmlns:a="http://schemas.openxmlformats.org/drawingml/2006/main" xmlns:r="http://schemas.openxmlformats.org/officeDocument/2006/relationships" xmlns:p="http://schemas.openxmlformats.org/presentationml/2006/main" matchingName="Title slide" type="title">
   <p:cSld name="TITLE">
     <p:spTree>
       <p:nvGrpSpPr>
-        <p:cNvPr id="9" name="Shape 9"/>
+        <p:cNvPr id="1" name="Shape 9"/>
         <p:cNvGrpSpPr/>
         <p:nvPr/>
       </p:nvGrpSpPr>
@@ -1631,7 +1691,7 @@
           </a:xfrm>
           <a:prstGeom prst="diagStripe">
             <a:avLst>
-              <a:gd fmla="val 0" name="adj"/>
+              <a:gd name="adj" fmla="val 0"/>
             </a:avLst>
           </a:prstGeom>
           <a:solidFill>
@@ -1644,12 +1704,12 @@
           </a:ln>
         </p:spPr>
         <p:txBody>
-          <a:bodyPr anchorCtr="0" anchor="ctr" bIns="91425" lIns="91425" spcFirstLastPara="1" rIns="91425" wrap="square" tIns="91425">
+          <a:bodyPr spcFirstLastPara="1" wrap="square" lIns="91425" tIns="91425" rIns="91425" bIns="91425" anchor="ctr" anchorCtr="0">
             <a:noAutofit/>
           </a:bodyPr>
           <a:lstStyle/>
           <a:p>
-            <a:pPr indent="0" lvl="0" marL="0" rtl="0" algn="l">
+            <a:pPr marL="0" lvl="0" indent="0" algn="l" rtl="0">
               <a:spcBef>
                 <a:spcPts val="0"/>
               </a:spcBef>
@@ -1658,9 +1718,6 @@
               </a:spcAft>
               <a:buNone/>
             </a:pPr>
-            <a:r>
-              <a:t/>
-            </a:r>
             <a:endParaRPr/>
           </a:p>
         </p:txBody>
@@ -1692,7 +1749,7 @@
             </a:xfrm>
             <a:prstGeom prst="diagStripe">
               <a:avLst>
-                <a:gd fmla="val 50000" name="adj"/>
+                <a:gd name="adj" fmla="val 50000"/>
               </a:avLst>
             </a:prstGeom>
             <a:solidFill>
@@ -1705,12 +1762,12 @@
             </a:ln>
           </p:spPr>
           <p:txBody>
-            <a:bodyPr anchorCtr="0" anchor="ctr" bIns="91425" lIns="91425" spcFirstLastPara="1" rIns="91425" wrap="square" tIns="91425">
+            <a:bodyPr spcFirstLastPara="1" wrap="square" lIns="91425" tIns="91425" rIns="91425" bIns="91425" anchor="ctr" anchorCtr="0">
               <a:noAutofit/>
             </a:bodyPr>
             <a:lstStyle/>
             <a:p>
-              <a:pPr indent="0" lvl="0" marL="0" rtl="0" algn="l">
+              <a:pPr marL="0" lvl="0" indent="0" algn="l" rtl="0">
                 <a:spcBef>
                   <a:spcPts val="0"/>
                 </a:spcBef>
@@ -1719,9 +1776,6 @@
                 </a:spcAft>
                 <a:buNone/>
               </a:pPr>
-              <a:r>
-                <a:t/>
-              </a:r>
               <a:endParaRPr/>
             </a:p>
           </p:txBody>
@@ -1739,7 +1793,7 @@
             </a:xfrm>
             <a:prstGeom prst="diagStripe">
               <a:avLst>
-                <a:gd fmla="val 58774" name="adj"/>
+                <a:gd name="adj" fmla="val 58774"/>
               </a:avLst>
             </a:prstGeom>
             <a:solidFill>
@@ -1752,12 +1806,12 @@
             </a:ln>
           </p:spPr>
           <p:txBody>
-            <a:bodyPr anchorCtr="0" anchor="ctr" bIns="91425" lIns="91425" spcFirstLastPara="1" rIns="91425" wrap="square" tIns="91425">
+            <a:bodyPr spcFirstLastPara="1" wrap="square" lIns="91425" tIns="91425" rIns="91425" bIns="91425" anchor="ctr" anchorCtr="0">
               <a:noAutofit/>
             </a:bodyPr>
             <a:lstStyle/>
             <a:p>
-              <a:pPr indent="0" lvl="0" marL="0" rtl="0" algn="l">
+              <a:pPr marL="0" lvl="0" indent="0" algn="l" rtl="0">
                 <a:spcBef>
                   <a:spcPts val="0"/>
                 </a:spcBef>
@@ -1766,9 +1820,6 @@
                 </a:spcAft>
                 <a:buNone/>
               </a:pPr>
-              <a:r>
-                <a:t/>
-              </a:r>
               <a:endParaRPr/>
             </a:p>
           </p:txBody>
@@ -1786,7 +1837,7 @@
             </a:xfrm>
             <a:prstGeom prst="diagStripe">
               <a:avLst>
-                <a:gd fmla="val 50000" name="adj"/>
+                <a:gd name="adj" fmla="val 50000"/>
               </a:avLst>
             </a:prstGeom>
             <a:solidFill>
@@ -1797,12 +1848,12 @@
             </a:ln>
           </p:spPr>
           <p:txBody>
-            <a:bodyPr anchorCtr="0" anchor="ctr" bIns="91425" lIns="91425" spcFirstLastPara="1" rIns="91425" wrap="square" tIns="91425">
+            <a:bodyPr spcFirstLastPara="1" wrap="square" lIns="91425" tIns="91425" rIns="91425" bIns="91425" anchor="ctr" anchorCtr="0">
               <a:noAutofit/>
             </a:bodyPr>
             <a:lstStyle/>
             <a:p>
-              <a:pPr indent="0" lvl="0" marL="0" rtl="0" algn="l">
+              <a:pPr marL="0" lvl="0" indent="0" algn="l" rtl="0">
                 <a:spcBef>
                   <a:spcPts val="0"/>
                 </a:spcBef>
@@ -1811,9 +1862,6 @@
                 </a:spcAft>
                 <a:buNone/>
               </a:pPr>
-              <a:r>
-                <a:t/>
-              </a:r>
               <a:endParaRPr/>
             </a:p>
           </p:txBody>
@@ -1831,7 +1879,7 @@
             </a:xfrm>
             <a:prstGeom prst="diagStripe">
               <a:avLst>
-                <a:gd fmla="val 50000" name="adj"/>
+                <a:gd name="adj" fmla="val 50000"/>
               </a:avLst>
             </a:prstGeom>
             <a:solidFill>
@@ -1842,12 +1890,12 @@
             </a:ln>
           </p:spPr>
           <p:txBody>
-            <a:bodyPr anchorCtr="0" anchor="ctr" bIns="91425" lIns="91425" spcFirstLastPara="1" rIns="91425" wrap="square" tIns="91425">
+            <a:bodyPr spcFirstLastPara="1" wrap="square" lIns="91425" tIns="91425" rIns="91425" bIns="91425" anchor="ctr" anchorCtr="0">
               <a:noAutofit/>
             </a:bodyPr>
             <a:lstStyle/>
             <a:p>
-              <a:pPr indent="0" lvl="0" marL="0" rtl="0" algn="l">
+              <a:pPr marL="0" lvl="0" indent="0" algn="l" rtl="0">
                 <a:spcBef>
                   <a:spcPts val="0"/>
                 </a:spcBef>
@@ -1856,9 +1904,6 @@
                 </a:spcAft>
                 <a:buNone/>
               </a:pPr>
-              <a:r>
-                <a:t/>
-              </a:r>
               <a:endParaRPr/>
             </a:p>
           </p:txBody>
@@ -1867,7 +1912,9 @@
       <p:sp>
         <p:nvSpPr>
           <p:cNvPr id="16" name="Google Shape;16;p2"/>
-          <p:cNvSpPr txBox="1"/>
+          <p:cNvSpPr txBox="1">
+            <a:spLocks noGrp="1"/>
+          </p:cNvSpPr>
           <p:nvPr>
             <p:ph type="ctrTitle"/>
           </p:nvPr>
@@ -1882,7 +1929,7 @@
           </a:prstGeom>
         </p:spPr>
         <p:txBody>
-          <a:bodyPr anchorCtr="0" anchor="t" bIns="91425" lIns="91425" spcFirstLastPara="1" rIns="91425" wrap="square" tIns="91425">
+          <a:bodyPr spcFirstLastPara="1" wrap="square" lIns="91425" tIns="91425" rIns="91425" bIns="91425" anchor="t" anchorCtr="0">
             <a:normAutofit/>
           </a:bodyPr>
           <a:lstStyle>
@@ -1986,15 +2033,19 @@
               <a:defRPr sz="4000"/>
             </a:lvl9pPr>
           </a:lstStyle>
-          <a:p/>
+          <a:p>
+            <a:endParaRPr/>
+          </a:p>
         </p:txBody>
       </p:sp>
       <p:sp>
         <p:nvSpPr>
           <p:cNvPr id="17" name="Google Shape;17;p2"/>
-          <p:cNvSpPr txBox="1"/>
+          <p:cNvSpPr txBox="1">
+            <a:spLocks noGrp="1"/>
+          </p:cNvSpPr>
           <p:nvPr>
-            <p:ph idx="1" type="subTitle"/>
+            <p:ph type="subTitle" idx="1"/>
           </p:nvPr>
         </p:nvSpPr>
         <p:spPr>
@@ -2007,7 +2058,7 @@
           </a:prstGeom>
         </p:spPr>
         <p:txBody>
-          <a:bodyPr anchorCtr="0" anchor="t" bIns="91425" lIns="91425" spcFirstLastPara="1" rIns="91425" wrap="square" tIns="91425">
+          <a:bodyPr spcFirstLastPara="1" wrap="square" lIns="91425" tIns="91425" rIns="91425" bIns="91425" anchor="t" anchorCtr="0">
             <a:normAutofit/>
           </a:bodyPr>
           <a:lstStyle>
@@ -2138,15 +2189,19 @@
               <a:defRPr sz="1300"/>
             </a:lvl9pPr>
           </a:lstStyle>
-          <a:p/>
+          <a:p>
+            <a:endParaRPr/>
+          </a:p>
         </p:txBody>
       </p:sp>
       <p:sp>
         <p:nvSpPr>
           <p:cNvPr id="18" name="Google Shape;18;p2"/>
-          <p:cNvSpPr txBox="1"/>
+          <p:cNvSpPr txBox="1">
+            <a:spLocks noGrp="1"/>
+          </p:cNvSpPr>
           <p:nvPr>
-            <p:ph idx="12" type="sldNum"/>
+            <p:ph type="sldNum" idx="12"/>
           </p:nvPr>
         </p:nvSpPr>
         <p:spPr>
@@ -2159,7 +2214,7 @@
           </a:prstGeom>
         </p:spPr>
         <p:txBody>
-          <a:bodyPr anchorCtr="0" anchor="ctr" bIns="91425" lIns="91425" spcFirstLastPara="1" rIns="91425" wrap="square" tIns="91425">
+          <a:bodyPr spcFirstLastPara="1" wrap="square" lIns="91425" tIns="91425" rIns="91425" bIns="91425" anchor="ctr" anchorCtr="0">
             <a:normAutofit/>
           </a:bodyPr>
           <a:lstStyle>
@@ -2201,7 +2256,7 @@
             </a:lvl9pPr>
           </a:lstStyle>
           <a:p>
-            <a:pPr indent="0" lvl="0" marL="0" rtl="0" algn="r">
+            <a:pPr marL="0" lvl="0" indent="0" algn="r" rtl="0">
               <a:spcBef>
                 <a:spcPts val="0"/>
               </a:spcBef>
@@ -2227,11 +2282,11 @@
 </file>
 
 <file path=ppt/slideLayouts/slideLayout10.xml><?xml version="1.0" encoding="utf-8"?>
-<p:sldLayout xmlns:a="http://schemas.openxmlformats.org/drawingml/2006/main" xmlns:r="http://schemas.openxmlformats.org/officeDocument/2006/relationships" xmlns:mc="http://schemas.openxmlformats.org/markup-compatibility/2006" xmlns:mv="urn:schemas-microsoft-com:mac:vml" xmlns:p="http://schemas.openxmlformats.org/presentationml/2006/main" xmlns:c="http://schemas.openxmlformats.org/drawingml/2006/chart" xmlns:dgm="http://schemas.openxmlformats.org/drawingml/2006/diagram" xmlns:o="urn:schemas-microsoft-com:office:office" xmlns:v="urn:schemas-microsoft-com:vml" xmlns:pvml="urn:schemas-microsoft-com:office:powerpoint" xmlns:com="http://schemas.openxmlformats.org/drawingml/2006/compatibility" xmlns:p14="http://schemas.microsoft.com/office/powerpoint/2010/main" xmlns:p15="http://schemas.microsoft.com/office/powerpoint/2012/main" xmlns:ahyp="http://schemas.microsoft.com/office/drawing/2018/hyperlinkcolor" matchingName="Big number">
+<p:sldLayout xmlns:a="http://schemas.openxmlformats.org/drawingml/2006/main" xmlns:r="http://schemas.openxmlformats.org/officeDocument/2006/relationships" xmlns:p="http://schemas.openxmlformats.org/presentationml/2006/main" matchingName="Big number">
   <p:cSld name="BIG_NUMBER">
     <p:spTree>
       <p:nvGrpSpPr>
-        <p:cNvPr id="105" name="Shape 105"/>
+        <p:cNvPr id="1" name="Shape 105"/>
         <p:cNvGrpSpPr/>
         <p:nvPr/>
       </p:nvGrpSpPr>
@@ -2270,7 +2325,7 @@
             </a:xfrm>
             <a:prstGeom prst="diagStripe">
               <a:avLst>
-                <a:gd fmla="val 49469" name="adj"/>
+                <a:gd name="adj" fmla="val 49469"/>
               </a:avLst>
             </a:prstGeom>
             <a:solidFill>
@@ -2283,12 +2338,12 @@
             </a:ln>
           </p:spPr>
           <p:txBody>
-            <a:bodyPr anchorCtr="0" anchor="ctr" bIns="91425" lIns="91425" spcFirstLastPara="1" rIns="91425" wrap="square" tIns="91425">
+            <a:bodyPr spcFirstLastPara="1" wrap="square" lIns="91425" tIns="91425" rIns="91425" bIns="91425" anchor="ctr" anchorCtr="0">
               <a:noAutofit/>
             </a:bodyPr>
             <a:lstStyle/>
             <a:p>
-              <a:pPr indent="0" lvl="0" marL="0" rtl="0" algn="l">
+              <a:pPr marL="0" lvl="0" indent="0" algn="l" rtl="0">
                 <a:spcBef>
                   <a:spcPts val="0"/>
                 </a:spcBef>
@@ -2297,9 +2352,6 @@
                 </a:spcAft>
                 <a:buNone/>
               </a:pPr>
-              <a:r>
-                <a:t/>
-              </a:r>
               <a:endParaRPr/>
             </a:p>
           </p:txBody>
@@ -2317,7 +2369,7 @@
             </a:xfrm>
             <a:prstGeom prst="diagStripe">
               <a:avLst>
-                <a:gd fmla="val 0" name="adj"/>
+                <a:gd name="adj" fmla="val 0"/>
               </a:avLst>
             </a:prstGeom>
             <a:solidFill>
@@ -2330,12 +2382,12 @@
             </a:ln>
           </p:spPr>
           <p:txBody>
-            <a:bodyPr anchorCtr="0" anchor="ctr" bIns="91425" lIns="91425" spcFirstLastPara="1" rIns="91425" wrap="square" tIns="91425">
+            <a:bodyPr spcFirstLastPara="1" wrap="square" lIns="91425" tIns="91425" rIns="91425" bIns="91425" anchor="ctr" anchorCtr="0">
               <a:noAutofit/>
             </a:bodyPr>
             <a:lstStyle/>
             <a:p>
-              <a:pPr indent="0" lvl="0" marL="0" rtl="0" algn="l">
+              <a:pPr marL="0" lvl="0" indent="0" algn="l" rtl="0">
                 <a:spcBef>
                   <a:spcPts val="0"/>
                 </a:spcBef>
@@ -2344,9 +2396,6 @@
                 </a:spcAft>
                 <a:buNone/>
               </a:pPr>
-              <a:r>
-                <a:t/>
-              </a:r>
               <a:endParaRPr/>
             </a:p>
           </p:txBody>
@@ -2364,7 +2413,7 @@
             </a:xfrm>
             <a:prstGeom prst="diagStripe">
               <a:avLst>
-                <a:gd fmla="val 50000" name="adj"/>
+                <a:gd name="adj" fmla="val 50000"/>
               </a:avLst>
             </a:prstGeom>
             <a:solidFill>
@@ -2377,12 +2426,12 @@
             </a:ln>
           </p:spPr>
           <p:txBody>
-            <a:bodyPr anchorCtr="0" anchor="ctr" bIns="91425" lIns="91425" spcFirstLastPara="1" rIns="91425" wrap="square" tIns="91425">
+            <a:bodyPr spcFirstLastPara="1" wrap="square" lIns="91425" tIns="91425" rIns="91425" bIns="91425" anchor="ctr" anchorCtr="0">
               <a:noAutofit/>
             </a:bodyPr>
             <a:lstStyle/>
             <a:p>
-              <a:pPr indent="0" lvl="0" marL="0" rtl="0" algn="l">
+              <a:pPr marL="0" lvl="0" indent="0" algn="l" rtl="0">
                 <a:spcBef>
                   <a:spcPts val="0"/>
                 </a:spcBef>
@@ -2391,9 +2440,6 @@
                 </a:spcAft>
                 <a:buNone/>
               </a:pPr>
-              <a:r>
-                <a:t/>
-              </a:r>
               <a:endParaRPr/>
             </a:p>
           </p:txBody>
@@ -2411,7 +2457,7 @@
             </a:xfrm>
             <a:prstGeom prst="diagStripe">
               <a:avLst>
-                <a:gd fmla="val 50000" name="adj"/>
+                <a:gd name="adj" fmla="val 50000"/>
               </a:avLst>
             </a:prstGeom>
             <a:solidFill>
@@ -2424,12 +2470,12 @@
             </a:ln>
           </p:spPr>
           <p:txBody>
-            <a:bodyPr anchorCtr="0" anchor="ctr" bIns="91425" lIns="91425" spcFirstLastPara="1" rIns="91425" wrap="square" tIns="91425">
+            <a:bodyPr spcFirstLastPara="1" wrap="square" lIns="91425" tIns="91425" rIns="91425" bIns="91425" anchor="ctr" anchorCtr="0">
               <a:noAutofit/>
             </a:bodyPr>
             <a:lstStyle/>
             <a:p>
-              <a:pPr indent="0" lvl="0" marL="0" rtl="0" algn="l">
+              <a:pPr marL="0" lvl="0" indent="0" algn="l" rtl="0">
                 <a:spcBef>
                   <a:spcPts val="0"/>
                 </a:spcBef>
@@ -2438,9 +2484,6 @@
                 </a:spcAft>
                 <a:buNone/>
               </a:pPr>
-              <a:r>
-                <a:t/>
-              </a:r>
               <a:endParaRPr/>
             </a:p>
           </p:txBody>
@@ -2458,7 +2501,7 @@
             </a:xfrm>
             <a:prstGeom prst="diagStripe">
               <a:avLst>
-                <a:gd fmla="val 50000" name="adj"/>
+                <a:gd name="adj" fmla="val 50000"/>
               </a:avLst>
             </a:prstGeom>
             <a:solidFill>
@@ -2471,12 +2514,12 @@
             </a:ln>
           </p:spPr>
           <p:txBody>
-            <a:bodyPr anchorCtr="0" anchor="ctr" bIns="91425" lIns="91425" spcFirstLastPara="1" rIns="91425" wrap="square" tIns="91425">
+            <a:bodyPr spcFirstLastPara="1" wrap="square" lIns="91425" tIns="91425" rIns="91425" bIns="91425" anchor="ctr" anchorCtr="0">
               <a:noAutofit/>
             </a:bodyPr>
             <a:lstStyle/>
             <a:p>
-              <a:pPr indent="0" lvl="0" marL="0" rtl="0" algn="l">
+              <a:pPr marL="0" lvl="0" indent="0" algn="l" rtl="0">
                 <a:spcBef>
                   <a:spcPts val="0"/>
                 </a:spcBef>
@@ -2485,9 +2528,6 @@
                 </a:spcAft>
                 <a:buNone/>
               </a:pPr>
-              <a:r>
-                <a:t/>
-              </a:r>
               <a:endParaRPr/>
             </a:p>
           </p:txBody>
@@ -2505,7 +2545,7 @@
             </a:xfrm>
             <a:prstGeom prst="diagStripe">
               <a:avLst>
-                <a:gd fmla="val 50000" name="adj"/>
+                <a:gd name="adj" fmla="val 50000"/>
               </a:avLst>
             </a:prstGeom>
             <a:solidFill>
@@ -2518,12 +2558,12 @@
             </a:ln>
           </p:spPr>
           <p:txBody>
-            <a:bodyPr anchorCtr="0" anchor="ctr" bIns="91425" lIns="91425" spcFirstLastPara="1" rIns="91425" wrap="square" tIns="91425">
+            <a:bodyPr spcFirstLastPara="1" wrap="square" lIns="91425" tIns="91425" rIns="91425" bIns="91425" anchor="ctr" anchorCtr="0">
               <a:noAutofit/>
             </a:bodyPr>
             <a:lstStyle/>
             <a:p>
-              <a:pPr indent="0" lvl="0" marL="0" rtl="0" algn="l">
+              <a:pPr marL="0" lvl="0" indent="0" algn="l" rtl="0">
                 <a:spcBef>
                   <a:spcPts val="0"/>
                 </a:spcBef>
@@ -2532,9 +2572,6 @@
                 </a:spcAft>
                 <a:buNone/>
               </a:pPr>
-              <a:r>
-                <a:t/>
-              </a:r>
               <a:endParaRPr/>
             </a:p>
           </p:txBody>
@@ -2552,7 +2589,7 @@
             </a:xfrm>
             <a:prstGeom prst="diagStripe">
               <a:avLst>
-                <a:gd fmla="val 50000" name="adj"/>
+                <a:gd name="adj" fmla="val 50000"/>
               </a:avLst>
             </a:prstGeom>
             <a:solidFill>
@@ -2565,12 +2602,12 @@
             </a:ln>
           </p:spPr>
           <p:txBody>
-            <a:bodyPr anchorCtr="0" anchor="ctr" bIns="91425" lIns="91425" spcFirstLastPara="1" rIns="91425" wrap="square" tIns="91425">
+            <a:bodyPr spcFirstLastPara="1" wrap="square" lIns="91425" tIns="91425" rIns="91425" bIns="91425" anchor="ctr" anchorCtr="0">
               <a:noAutofit/>
             </a:bodyPr>
             <a:lstStyle/>
             <a:p>
-              <a:pPr indent="0" lvl="0" marL="0" rtl="0" algn="l">
+              <a:pPr marL="0" lvl="0" indent="0" algn="l" rtl="0">
                 <a:spcBef>
                   <a:spcPts val="0"/>
                 </a:spcBef>
@@ -2579,9 +2616,6 @@
                 </a:spcAft>
                 <a:buNone/>
               </a:pPr>
-              <a:r>
-                <a:t/>
-              </a:r>
               <a:endParaRPr/>
             </a:p>
           </p:txBody>
@@ -2599,7 +2633,7 @@
             </a:xfrm>
             <a:prstGeom prst="diagStripe">
               <a:avLst>
-                <a:gd fmla="val 50000" name="adj"/>
+                <a:gd name="adj" fmla="val 50000"/>
               </a:avLst>
             </a:prstGeom>
             <a:solidFill>
@@ -2610,12 +2644,12 @@
             </a:ln>
           </p:spPr>
           <p:txBody>
-            <a:bodyPr anchorCtr="0" anchor="ctr" bIns="91425" lIns="91425" spcFirstLastPara="1" rIns="91425" wrap="square" tIns="91425">
+            <a:bodyPr spcFirstLastPara="1" wrap="square" lIns="91425" tIns="91425" rIns="91425" bIns="91425" anchor="ctr" anchorCtr="0">
               <a:noAutofit/>
             </a:bodyPr>
             <a:lstStyle/>
             <a:p>
-              <a:pPr indent="0" lvl="0" marL="0" rtl="0" algn="l">
+              <a:pPr marL="0" lvl="0" indent="0" algn="l" rtl="0">
                 <a:spcBef>
                   <a:spcPts val="0"/>
                 </a:spcBef>
@@ -2624,9 +2658,6 @@
                 </a:spcAft>
                 <a:buNone/>
               </a:pPr>
-              <a:r>
-                <a:t/>
-              </a:r>
               <a:endParaRPr/>
             </a:p>
           </p:txBody>
@@ -2644,7 +2675,7 @@
             </a:xfrm>
             <a:prstGeom prst="diagStripe">
               <a:avLst>
-                <a:gd fmla="val 50000" name="adj"/>
+                <a:gd name="adj" fmla="val 50000"/>
               </a:avLst>
             </a:prstGeom>
             <a:solidFill>
@@ -2657,12 +2688,12 @@
             </a:ln>
           </p:spPr>
           <p:txBody>
-            <a:bodyPr anchorCtr="0" anchor="ctr" bIns="91425" lIns="91425" spcFirstLastPara="1" rIns="91425" wrap="square" tIns="91425">
+            <a:bodyPr spcFirstLastPara="1" wrap="square" lIns="91425" tIns="91425" rIns="91425" bIns="91425" anchor="ctr" anchorCtr="0">
               <a:noAutofit/>
             </a:bodyPr>
             <a:lstStyle/>
             <a:p>
-              <a:pPr indent="0" lvl="0" marL="0" rtl="0" algn="l">
+              <a:pPr marL="0" lvl="0" indent="0" algn="l" rtl="0">
                 <a:spcBef>
                   <a:spcPts val="0"/>
                 </a:spcBef>
@@ -2671,9 +2702,6 @@
                 </a:spcAft>
                 <a:buNone/>
               </a:pPr>
-              <a:r>
-                <a:t/>
-              </a:r>
               <a:endParaRPr/>
             </a:p>
           </p:txBody>
@@ -2691,7 +2719,7 @@
             </a:xfrm>
             <a:prstGeom prst="diagStripe">
               <a:avLst>
-                <a:gd fmla="val 50000" name="adj"/>
+                <a:gd name="adj" fmla="val 50000"/>
               </a:avLst>
             </a:prstGeom>
             <a:solidFill>
@@ -2704,12 +2732,12 @@
             </a:ln>
           </p:spPr>
           <p:txBody>
-            <a:bodyPr anchorCtr="0" anchor="ctr" bIns="91425" lIns="91425" spcFirstLastPara="1" rIns="91425" wrap="square" tIns="91425">
+            <a:bodyPr spcFirstLastPara="1" wrap="square" lIns="91425" tIns="91425" rIns="91425" bIns="91425" anchor="ctr" anchorCtr="0">
               <a:noAutofit/>
             </a:bodyPr>
             <a:lstStyle/>
             <a:p>
-              <a:pPr indent="0" lvl="0" marL="0" rtl="0" algn="l">
+              <a:pPr marL="0" lvl="0" indent="0" algn="l" rtl="0">
                 <a:spcBef>
                   <a:spcPts val="0"/>
                 </a:spcBef>
@@ -2718,9 +2746,6 @@
                 </a:spcAft>
                 <a:buNone/>
               </a:pPr>
-              <a:r>
-                <a:t/>
-              </a:r>
               <a:endParaRPr/>
             </a:p>
           </p:txBody>
@@ -2738,7 +2763,7 @@
             </a:xfrm>
             <a:prstGeom prst="diagStripe">
               <a:avLst>
-                <a:gd fmla="val 50000" name="adj"/>
+                <a:gd name="adj" fmla="val 50000"/>
               </a:avLst>
             </a:prstGeom>
             <a:solidFill>
@@ -2751,12 +2776,12 @@
             </a:ln>
           </p:spPr>
           <p:txBody>
-            <a:bodyPr anchorCtr="0" anchor="ctr" bIns="91425" lIns="91425" spcFirstLastPara="1" rIns="91425" wrap="square" tIns="91425">
+            <a:bodyPr spcFirstLastPara="1" wrap="square" lIns="91425" tIns="91425" rIns="91425" bIns="91425" anchor="ctr" anchorCtr="0">
               <a:noAutofit/>
             </a:bodyPr>
             <a:lstStyle/>
             <a:p>
-              <a:pPr indent="0" lvl="0" marL="0" rtl="0" algn="l">
+              <a:pPr marL="0" lvl="0" indent="0" algn="l" rtl="0">
                 <a:spcBef>
                   <a:spcPts val="0"/>
                 </a:spcBef>
@@ -2765,9 +2790,6 @@
                 </a:spcAft>
                 <a:buNone/>
               </a:pPr>
-              <a:r>
-                <a:t/>
-              </a:r>
               <a:endParaRPr/>
             </a:p>
           </p:txBody>
@@ -2785,7 +2807,7 @@
             </a:xfrm>
             <a:prstGeom prst="diagStripe">
               <a:avLst>
-                <a:gd fmla="val 50000" name="adj"/>
+                <a:gd name="adj" fmla="val 50000"/>
               </a:avLst>
             </a:prstGeom>
             <a:solidFill>
@@ -2798,12 +2820,12 @@
             </a:ln>
           </p:spPr>
           <p:txBody>
-            <a:bodyPr anchorCtr="0" anchor="ctr" bIns="91425" lIns="91425" spcFirstLastPara="1" rIns="91425" wrap="square" tIns="91425">
+            <a:bodyPr spcFirstLastPara="1" wrap="square" lIns="91425" tIns="91425" rIns="91425" bIns="91425" anchor="ctr" anchorCtr="0">
               <a:noAutofit/>
             </a:bodyPr>
             <a:lstStyle/>
             <a:p>
-              <a:pPr indent="0" lvl="0" marL="0" rtl="0" algn="l">
+              <a:pPr marL="0" lvl="0" indent="0" algn="l" rtl="0">
                 <a:spcBef>
                   <a:spcPts val="0"/>
                 </a:spcBef>
@@ -2812,9 +2834,6 @@
                 </a:spcAft>
                 <a:buNone/>
               </a:pPr>
-              <a:r>
-                <a:t/>
-              </a:r>
               <a:endParaRPr/>
             </a:p>
           </p:txBody>
@@ -2832,7 +2851,7 @@
             </a:xfrm>
             <a:prstGeom prst="diagStripe">
               <a:avLst>
-                <a:gd fmla="val 50000" name="adj"/>
+                <a:gd name="adj" fmla="val 50000"/>
               </a:avLst>
             </a:prstGeom>
             <a:solidFill>
@@ -2845,12 +2864,12 @@
             </a:ln>
           </p:spPr>
           <p:txBody>
-            <a:bodyPr anchorCtr="0" anchor="ctr" bIns="91425" lIns="91425" spcFirstLastPara="1" rIns="91425" wrap="square" tIns="91425">
+            <a:bodyPr spcFirstLastPara="1" wrap="square" lIns="91425" tIns="91425" rIns="91425" bIns="91425" anchor="ctr" anchorCtr="0">
               <a:noAutofit/>
             </a:bodyPr>
             <a:lstStyle/>
             <a:p>
-              <a:pPr indent="0" lvl="0" marL="0" rtl="0" algn="l">
+              <a:pPr marL="0" lvl="0" indent="0" algn="l" rtl="0">
                 <a:spcBef>
                   <a:spcPts val="0"/>
                 </a:spcBef>
@@ -2859,9 +2878,6 @@
                 </a:spcAft>
                 <a:buNone/>
               </a:pPr>
-              <a:r>
-                <a:t/>
-              </a:r>
               <a:endParaRPr/>
             </a:p>
           </p:txBody>
@@ -2879,7 +2895,7 @@
             </a:xfrm>
             <a:prstGeom prst="diagStripe">
               <a:avLst>
-                <a:gd fmla="val 50000" name="adj"/>
+                <a:gd name="adj" fmla="val 50000"/>
               </a:avLst>
             </a:prstGeom>
             <a:solidFill>
@@ -2890,12 +2906,12 @@
             </a:ln>
           </p:spPr>
           <p:txBody>
-            <a:bodyPr anchorCtr="0" anchor="ctr" bIns="91425" lIns="91425" spcFirstLastPara="1" rIns="91425" wrap="square" tIns="91425">
+            <a:bodyPr spcFirstLastPara="1" wrap="square" lIns="91425" tIns="91425" rIns="91425" bIns="91425" anchor="ctr" anchorCtr="0">
               <a:noAutofit/>
             </a:bodyPr>
             <a:lstStyle/>
             <a:p>
-              <a:pPr indent="0" lvl="0" marL="0" rtl="0" algn="l">
+              <a:pPr marL="0" lvl="0" indent="0" algn="l" rtl="0">
                 <a:spcBef>
                   <a:spcPts val="0"/>
                 </a:spcBef>
@@ -2904,9 +2920,6 @@
                 </a:spcAft>
                 <a:buNone/>
               </a:pPr>
-              <a:r>
-                <a:t/>
-              </a:r>
               <a:endParaRPr/>
             </a:p>
           </p:txBody>
@@ -2924,7 +2937,7 @@
             </a:xfrm>
             <a:prstGeom prst="diagStripe">
               <a:avLst>
-                <a:gd fmla="val 50000" name="adj"/>
+                <a:gd name="adj" fmla="val 50000"/>
               </a:avLst>
             </a:prstGeom>
             <a:solidFill>
@@ -2937,12 +2950,12 @@
             </a:ln>
           </p:spPr>
           <p:txBody>
-            <a:bodyPr anchorCtr="0" anchor="ctr" bIns="91425" lIns="91425" spcFirstLastPara="1" rIns="91425" wrap="square" tIns="91425">
+            <a:bodyPr spcFirstLastPara="1" wrap="square" lIns="91425" tIns="91425" rIns="91425" bIns="91425" anchor="ctr" anchorCtr="0">
               <a:noAutofit/>
             </a:bodyPr>
             <a:lstStyle/>
             <a:p>
-              <a:pPr indent="0" lvl="0" marL="0" rtl="0" algn="l">
+              <a:pPr marL="0" lvl="0" indent="0" algn="l" rtl="0">
                 <a:spcBef>
                   <a:spcPts val="0"/>
                 </a:spcBef>
@@ -2951,9 +2964,6 @@
                 </a:spcAft>
                 <a:buNone/>
               </a:pPr>
-              <a:r>
-                <a:t/>
-              </a:r>
               <a:endParaRPr/>
             </a:p>
           </p:txBody>
@@ -2971,7 +2981,7 @@
             </a:xfrm>
             <a:prstGeom prst="diagStripe">
               <a:avLst>
-                <a:gd fmla="val 50000" name="adj"/>
+                <a:gd name="adj" fmla="val 50000"/>
               </a:avLst>
             </a:prstGeom>
             <a:solidFill>
@@ -2984,12 +2994,12 @@
             </a:ln>
           </p:spPr>
           <p:txBody>
-            <a:bodyPr anchorCtr="0" anchor="ctr" bIns="91425" lIns="91425" spcFirstLastPara="1" rIns="91425" wrap="square" tIns="91425">
+            <a:bodyPr spcFirstLastPara="1" wrap="square" lIns="91425" tIns="91425" rIns="91425" bIns="91425" anchor="ctr" anchorCtr="0">
               <a:noAutofit/>
             </a:bodyPr>
             <a:lstStyle/>
             <a:p>
-              <a:pPr indent="0" lvl="0" marL="0" rtl="0" algn="l">
+              <a:pPr marL="0" lvl="0" indent="0" algn="l" rtl="0">
                 <a:spcBef>
                   <a:spcPts val="0"/>
                 </a:spcBef>
@@ -2998,9 +3008,6 @@
                 </a:spcAft>
                 <a:buNone/>
               </a:pPr>
-              <a:r>
-                <a:t/>
-              </a:r>
               <a:endParaRPr/>
             </a:p>
           </p:txBody>
@@ -3018,7 +3025,7 @@
             </a:xfrm>
             <a:prstGeom prst="diagStripe">
               <a:avLst>
-                <a:gd fmla="val 50000" name="adj"/>
+                <a:gd name="adj" fmla="val 50000"/>
               </a:avLst>
             </a:prstGeom>
             <a:solidFill>
@@ -3031,12 +3038,12 @@
             </a:ln>
           </p:spPr>
           <p:txBody>
-            <a:bodyPr anchorCtr="0" anchor="ctr" bIns="91425" lIns="91425" spcFirstLastPara="1" rIns="91425" wrap="square" tIns="91425">
+            <a:bodyPr spcFirstLastPara="1" wrap="square" lIns="91425" tIns="91425" rIns="91425" bIns="91425" anchor="ctr" anchorCtr="0">
               <a:noAutofit/>
             </a:bodyPr>
             <a:lstStyle/>
             <a:p>
-              <a:pPr indent="0" lvl="0" marL="0" rtl="0" algn="l">
+              <a:pPr marL="0" lvl="0" indent="0" algn="l" rtl="0">
                 <a:spcBef>
                   <a:spcPts val="0"/>
                 </a:spcBef>
@@ -3045,9 +3052,6 @@
                 </a:spcAft>
                 <a:buNone/>
               </a:pPr>
-              <a:r>
-                <a:t/>
-              </a:r>
               <a:endParaRPr/>
             </a:p>
           </p:txBody>
@@ -3065,7 +3069,7 @@
             </a:xfrm>
             <a:prstGeom prst="diagStripe">
               <a:avLst>
-                <a:gd fmla="val 50000" name="adj"/>
+                <a:gd name="adj" fmla="val 50000"/>
               </a:avLst>
             </a:prstGeom>
             <a:solidFill>
@@ -3078,12 +3082,12 @@
             </a:ln>
           </p:spPr>
           <p:txBody>
-            <a:bodyPr anchorCtr="0" anchor="ctr" bIns="91425" lIns="91425" spcFirstLastPara="1" rIns="91425" wrap="square" tIns="91425">
+            <a:bodyPr spcFirstLastPara="1" wrap="square" lIns="91425" tIns="91425" rIns="91425" bIns="91425" anchor="ctr" anchorCtr="0">
               <a:noAutofit/>
             </a:bodyPr>
             <a:lstStyle/>
             <a:p>
-              <a:pPr indent="0" lvl="0" marL="0" rtl="0" algn="l">
+              <a:pPr marL="0" lvl="0" indent="0" algn="l" rtl="0">
                 <a:spcBef>
                   <a:spcPts val="0"/>
                 </a:spcBef>
@@ -3092,9 +3096,6 @@
                 </a:spcAft>
                 <a:buNone/>
               </a:pPr>
-              <a:r>
-                <a:t/>
-              </a:r>
               <a:endParaRPr/>
             </a:p>
           </p:txBody>
@@ -3103,9 +3104,11 @@
       <p:sp>
         <p:nvSpPr>
           <p:cNvPr id="125" name="Google Shape;125;p11"/>
-          <p:cNvSpPr txBox="1"/>
+          <p:cNvSpPr txBox="1">
+            <a:spLocks noGrp="1"/>
+          </p:cNvSpPr>
           <p:nvPr>
-            <p:ph hasCustomPrompt="1" type="title"/>
+            <p:ph type="title" hasCustomPrompt="1"/>
           </p:nvPr>
         </p:nvSpPr>
         <p:spPr>
@@ -3118,7 +3121,7 @@
           </a:prstGeom>
         </p:spPr>
         <p:txBody>
-          <a:bodyPr anchorCtr="0" anchor="t" bIns="91425" lIns="91425" spcFirstLastPara="1" rIns="91425" wrap="square" tIns="91425">
+          <a:bodyPr spcFirstLastPara="1" wrap="square" lIns="91425" tIns="91425" rIns="91425" bIns="91425" anchor="t" anchorCtr="0">
             <a:normAutofit/>
           </a:bodyPr>
           <a:lstStyle>
@@ -3232,9 +3235,11 @@
       <p:sp>
         <p:nvSpPr>
           <p:cNvPr id="126" name="Google Shape;126;p11"/>
-          <p:cNvSpPr txBox="1"/>
+          <p:cNvSpPr txBox="1">
+            <a:spLocks noGrp="1"/>
+          </p:cNvSpPr>
           <p:nvPr>
-            <p:ph idx="1" type="body"/>
+            <p:ph type="body" idx="1"/>
           </p:nvPr>
         </p:nvSpPr>
         <p:spPr>
@@ -3247,11 +3252,11 @@
           </a:prstGeom>
         </p:spPr>
         <p:txBody>
-          <a:bodyPr anchorCtr="0" anchor="t" bIns="91425" lIns="91425" spcFirstLastPara="1" rIns="91425" wrap="square" tIns="91425">
+          <a:bodyPr spcFirstLastPara="1" wrap="square" lIns="91425" tIns="91425" rIns="91425" bIns="91425" anchor="t" anchorCtr="0">
             <a:normAutofit/>
           </a:bodyPr>
           <a:lstStyle>
-            <a:lvl1pPr indent="-311150" lvl="0" marL="457200">
+            <a:lvl1pPr marL="457200" lvl="0" indent="-311150">
               <a:spcBef>
                 <a:spcPts val="0"/>
               </a:spcBef>
@@ -3262,7 +3267,7 @@
               <a:buChar char="●"/>
               <a:defRPr/>
             </a:lvl1pPr>
-            <a:lvl2pPr indent="-298450" lvl="1" marL="914400">
+            <a:lvl2pPr marL="914400" lvl="1" indent="-298450">
               <a:spcBef>
                 <a:spcPts val="0"/>
               </a:spcBef>
@@ -3273,7 +3278,7 @@
               <a:buChar char="○"/>
               <a:defRPr/>
             </a:lvl2pPr>
-            <a:lvl3pPr indent="-298450" lvl="2" marL="1371600">
+            <a:lvl3pPr marL="1371600" lvl="2" indent="-298450">
               <a:spcBef>
                 <a:spcPts val="0"/>
               </a:spcBef>
@@ -3284,7 +3289,7 @@
               <a:buChar char="■"/>
               <a:defRPr/>
             </a:lvl3pPr>
-            <a:lvl4pPr indent="-298450" lvl="3" marL="1828800">
+            <a:lvl4pPr marL="1828800" lvl="3" indent="-298450">
               <a:spcBef>
                 <a:spcPts val="0"/>
               </a:spcBef>
@@ -3295,7 +3300,7 @@
               <a:buChar char="●"/>
               <a:defRPr/>
             </a:lvl4pPr>
-            <a:lvl5pPr indent="-298450" lvl="4" marL="2286000">
+            <a:lvl5pPr marL="2286000" lvl="4" indent="-298450">
               <a:spcBef>
                 <a:spcPts val="0"/>
               </a:spcBef>
@@ -3306,7 +3311,7 @@
               <a:buChar char="○"/>
               <a:defRPr/>
             </a:lvl5pPr>
-            <a:lvl6pPr indent="-298450" lvl="5" marL="2743200">
+            <a:lvl6pPr marL="2743200" lvl="5" indent="-298450">
               <a:spcBef>
                 <a:spcPts val="0"/>
               </a:spcBef>
@@ -3317,7 +3322,7 @@
               <a:buChar char="■"/>
               <a:defRPr/>
             </a:lvl6pPr>
-            <a:lvl7pPr indent="-298450" lvl="6" marL="3200400">
+            <a:lvl7pPr marL="3200400" lvl="6" indent="-298450">
               <a:spcBef>
                 <a:spcPts val="0"/>
               </a:spcBef>
@@ -3328,7 +3333,7 @@
               <a:buChar char="●"/>
               <a:defRPr/>
             </a:lvl7pPr>
-            <a:lvl8pPr indent="-298450" lvl="7" marL="3657600">
+            <a:lvl8pPr marL="3657600" lvl="7" indent="-298450">
               <a:spcBef>
                 <a:spcPts val="0"/>
               </a:spcBef>
@@ -3339,7 +3344,7 @@
               <a:buChar char="○"/>
               <a:defRPr/>
             </a:lvl8pPr>
-            <a:lvl9pPr indent="-298450" lvl="8" marL="4114800">
+            <a:lvl9pPr marL="4114800" lvl="8" indent="-298450">
               <a:spcBef>
                 <a:spcPts val="0"/>
               </a:spcBef>
@@ -3351,15 +3356,19 @@
               <a:defRPr/>
             </a:lvl9pPr>
           </a:lstStyle>
-          <a:p/>
+          <a:p>
+            <a:endParaRPr/>
+          </a:p>
         </p:txBody>
       </p:sp>
       <p:sp>
         <p:nvSpPr>
           <p:cNvPr id="127" name="Google Shape;127;p11"/>
-          <p:cNvSpPr txBox="1"/>
+          <p:cNvSpPr txBox="1">
+            <a:spLocks noGrp="1"/>
+          </p:cNvSpPr>
           <p:nvPr>
-            <p:ph idx="12" type="sldNum"/>
+            <p:ph type="sldNum" idx="12"/>
           </p:nvPr>
         </p:nvSpPr>
         <p:spPr>
@@ -3372,7 +3381,7 @@
           </a:prstGeom>
         </p:spPr>
         <p:txBody>
-          <a:bodyPr anchorCtr="0" anchor="ctr" bIns="91425" lIns="91425" spcFirstLastPara="1" rIns="91425" wrap="square" tIns="91425">
+          <a:bodyPr spcFirstLastPara="1" wrap="square" lIns="91425" tIns="91425" rIns="91425" bIns="91425" anchor="ctr" anchorCtr="0">
             <a:normAutofit/>
           </a:bodyPr>
           <a:lstStyle>
@@ -3414,7 +3423,7 @@
             </a:lvl9pPr>
           </a:lstStyle>
           <a:p>
-            <a:pPr indent="0" lvl="0" marL="0" rtl="0" algn="r">
+            <a:pPr marL="0" lvl="0" indent="0" algn="r" rtl="0">
               <a:spcBef>
                 <a:spcPts val="0"/>
               </a:spcBef>
@@ -3440,11 +3449,11 @@
 </file>
 
 <file path=ppt/slideLayouts/slideLayout11.xml><?xml version="1.0" encoding="utf-8"?>
-<p:sldLayout xmlns:a="http://schemas.openxmlformats.org/drawingml/2006/main" xmlns:r="http://schemas.openxmlformats.org/officeDocument/2006/relationships" xmlns:mc="http://schemas.openxmlformats.org/markup-compatibility/2006" xmlns:mv="urn:schemas-microsoft-com:mac:vml" xmlns:p="http://schemas.openxmlformats.org/presentationml/2006/main" xmlns:c="http://schemas.openxmlformats.org/drawingml/2006/chart" xmlns:dgm="http://schemas.openxmlformats.org/drawingml/2006/diagram" xmlns:o="urn:schemas-microsoft-com:office:office" xmlns:v="urn:schemas-microsoft-com:vml" xmlns:pvml="urn:schemas-microsoft-com:office:powerpoint" xmlns:com="http://schemas.openxmlformats.org/drawingml/2006/compatibility" xmlns:p14="http://schemas.microsoft.com/office/powerpoint/2010/main" xmlns:p15="http://schemas.microsoft.com/office/powerpoint/2012/main" xmlns:ahyp="http://schemas.microsoft.com/office/drawing/2018/hyperlinkcolor" matchingName="Blank" type="blank">
+<p:sldLayout xmlns:a="http://schemas.openxmlformats.org/drawingml/2006/main" xmlns:r="http://schemas.openxmlformats.org/officeDocument/2006/relationships" xmlns:p="http://schemas.openxmlformats.org/presentationml/2006/main" matchingName="Blank" type="blank">
   <p:cSld name="BLANK">
     <p:spTree>
       <p:nvGrpSpPr>
-        <p:cNvPr id="128" name="Shape 128"/>
+        <p:cNvPr id="1" name="Shape 128"/>
         <p:cNvGrpSpPr/>
         <p:nvPr/>
       </p:nvGrpSpPr>
@@ -3459,9 +3468,11 @@
       <p:sp>
         <p:nvSpPr>
           <p:cNvPr id="129" name="Google Shape;129;p12"/>
-          <p:cNvSpPr txBox="1"/>
+          <p:cNvSpPr txBox="1">
+            <a:spLocks noGrp="1"/>
+          </p:cNvSpPr>
           <p:nvPr>
-            <p:ph idx="12" type="sldNum"/>
+            <p:ph type="sldNum" idx="12"/>
           </p:nvPr>
         </p:nvSpPr>
         <p:spPr>
@@ -3474,7 +3485,7 @@
           </a:prstGeom>
         </p:spPr>
         <p:txBody>
-          <a:bodyPr anchorCtr="0" anchor="ctr" bIns="91425" lIns="91425" spcFirstLastPara="1" rIns="91425" wrap="square" tIns="91425">
+          <a:bodyPr spcFirstLastPara="1" wrap="square" lIns="91425" tIns="91425" rIns="91425" bIns="91425" anchor="ctr" anchorCtr="0">
             <a:normAutofit/>
           </a:bodyPr>
           <a:lstStyle>
@@ -3516,7 +3527,7 @@
             </a:lvl9pPr>
           </a:lstStyle>
           <a:p>
-            <a:pPr indent="0" lvl="0" marL="0" rtl="0" algn="r">
+            <a:pPr marL="0" lvl="0" indent="0" algn="r" rtl="0">
               <a:spcBef>
                 <a:spcPts val="0"/>
               </a:spcBef>
@@ -3542,11 +3553,11 @@
 </file>
 
 <file path=ppt/slideLayouts/slideLayout2.xml><?xml version="1.0" encoding="utf-8"?>
-<p:sldLayout xmlns:a="http://schemas.openxmlformats.org/drawingml/2006/main" xmlns:r="http://schemas.openxmlformats.org/officeDocument/2006/relationships" xmlns:mc="http://schemas.openxmlformats.org/markup-compatibility/2006" xmlns:mv="urn:schemas-microsoft-com:mac:vml" xmlns:p="http://schemas.openxmlformats.org/presentationml/2006/main" xmlns:c="http://schemas.openxmlformats.org/drawingml/2006/chart" xmlns:dgm="http://schemas.openxmlformats.org/drawingml/2006/diagram" xmlns:o="urn:schemas-microsoft-com:office:office" xmlns:v="urn:schemas-microsoft-com:vml" xmlns:pvml="urn:schemas-microsoft-com:office:powerpoint" xmlns:com="http://schemas.openxmlformats.org/drawingml/2006/compatibility" xmlns:p14="http://schemas.microsoft.com/office/powerpoint/2010/main" xmlns:p15="http://schemas.microsoft.com/office/powerpoint/2012/main" xmlns:ahyp="http://schemas.microsoft.com/office/drawing/2018/hyperlinkcolor" matchingName="Section header" type="secHead">
+<p:sldLayout xmlns:a="http://schemas.openxmlformats.org/drawingml/2006/main" xmlns:r="http://schemas.openxmlformats.org/officeDocument/2006/relationships" xmlns:p="http://schemas.openxmlformats.org/presentationml/2006/main" matchingName="Section header" type="secHead">
   <p:cSld name="SECTION_HEADER">
     <p:spTree>
       <p:nvGrpSpPr>
-        <p:cNvPr id="19" name="Shape 19"/>
+        <p:cNvPr id="1" name="Shape 19"/>
         <p:cNvGrpSpPr/>
         <p:nvPr/>
       </p:nvGrpSpPr>
@@ -3585,7 +3596,7 @@
             </a:xfrm>
             <a:prstGeom prst="diagStripe">
               <a:avLst>
-                <a:gd fmla="val 49469" name="adj"/>
+                <a:gd name="adj" fmla="val 49469"/>
               </a:avLst>
             </a:prstGeom>
             <a:solidFill>
@@ -3598,12 +3609,12 @@
             </a:ln>
           </p:spPr>
           <p:txBody>
-            <a:bodyPr anchorCtr="0" anchor="ctr" bIns="91425" lIns="91425" spcFirstLastPara="1" rIns="91425" wrap="square" tIns="91425">
+            <a:bodyPr spcFirstLastPara="1" wrap="square" lIns="91425" tIns="91425" rIns="91425" bIns="91425" anchor="ctr" anchorCtr="0">
               <a:noAutofit/>
             </a:bodyPr>
             <a:lstStyle/>
             <a:p>
-              <a:pPr indent="0" lvl="0" marL="0" rtl="0" algn="l">
+              <a:pPr marL="0" lvl="0" indent="0" algn="l" rtl="0">
                 <a:spcBef>
                   <a:spcPts val="0"/>
                 </a:spcBef>
@@ -3612,9 +3623,6 @@
                 </a:spcAft>
                 <a:buNone/>
               </a:pPr>
-              <a:r>
-                <a:t/>
-              </a:r>
               <a:endParaRPr/>
             </a:p>
           </p:txBody>
@@ -3632,7 +3640,7 @@
             </a:xfrm>
             <a:prstGeom prst="diagStripe">
               <a:avLst>
-                <a:gd fmla="val 0" name="adj"/>
+                <a:gd name="adj" fmla="val 0"/>
               </a:avLst>
             </a:prstGeom>
             <a:solidFill>
@@ -3645,12 +3653,12 @@
             </a:ln>
           </p:spPr>
           <p:txBody>
-            <a:bodyPr anchorCtr="0" anchor="ctr" bIns="91425" lIns="91425" spcFirstLastPara="1" rIns="91425" wrap="square" tIns="91425">
+            <a:bodyPr spcFirstLastPara="1" wrap="square" lIns="91425" tIns="91425" rIns="91425" bIns="91425" anchor="ctr" anchorCtr="0">
               <a:noAutofit/>
             </a:bodyPr>
             <a:lstStyle/>
             <a:p>
-              <a:pPr indent="0" lvl="0" marL="0" rtl="0" algn="l">
+              <a:pPr marL="0" lvl="0" indent="0" algn="l" rtl="0">
                 <a:spcBef>
                   <a:spcPts val="0"/>
                 </a:spcBef>
@@ -3659,9 +3667,6 @@
                 </a:spcAft>
                 <a:buNone/>
               </a:pPr>
-              <a:r>
-                <a:t/>
-              </a:r>
               <a:endParaRPr/>
             </a:p>
           </p:txBody>
@@ -3679,7 +3684,7 @@
             </a:xfrm>
             <a:prstGeom prst="diagStripe">
               <a:avLst>
-                <a:gd fmla="val 50000" name="adj"/>
+                <a:gd name="adj" fmla="val 50000"/>
               </a:avLst>
             </a:prstGeom>
             <a:solidFill>
@@ -3692,12 +3697,12 @@
             </a:ln>
           </p:spPr>
           <p:txBody>
-            <a:bodyPr anchorCtr="0" anchor="ctr" bIns="91425" lIns="91425" spcFirstLastPara="1" rIns="91425" wrap="square" tIns="91425">
+            <a:bodyPr spcFirstLastPara="1" wrap="square" lIns="91425" tIns="91425" rIns="91425" bIns="91425" anchor="ctr" anchorCtr="0">
               <a:noAutofit/>
             </a:bodyPr>
             <a:lstStyle/>
             <a:p>
-              <a:pPr indent="0" lvl="0" marL="0" rtl="0" algn="l">
+              <a:pPr marL="0" lvl="0" indent="0" algn="l" rtl="0">
                 <a:spcBef>
                   <a:spcPts val="0"/>
                 </a:spcBef>
@@ -3706,9 +3711,6 @@
                 </a:spcAft>
                 <a:buNone/>
               </a:pPr>
-              <a:r>
-                <a:t/>
-              </a:r>
               <a:endParaRPr/>
             </a:p>
           </p:txBody>
@@ -3726,7 +3728,7 @@
             </a:xfrm>
             <a:prstGeom prst="diagStripe">
               <a:avLst>
-                <a:gd fmla="val 50000" name="adj"/>
+                <a:gd name="adj" fmla="val 50000"/>
               </a:avLst>
             </a:prstGeom>
             <a:solidFill>
@@ -3739,12 +3741,12 @@
             </a:ln>
           </p:spPr>
           <p:txBody>
-            <a:bodyPr anchorCtr="0" anchor="ctr" bIns="91425" lIns="91425" spcFirstLastPara="1" rIns="91425" wrap="square" tIns="91425">
+            <a:bodyPr spcFirstLastPara="1" wrap="square" lIns="91425" tIns="91425" rIns="91425" bIns="91425" anchor="ctr" anchorCtr="0">
               <a:noAutofit/>
             </a:bodyPr>
             <a:lstStyle/>
             <a:p>
-              <a:pPr indent="0" lvl="0" marL="0" rtl="0" algn="l">
+              <a:pPr marL="0" lvl="0" indent="0" algn="l" rtl="0">
                 <a:spcBef>
                   <a:spcPts val="0"/>
                 </a:spcBef>
@@ -3753,9 +3755,6 @@
                 </a:spcAft>
                 <a:buNone/>
               </a:pPr>
-              <a:r>
-                <a:t/>
-              </a:r>
               <a:endParaRPr/>
             </a:p>
           </p:txBody>
@@ -3773,7 +3772,7 @@
             </a:xfrm>
             <a:prstGeom prst="diagStripe">
               <a:avLst>
-                <a:gd fmla="val 50000" name="adj"/>
+                <a:gd name="adj" fmla="val 50000"/>
               </a:avLst>
             </a:prstGeom>
             <a:solidFill>
@@ -3786,12 +3785,12 @@
             </a:ln>
           </p:spPr>
           <p:txBody>
-            <a:bodyPr anchorCtr="0" anchor="ctr" bIns="91425" lIns="91425" spcFirstLastPara="1" rIns="91425" wrap="square" tIns="91425">
+            <a:bodyPr spcFirstLastPara="1" wrap="square" lIns="91425" tIns="91425" rIns="91425" bIns="91425" anchor="ctr" anchorCtr="0">
               <a:noAutofit/>
             </a:bodyPr>
             <a:lstStyle/>
             <a:p>
-              <a:pPr indent="0" lvl="0" marL="0" rtl="0" algn="l">
+              <a:pPr marL="0" lvl="0" indent="0" algn="l" rtl="0">
                 <a:spcBef>
                   <a:spcPts val="0"/>
                 </a:spcBef>
@@ -3800,9 +3799,6 @@
                 </a:spcAft>
                 <a:buNone/>
               </a:pPr>
-              <a:r>
-                <a:t/>
-              </a:r>
               <a:endParaRPr/>
             </a:p>
           </p:txBody>
@@ -3820,7 +3816,7 @@
             </a:xfrm>
             <a:prstGeom prst="diagStripe">
               <a:avLst>
-                <a:gd fmla="val 50000" name="adj"/>
+                <a:gd name="adj" fmla="val 50000"/>
               </a:avLst>
             </a:prstGeom>
             <a:solidFill>
@@ -3833,12 +3829,12 @@
             </a:ln>
           </p:spPr>
           <p:txBody>
-            <a:bodyPr anchorCtr="0" anchor="ctr" bIns="91425" lIns="91425" spcFirstLastPara="1" rIns="91425" wrap="square" tIns="91425">
+            <a:bodyPr spcFirstLastPara="1" wrap="square" lIns="91425" tIns="91425" rIns="91425" bIns="91425" anchor="ctr" anchorCtr="0">
               <a:noAutofit/>
             </a:bodyPr>
             <a:lstStyle/>
             <a:p>
-              <a:pPr indent="0" lvl="0" marL="0" rtl="0" algn="l">
+              <a:pPr marL="0" lvl="0" indent="0" algn="l" rtl="0">
                 <a:spcBef>
                   <a:spcPts val="0"/>
                 </a:spcBef>
@@ -3847,9 +3843,6 @@
                 </a:spcAft>
                 <a:buNone/>
               </a:pPr>
-              <a:r>
-                <a:t/>
-              </a:r>
               <a:endParaRPr/>
             </a:p>
           </p:txBody>
@@ -3867,7 +3860,7 @@
             </a:xfrm>
             <a:prstGeom prst="diagStripe">
               <a:avLst>
-                <a:gd fmla="val 50000" name="adj"/>
+                <a:gd name="adj" fmla="val 50000"/>
               </a:avLst>
             </a:prstGeom>
             <a:solidFill>
@@ -3880,12 +3873,12 @@
             </a:ln>
           </p:spPr>
           <p:txBody>
-            <a:bodyPr anchorCtr="0" anchor="ctr" bIns="91425" lIns="91425" spcFirstLastPara="1" rIns="91425" wrap="square" tIns="91425">
+            <a:bodyPr spcFirstLastPara="1" wrap="square" lIns="91425" tIns="91425" rIns="91425" bIns="91425" anchor="ctr" anchorCtr="0">
               <a:noAutofit/>
             </a:bodyPr>
             <a:lstStyle/>
             <a:p>
-              <a:pPr indent="0" lvl="0" marL="0" rtl="0" algn="l">
+              <a:pPr marL="0" lvl="0" indent="0" algn="l" rtl="0">
                 <a:spcBef>
                   <a:spcPts val="0"/>
                 </a:spcBef>
@@ -3894,9 +3887,6 @@
                 </a:spcAft>
                 <a:buNone/>
               </a:pPr>
-              <a:r>
-                <a:t/>
-              </a:r>
               <a:endParaRPr/>
             </a:p>
           </p:txBody>
@@ -3914,7 +3904,7 @@
             </a:xfrm>
             <a:prstGeom prst="diagStripe">
               <a:avLst>
-                <a:gd fmla="val 50000" name="adj"/>
+                <a:gd name="adj" fmla="val 50000"/>
               </a:avLst>
             </a:prstGeom>
             <a:solidFill>
@@ -3925,12 +3915,12 @@
             </a:ln>
           </p:spPr>
           <p:txBody>
-            <a:bodyPr anchorCtr="0" anchor="ctr" bIns="91425" lIns="91425" spcFirstLastPara="1" rIns="91425" wrap="square" tIns="91425">
+            <a:bodyPr spcFirstLastPara="1" wrap="square" lIns="91425" tIns="91425" rIns="91425" bIns="91425" anchor="ctr" anchorCtr="0">
               <a:noAutofit/>
             </a:bodyPr>
             <a:lstStyle/>
             <a:p>
-              <a:pPr indent="0" lvl="0" marL="0" rtl="0" algn="l">
+              <a:pPr marL="0" lvl="0" indent="0" algn="l" rtl="0">
                 <a:spcBef>
                   <a:spcPts val="0"/>
                 </a:spcBef>
@@ -3939,9 +3929,6 @@
                 </a:spcAft>
                 <a:buNone/>
               </a:pPr>
-              <a:r>
-                <a:t/>
-              </a:r>
               <a:endParaRPr/>
             </a:p>
           </p:txBody>
@@ -3959,7 +3946,7 @@
             </a:xfrm>
             <a:prstGeom prst="diagStripe">
               <a:avLst>
-                <a:gd fmla="val 50000" name="adj"/>
+                <a:gd name="adj" fmla="val 50000"/>
               </a:avLst>
             </a:prstGeom>
             <a:solidFill>
@@ -3972,12 +3959,12 @@
             </a:ln>
           </p:spPr>
           <p:txBody>
-            <a:bodyPr anchorCtr="0" anchor="ctr" bIns="91425" lIns="91425" spcFirstLastPara="1" rIns="91425" wrap="square" tIns="91425">
+            <a:bodyPr spcFirstLastPara="1" wrap="square" lIns="91425" tIns="91425" rIns="91425" bIns="91425" anchor="ctr" anchorCtr="0">
               <a:noAutofit/>
             </a:bodyPr>
             <a:lstStyle/>
             <a:p>
-              <a:pPr indent="0" lvl="0" marL="0" rtl="0" algn="l">
+              <a:pPr marL="0" lvl="0" indent="0" algn="l" rtl="0">
                 <a:spcBef>
                   <a:spcPts val="0"/>
                 </a:spcBef>
@@ -3986,9 +3973,6 @@
                 </a:spcAft>
                 <a:buNone/>
               </a:pPr>
-              <a:r>
-                <a:t/>
-              </a:r>
               <a:endParaRPr/>
             </a:p>
           </p:txBody>
@@ -4006,7 +3990,7 @@
             </a:xfrm>
             <a:prstGeom prst="diagStripe">
               <a:avLst>
-                <a:gd fmla="val 50000" name="adj"/>
+                <a:gd name="adj" fmla="val 50000"/>
               </a:avLst>
             </a:prstGeom>
             <a:solidFill>
@@ -4019,12 +4003,12 @@
             </a:ln>
           </p:spPr>
           <p:txBody>
-            <a:bodyPr anchorCtr="0" anchor="ctr" bIns="91425" lIns="91425" spcFirstLastPara="1" rIns="91425" wrap="square" tIns="91425">
+            <a:bodyPr spcFirstLastPara="1" wrap="square" lIns="91425" tIns="91425" rIns="91425" bIns="91425" anchor="ctr" anchorCtr="0">
               <a:noAutofit/>
             </a:bodyPr>
             <a:lstStyle/>
             <a:p>
-              <a:pPr indent="0" lvl="0" marL="0" rtl="0" algn="l">
+              <a:pPr marL="0" lvl="0" indent="0" algn="l" rtl="0">
                 <a:spcBef>
                   <a:spcPts val="0"/>
                 </a:spcBef>
@@ -4033,9 +4017,6 @@
                 </a:spcAft>
                 <a:buNone/>
               </a:pPr>
-              <a:r>
-                <a:t/>
-              </a:r>
               <a:endParaRPr/>
             </a:p>
           </p:txBody>
@@ -4053,7 +4034,7 @@
             </a:xfrm>
             <a:prstGeom prst="diagStripe">
               <a:avLst>
-                <a:gd fmla="val 50000" name="adj"/>
+                <a:gd name="adj" fmla="val 50000"/>
               </a:avLst>
             </a:prstGeom>
             <a:solidFill>
@@ -4066,12 +4047,12 @@
             </a:ln>
           </p:spPr>
           <p:txBody>
-            <a:bodyPr anchorCtr="0" anchor="ctr" bIns="91425" lIns="91425" spcFirstLastPara="1" rIns="91425" wrap="square" tIns="91425">
+            <a:bodyPr spcFirstLastPara="1" wrap="square" lIns="91425" tIns="91425" rIns="91425" bIns="91425" anchor="ctr" anchorCtr="0">
               <a:noAutofit/>
             </a:bodyPr>
             <a:lstStyle/>
             <a:p>
-              <a:pPr indent="0" lvl="0" marL="0" rtl="0" algn="l">
+              <a:pPr marL="0" lvl="0" indent="0" algn="l" rtl="0">
                 <a:spcBef>
                   <a:spcPts val="0"/>
                 </a:spcBef>
@@ -4080,9 +4061,6 @@
                 </a:spcAft>
                 <a:buNone/>
               </a:pPr>
-              <a:r>
-                <a:t/>
-              </a:r>
               <a:endParaRPr/>
             </a:p>
           </p:txBody>
@@ -4100,7 +4078,7 @@
             </a:xfrm>
             <a:prstGeom prst="diagStripe">
               <a:avLst>
-                <a:gd fmla="val 50000" name="adj"/>
+                <a:gd name="adj" fmla="val 50000"/>
               </a:avLst>
             </a:prstGeom>
             <a:solidFill>
@@ -4113,12 +4091,12 @@
             </a:ln>
           </p:spPr>
           <p:txBody>
-            <a:bodyPr anchorCtr="0" anchor="ctr" bIns="91425" lIns="91425" spcFirstLastPara="1" rIns="91425" wrap="square" tIns="91425">
+            <a:bodyPr spcFirstLastPara="1" wrap="square" lIns="91425" tIns="91425" rIns="91425" bIns="91425" anchor="ctr" anchorCtr="0">
               <a:noAutofit/>
             </a:bodyPr>
             <a:lstStyle/>
             <a:p>
-              <a:pPr indent="0" lvl="0" marL="0" rtl="0" algn="l">
+              <a:pPr marL="0" lvl="0" indent="0" algn="l" rtl="0">
                 <a:spcBef>
                   <a:spcPts val="0"/>
                 </a:spcBef>
@@ -4127,9 +4105,6 @@
                 </a:spcAft>
                 <a:buNone/>
               </a:pPr>
-              <a:r>
-                <a:t/>
-              </a:r>
               <a:endParaRPr/>
             </a:p>
           </p:txBody>
@@ -4147,7 +4122,7 @@
             </a:xfrm>
             <a:prstGeom prst="diagStripe">
               <a:avLst>
-                <a:gd fmla="val 50000" name="adj"/>
+                <a:gd name="adj" fmla="val 50000"/>
               </a:avLst>
             </a:prstGeom>
             <a:solidFill>
@@ -4160,12 +4135,12 @@
             </a:ln>
           </p:spPr>
           <p:txBody>
-            <a:bodyPr anchorCtr="0" anchor="ctr" bIns="91425" lIns="91425" spcFirstLastPara="1" rIns="91425" wrap="square" tIns="91425">
+            <a:bodyPr spcFirstLastPara="1" wrap="square" lIns="91425" tIns="91425" rIns="91425" bIns="91425" anchor="ctr" anchorCtr="0">
               <a:noAutofit/>
             </a:bodyPr>
             <a:lstStyle/>
             <a:p>
-              <a:pPr indent="0" lvl="0" marL="0" rtl="0" algn="l">
+              <a:pPr marL="0" lvl="0" indent="0" algn="l" rtl="0">
                 <a:spcBef>
                   <a:spcPts val="0"/>
                 </a:spcBef>
@@ -4174,9 +4149,6 @@
                 </a:spcAft>
                 <a:buNone/>
               </a:pPr>
-              <a:r>
-                <a:t/>
-              </a:r>
               <a:endParaRPr/>
             </a:p>
           </p:txBody>
@@ -4194,7 +4166,7 @@
             </a:xfrm>
             <a:prstGeom prst="diagStripe">
               <a:avLst>
-                <a:gd fmla="val 50000" name="adj"/>
+                <a:gd name="adj" fmla="val 50000"/>
               </a:avLst>
             </a:prstGeom>
             <a:solidFill>
@@ -4205,12 +4177,12 @@
             </a:ln>
           </p:spPr>
           <p:txBody>
-            <a:bodyPr anchorCtr="0" anchor="ctr" bIns="91425" lIns="91425" spcFirstLastPara="1" rIns="91425" wrap="square" tIns="91425">
+            <a:bodyPr spcFirstLastPara="1" wrap="square" lIns="91425" tIns="91425" rIns="91425" bIns="91425" anchor="ctr" anchorCtr="0">
               <a:noAutofit/>
             </a:bodyPr>
             <a:lstStyle/>
             <a:p>
-              <a:pPr indent="0" lvl="0" marL="0" rtl="0" algn="l">
+              <a:pPr marL="0" lvl="0" indent="0" algn="l" rtl="0">
                 <a:spcBef>
                   <a:spcPts val="0"/>
                 </a:spcBef>
@@ -4219,9 +4191,6 @@
                 </a:spcAft>
                 <a:buNone/>
               </a:pPr>
-              <a:r>
-                <a:t/>
-              </a:r>
               <a:endParaRPr/>
             </a:p>
           </p:txBody>
@@ -4239,7 +4208,7 @@
             </a:xfrm>
             <a:prstGeom prst="diagStripe">
               <a:avLst>
-                <a:gd fmla="val 50000" name="adj"/>
+                <a:gd name="adj" fmla="val 50000"/>
               </a:avLst>
             </a:prstGeom>
             <a:solidFill>
@@ -4252,12 +4221,12 @@
             </a:ln>
           </p:spPr>
           <p:txBody>
-            <a:bodyPr anchorCtr="0" anchor="ctr" bIns="91425" lIns="91425" spcFirstLastPara="1" rIns="91425" wrap="square" tIns="91425">
+            <a:bodyPr spcFirstLastPara="1" wrap="square" lIns="91425" tIns="91425" rIns="91425" bIns="91425" anchor="ctr" anchorCtr="0">
               <a:noAutofit/>
             </a:bodyPr>
             <a:lstStyle/>
             <a:p>
-              <a:pPr indent="0" lvl="0" marL="0" rtl="0" algn="l">
+              <a:pPr marL="0" lvl="0" indent="0" algn="l" rtl="0">
                 <a:spcBef>
                   <a:spcPts val="0"/>
                 </a:spcBef>
@@ -4266,9 +4235,6 @@
                 </a:spcAft>
                 <a:buNone/>
               </a:pPr>
-              <a:r>
-                <a:t/>
-              </a:r>
               <a:endParaRPr/>
             </a:p>
           </p:txBody>
@@ -4286,7 +4252,7 @@
             </a:xfrm>
             <a:prstGeom prst="diagStripe">
               <a:avLst>
-                <a:gd fmla="val 50000" name="adj"/>
+                <a:gd name="adj" fmla="val 50000"/>
               </a:avLst>
             </a:prstGeom>
             <a:solidFill>
@@ -4299,12 +4265,12 @@
             </a:ln>
           </p:spPr>
           <p:txBody>
-            <a:bodyPr anchorCtr="0" anchor="ctr" bIns="91425" lIns="91425" spcFirstLastPara="1" rIns="91425" wrap="square" tIns="91425">
+            <a:bodyPr spcFirstLastPara="1" wrap="square" lIns="91425" tIns="91425" rIns="91425" bIns="91425" anchor="ctr" anchorCtr="0">
               <a:noAutofit/>
             </a:bodyPr>
             <a:lstStyle/>
             <a:p>
-              <a:pPr indent="0" lvl="0" marL="0" rtl="0" algn="l">
+              <a:pPr marL="0" lvl="0" indent="0" algn="l" rtl="0">
                 <a:spcBef>
                   <a:spcPts val="0"/>
                 </a:spcBef>
@@ -4313,9 +4279,6 @@
                 </a:spcAft>
                 <a:buNone/>
               </a:pPr>
-              <a:r>
-                <a:t/>
-              </a:r>
               <a:endParaRPr/>
             </a:p>
           </p:txBody>
@@ -4333,7 +4296,7 @@
             </a:xfrm>
             <a:prstGeom prst="diagStripe">
               <a:avLst>
-                <a:gd fmla="val 50000" name="adj"/>
+                <a:gd name="adj" fmla="val 50000"/>
               </a:avLst>
             </a:prstGeom>
             <a:solidFill>
@@ -4346,12 +4309,12 @@
             </a:ln>
           </p:spPr>
           <p:txBody>
-            <a:bodyPr anchorCtr="0" anchor="ctr" bIns="91425" lIns="91425" spcFirstLastPara="1" rIns="91425" wrap="square" tIns="91425">
+            <a:bodyPr spcFirstLastPara="1" wrap="square" lIns="91425" tIns="91425" rIns="91425" bIns="91425" anchor="ctr" anchorCtr="0">
               <a:noAutofit/>
             </a:bodyPr>
             <a:lstStyle/>
             <a:p>
-              <a:pPr indent="0" lvl="0" marL="0" rtl="0" algn="l">
+              <a:pPr marL="0" lvl="0" indent="0" algn="l" rtl="0">
                 <a:spcBef>
                   <a:spcPts val="0"/>
                 </a:spcBef>
@@ -4360,9 +4323,6 @@
                 </a:spcAft>
                 <a:buNone/>
               </a:pPr>
-              <a:r>
-                <a:t/>
-              </a:r>
               <a:endParaRPr/>
             </a:p>
           </p:txBody>
@@ -4380,7 +4340,7 @@
             </a:xfrm>
             <a:prstGeom prst="diagStripe">
               <a:avLst>
-                <a:gd fmla="val 50000" name="adj"/>
+                <a:gd name="adj" fmla="val 50000"/>
               </a:avLst>
             </a:prstGeom>
             <a:solidFill>
@@ -4393,12 +4353,12 @@
             </a:ln>
           </p:spPr>
           <p:txBody>
-            <a:bodyPr anchorCtr="0" anchor="ctr" bIns="91425" lIns="91425" spcFirstLastPara="1" rIns="91425" wrap="square" tIns="91425">
+            <a:bodyPr spcFirstLastPara="1" wrap="square" lIns="91425" tIns="91425" rIns="91425" bIns="91425" anchor="ctr" anchorCtr="0">
               <a:noAutofit/>
             </a:bodyPr>
             <a:lstStyle/>
             <a:p>
-              <a:pPr indent="0" lvl="0" marL="0" rtl="0" algn="l">
+              <a:pPr marL="0" lvl="0" indent="0" algn="l" rtl="0">
                 <a:spcBef>
                   <a:spcPts val="0"/>
                 </a:spcBef>
@@ -4407,9 +4367,6 @@
                 </a:spcAft>
                 <a:buNone/>
               </a:pPr>
-              <a:r>
-                <a:t/>
-              </a:r>
               <a:endParaRPr/>
             </a:p>
           </p:txBody>
@@ -4418,7 +4375,9 @@
       <p:sp>
         <p:nvSpPr>
           <p:cNvPr id="39" name="Google Shape;39;p3"/>
-          <p:cNvSpPr txBox="1"/>
+          <p:cNvSpPr txBox="1">
+            <a:spLocks noGrp="1"/>
+          </p:cNvSpPr>
           <p:nvPr>
             <p:ph type="title"/>
           </p:nvPr>
@@ -4433,7 +4392,7 @@
           </a:prstGeom>
         </p:spPr>
         <p:txBody>
-          <a:bodyPr anchorCtr="0" anchor="ctr" bIns="91425" lIns="91425" spcFirstLastPara="1" rIns="91425" wrap="square" tIns="91425">
+          <a:bodyPr spcFirstLastPara="1" wrap="square" lIns="91425" tIns="91425" rIns="91425" bIns="91425" anchor="ctr" anchorCtr="0">
             <a:normAutofit/>
           </a:bodyPr>
           <a:lstStyle>
@@ -4537,15 +4496,19 @@
               <a:defRPr/>
             </a:lvl9pPr>
           </a:lstStyle>
-          <a:p/>
+          <a:p>
+            <a:endParaRPr/>
+          </a:p>
         </p:txBody>
       </p:sp>
       <p:sp>
         <p:nvSpPr>
           <p:cNvPr id="40" name="Google Shape;40;p3"/>
-          <p:cNvSpPr txBox="1"/>
+          <p:cNvSpPr txBox="1">
+            <a:spLocks noGrp="1"/>
+          </p:cNvSpPr>
           <p:nvPr>
-            <p:ph idx="12" type="sldNum"/>
+            <p:ph type="sldNum" idx="12"/>
           </p:nvPr>
         </p:nvSpPr>
         <p:spPr>
@@ -4558,7 +4521,7 @@
           </a:prstGeom>
         </p:spPr>
         <p:txBody>
-          <a:bodyPr anchorCtr="0" anchor="ctr" bIns="91425" lIns="91425" spcFirstLastPara="1" rIns="91425" wrap="square" tIns="91425">
+          <a:bodyPr spcFirstLastPara="1" wrap="square" lIns="91425" tIns="91425" rIns="91425" bIns="91425" anchor="ctr" anchorCtr="0">
             <a:normAutofit/>
           </a:bodyPr>
           <a:lstStyle>
@@ -4600,7 +4563,7 @@
             </a:lvl9pPr>
           </a:lstStyle>
           <a:p>
-            <a:pPr indent="0" lvl="0" marL="0" rtl="0" algn="r">
+            <a:pPr marL="0" lvl="0" indent="0" algn="r" rtl="0">
               <a:spcBef>
                 <a:spcPts val="0"/>
               </a:spcBef>
@@ -4626,11 +4589,11 @@
 </file>
 
 <file path=ppt/slideLayouts/slideLayout3.xml><?xml version="1.0" encoding="utf-8"?>
-<p:sldLayout xmlns:a="http://schemas.openxmlformats.org/drawingml/2006/main" xmlns:r="http://schemas.openxmlformats.org/officeDocument/2006/relationships" xmlns:mc="http://schemas.openxmlformats.org/markup-compatibility/2006" xmlns:mv="urn:schemas-microsoft-com:mac:vml" xmlns:p="http://schemas.openxmlformats.org/presentationml/2006/main" xmlns:c="http://schemas.openxmlformats.org/drawingml/2006/chart" xmlns:dgm="http://schemas.openxmlformats.org/drawingml/2006/diagram" xmlns:o="urn:schemas-microsoft-com:office:office" xmlns:v="urn:schemas-microsoft-com:vml" xmlns:pvml="urn:schemas-microsoft-com:office:powerpoint" xmlns:com="http://schemas.openxmlformats.org/drawingml/2006/compatibility" xmlns:p14="http://schemas.microsoft.com/office/powerpoint/2010/main" xmlns:p15="http://schemas.microsoft.com/office/powerpoint/2012/main" xmlns:ahyp="http://schemas.microsoft.com/office/drawing/2018/hyperlinkcolor" matchingName="Title and body" type="tx">
+<p:sldLayout xmlns:a="http://schemas.openxmlformats.org/drawingml/2006/main" xmlns:r="http://schemas.openxmlformats.org/officeDocument/2006/relationships" xmlns:p="http://schemas.openxmlformats.org/presentationml/2006/main" matchingName="Title and body" type="tx">
   <p:cSld name="TITLE_AND_BODY">
     <p:spTree>
       <p:nvGrpSpPr>
-        <p:cNvPr id="41" name="Shape 41"/>
+        <p:cNvPr id="1" name="Shape 41"/>
         <p:cNvGrpSpPr/>
         <p:nvPr/>
       </p:nvGrpSpPr>
@@ -4669,7 +4632,7 @@
             </a:xfrm>
             <a:prstGeom prst="diagStripe">
               <a:avLst>
-                <a:gd fmla="val 50000" name="adj"/>
+                <a:gd name="adj" fmla="val 50000"/>
               </a:avLst>
             </a:prstGeom>
             <a:solidFill>
@@ -4680,12 +4643,12 @@
             </a:ln>
           </p:spPr>
           <p:txBody>
-            <a:bodyPr anchorCtr="0" anchor="ctr" bIns="91425" lIns="91425" spcFirstLastPara="1" rIns="91425" wrap="square" tIns="91425">
+            <a:bodyPr spcFirstLastPara="1" wrap="square" lIns="91425" tIns="91425" rIns="91425" bIns="91425" anchor="ctr" anchorCtr="0">
               <a:noAutofit/>
             </a:bodyPr>
             <a:lstStyle/>
             <a:p>
-              <a:pPr indent="0" lvl="0" marL="0" rtl="0" algn="l">
+              <a:pPr marL="0" lvl="0" indent="0" algn="l" rtl="0">
                 <a:spcBef>
                   <a:spcPts val="0"/>
                 </a:spcBef>
@@ -4694,9 +4657,6 @@
                 </a:spcAft>
                 <a:buNone/>
               </a:pPr>
-              <a:r>
-                <a:t/>
-              </a:r>
               <a:endParaRPr/>
             </a:p>
           </p:txBody>
@@ -4714,7 +4674,7 @@
             </a:xfrm>
             <a:prstGeom prst="diagStripe">
               <a:avLst>
-                <a:gd fmla="val 50000" name="adj"/>
+                <a:gd name="adj" fmla="val 50000"/>
               </a:avLst>
             </a:prstGeom>
             <a:solidFill>
@@ -4725,12 +4685,12 @@
             </a:ln>
           </p:spPr>
           <p:txBody>
-            <a:bodyPr anchorCtr="0" anchor="ctr" bIns="91425" lIns="91425" spcFirstLastPara="1" rIns="91425" wrap="square" tIns="91425">
+            <a:bodyPr spcFirstLastPara="1" wrap="square" lIns="91425" tIns="91425" rIns="91425" bIns="91425" anchor="ctr" anchorCtr="0">
               <a:noAutofit/>
             </a:bodyPr>
             <a:lstStyle/>
             <a:p>
-              <a:pPr indent="0" lvl="0" marL="0" rtl="0" algn="l">
+              <a:pPr marL="0" lvl="0" indent="0" algn="l" rtl="0">
                 <a:spcBef>
                   <a:spcPts val="0"/>
                 </a:spcBef>
@@ -4739,9 +4699,6 @@
                 </a:spcAft>
                 <a:buNone/>
               </a:pPr>
-              <a:r>
-                <a:t/>
-              </a:r>
               <a:endParaRPr/>
             </a:p>
           </p:txBody>
@@ -4750,7 +4707,9 @@
       <p:sp>
         <p:nvSpPr>
           <p:cNvPr id="45" name="Google Shape;45;p4"/>
-          <p:cNvSpPr txBox="1"/>
+          <p:cNvSpPr txBox="1">
+            <a:spLocks noGrp="1"/>
+          </p:cNvSpPr>
           <p:nvPr>
             <p:ph type="title"/>
           </p:nvPr>
@@ -4765,7 +4724,7 @@
           </a:prstGeom>
         </p:spPr>
         <p:txBody>
-          <a:bodyPr anchorCtr="0" anchor="t" bIns="91425" lIns="91425" spcFirstLastPara="1" rIns="91425" wrap="square" tIns="91425">
+          <a:bodyPr spcFirstLastPara="1" wrap="square" lIns="91425" tIns="91425" rIns="91425" bIns="91425" anchor="t" anchorCtr="0">
             <a:normAutofit/>
           </a:bodyPr>
           <a:lstStyle>
@@ -4869,15 +4828,19 @@
               <a:defRPr sz="2400"/>
             </a:lvl9pPr>
           </a:lstStyle>
-          <a:p/>
+          <a:p>
+            <a:endParaRPr/>
+          </a:p>
         </p:txBody>
       </p:sp>
       <p:sp>
         <p:nvSpPr>
           <p:cNvPr id="46" name="Google Shape;46;p4"/>
-          <p:cNvSpPr txBox="1"/>
+          <p:cNvSpPr txBox="1">
+            <a:spLocks noGrp="1"/>
+          </p:cNvSpPr>
           <p:nvPr>
-            <p:ph idx="1" type="body"/>
+            <p:ph type="body" idx="1"/>
           </p:nvPr>
         </p:nvSpPr>
         <p:spPr>
@@ -4890,11 +4853,11 @@
           </a:prstGeom>
         </p:spPr>
         <p:txBody>
-          <a:bodyPr anchorCtr="0" anchor="t" bIns="91425" lIns="91425" spcFirstLastPara="1" rIns="91425" wrap="square" tIns="91425">
+          <a:bodyPr spcFirstLastPara="1" wrap="square" lIns="91425" tIns="91425" rIns="91425" bIns="91425" anchor="t" anchorCtr="0">
             <a:normAutofit/>
           </a:bodyPr>
           <a:lstStyle>
-            <a:lvl1pPr indent="-311150" lvl="0" marL="457200">
+            <a:lvl1pPr marL="457200" lvl="0" indent="-311150">
               <a:spcBef>
                 <a:spcPts val="0"/>
               </a:spcBef>
@@ -4905,7 +4868,7 @@
               <a:buChar char="●"/>
               <a:defRPr/>
             </a:lvl1pPr>
-            <a:lvl2pPr indent="-298450" lvl="1" marL="914400">
+            <a:lvl2pPr marL="914400" lvl="1" indent="-298450">
               <a:spcBef>
                 <a:spcPts val="0"/>
               </a:spcBef>
@@ -4916,7 +4879,7 @@
               <a:buChar char="○"/>
               <a:defRPr/>
             </a:lvl2pPr>
-            <a:lvl3pPr indent="-298450" lvl="2" marL="1371600">
+            <a:lvl3pPr marL="1371600" lvl="2" indent="-298450">
               <a:spcBef>
                 <a:spcPts val="0"/>
               </a:spcBef>
@@ -4927,7 +4890,7 @@
               <a:buChar char="■"/>
               <a:defRPr/>
             </a:lvl3pPr>
-            <a:lvl4pPr indent="-298450" lvl="3" marL="1828800">
+            <a:lvl4pPr marL="1828800" lvl="3" indent="-298450">
               <a:spcBef>
                 <a:spcPts val="0"/>
               </a:spcBef>
@@ -4938,7 +4901,7 @@
               <a:buChar char="●"/>
               <a:defRPr/>
             </a:lvl4pPr>
-            <a:lvl5pPr indent="-298450" lvl="4" marL="2286000">
+            <a:lvl5pPr marL="2286000" lvl="4" indent="-298450">
               <a:spcBef>
                 <a:spcPts val="0"/>
               </a:spcBef>
@@ -4949,7 +4912,7 @@
               <a:buChar char="○"/>
               <a:defRPr/>
             </a:lvl5pPr>
-            <a:lvl6pPr indent="-298450" lvl="5" marL="2743200">
+            <a:lvl6pPr marL="2743200" lvl="5" indent="-298450">
               <a:spcBef>
                 <a:spcPts val="0"/>
               </a:spcBef>
@@ -4960,7 +4923,7 @@
               <a:buChar char="■"/>
               <a:defRPr/>
             </a:lvl6pPr>
-            <a:lvl7pPr indent="-298450" lvl="6" marL="3200400">
+            <a:lvl7pPr marL="3200400" lvl="6" indent="-298450">
               <a:spcBef>
                 <a:spcPts val="0"/>
               </a:spcBef>
@@ -4971,7 +4934,7 @@
               <a:buChar char="●"/>
               <a:defRPr/>
             </a:lvl7pPr>
-            <a:lvl8pPr indent="-298450" lvl="7" marL="3657600">
+            <a:lvl8pPr marL="3657600" lvl="7" indent="-298450">
               <a:spcBef>
                 <a:spcPts val="0"/>
               </a:spcBef>
@@ -4982,7 +4945,7 @@
               <a:buChar char="○"/>
               <a:defRPr/>
             </a:lvl8pPr>
-            <a:lvl9pPr indent="-298450" lvl="8" marL="4114800">
+            <a:lvl9pPr marL="4114800" lvl="8" indent="-298450">
               <a:spcBef>
                 <a:spcPts val="0"/>
               </a:spcBef>
@@ -4994,15 +4957,19 @@
               <a:defRPr/>
             </a:lvl9pPr>
           </a:lstStyle>
-          <a:p/>
+          <a:p>
+            <a:endParaRPr/>
+          </a:p>
         </p:txBody>
       </p:sp>
       <p:sp>
         <p:nvSpPr>
           <p:cNvPr id="47" name="Google Shape;47;p4"/>
-          <p:cNvSpPr txBox="1"/>
+          <p:cNvSpPr txBox="1">
+            <a:spLocks noGrp="1"/>
+          </p:cNvSpPr>
           <p:nvPr>
-            <p:ph idx="12" type="sldNum"/>
+            <p:ph type="sldNum" idx="12"/>
           </p:nvPr>
         </p:nvSpPr>
         <p:spPr>
@@ -5015,7 +4982,7 @@
           </a:prstGeom>
         </p:spPr>
         <p:txBody>
-          <a:bodyPr anchorCtr="0" anchor="ctr" bIns="91425" lIns="91425" spcFirstLastPara="1" rIns="91425" wrap="square" tIns="91425">
+          <a:bodyPr spcFirstLastPara="1" wrap="square" lIns="91425" tIns="91425" rIns="91425" bIns="91425" anchor="ctr" anchorCtr="0">
             <a:normAutofit/>
           </a:bodyPr>
           <a:lstStyle>
@@ -5057,7 +5024,7 @@
             </a:lvl9pPr>
           </a:lstStyle>
           <a:p>
-            <a:pPr indent="0" lvl="0" marL="0" rtl="0" algn="r">
+            <a:pPr marL="0" lvl="0" indent="0" algn="r" rtl="0">
               <a:spcBef>
                 <a:spcPts val="0"/>
               </a:spcBef>
@@ -5083,11 +5050,11 @@
 </file>
 
 <file path=ppt/slideLayouts/slideLayout4.xml><?xml version="1.0" encoding="utf-8"?>
-<p:sldLayout xmlns:a="http://schemas.openxmlformats.org/drawingml/2006/main" xmlns:r="http://schemas.openxmlformats.org/officeDocument/2006/relationships" xmlns:mc="http://schemas.openxmlformats.org/markup-compatibility/2006" xmlns:mv="urn:schemas-microsoft-com:mac:vml" xmlns:p="http://schemas.openxmlformats.org/presentationml/2006/main" xmlns:c="http://schemas.openxmlformats.org/drawingml/2006/chart" xmlns:dgm="http://schemas.openxmlformats.org/drawingml/2006/diagram" xmlns:o="urn:schemas-microsoft-com:office:office" xmlns:v="urn:schemas-microsoft-com:vml" xmlns:pvml="urn:schemas-microsoft-com:office:powerpoint" xmlns:com="http://schemas.openxmlformats.org/drawingml/2006/compatibility" xmlns:p14="http://schemas.microsoft.com/office/powerpoint/2010/main" xmlns:p15="http://schemas.microsoft.com/office/powerpoint/2012/main" xmlns:ahyp="http://schemas.microsoft.com/office/drawing/2018/hyperlinkcolor" matchingName="Title and two columns" type="twoColTx">
+<p:sldLayout xmlns:a="http://schemas.openxmlformats.org/drawingml/2006/main" xmlns:r="http://schemas.openxmlformats.org/officeDocument/2006/relationships" xmlns:p="http://schemas.openxmlformats.org/presentationml/2006/main" matchingName="Title and two columns" type="twoColTx">
   <p:cSld name="TITLE_AND_TWO_COLUMNS">
     <p:spTree>
       <p:nvGrpSpPr>
-        <p:cNvPr id="48" name="Shape 48"/>
+        <p:cNvPr id="1" name="Shape 48"/>
         <p:cNvGrpSpPr/>
         <p:nvPr/>
       </p:nvGrpSpPr>
@@ -5126,7 +5093,7 @@
             </a:xfrm>
             <a:prstGeom prst="diagStripe">
               <a:avLst>
-                <a:gd fmla="val 50000" name="adj"/>
+                <a:gd name="adj" fmla="val 50000"/>
               </a:avLst>
             </a:prstGeom>
             <a:solidFill>
@@ -5137,12 +5104,12 @@
             </a:ln>
           </p:spPr>
           <p:txBody>
-            <a:bodyPr anchorCtr="0" anchor="ctr" bIns="91425" lIns="91425" spcFirstLastPara="1" rIns="91425" wrap="square" tIns="91425">
+            <a:bodyPr spcFirstLastPara="1" wrap="square" lIns="91425" tIns="91425" rIns="91425" bIns="91425" anchor="ctr" anchorCtr="0">
               <a:noAutofit/>
             </a:bodyPr>
             <a:lstStyle/>
             <a:p>
-              <a:pPr indent="0" lvl="0" marL="0" rtl="0" algn="l">
+              <a:pPr marL="0" lvl="0" indent="0" algn="l" rtl="0">
                 <a:spcBef>
                   <a:spcPts val="0"/>
                 </a:spcBef>
@@ -5151,9 +5118,6 @@
                 </a:spcAft>
                 <a:buNone/>
               </a:pPr>
-              <a:r>
-                <a:t/>
-              </a:r>
               <a:endParaRPr/>
             </a:p>
           </p:txBody>
@@ -5171,7 +5135,7 @@
             </a:xfrm>
             <a:prstGeom prst="diagStripe">
               <a:avLst>
-                <a:gd fmla="val 50000" name="adj"/>
+                <a:gd name="adj" fmla="val 50000"/>
               </a:avLst>
             </a:prstGeom>
             <a:solidFill>
@@ -5182,12 +5146,12 @@
             </a:ln>
           </p:spPr>
           <p:txBody>
-            <a:bodyPr anchorCtr="0" anchor="ctr" bIns="91425" lIns="91425" spcFirstLastPara="1" rIns="91425" wrap="square" tIns="91425">
+            <a:bodyPr spcFirstLastPara="1" wrap="square" lIns="91425" tIns="91425" rIns="91425" bIns="91425" anchor="ctr" anchorCtr="0">
               <a:noAutofit/>
             </a:bodyPr>
             <a:lstStyle/>
             <a:p>
-              <a:pPr indent="0" lvl="0" marL="0" rtl="0" algn="l">
+              <a:pPr marL="0" lvl="0" indent="0" algn="l" rtl="0">
                 <a:spcBef>
                   <a:spcPts val="0"/>
                 </a:spcBef>
@@ -5196,9 +5160,6 @@
                 </a:spcAft>
                 <a:buNone/>
               </a:pPr>
-              <a:r>
-                <a:t/>
-              </a:r>
               <a:endParaRPr/>
             </a:p>
           </p:txBody>
@@ -5207,7 +5168,9 @@
       <p:sp>
         <p:nvSpPr>
           <p:cNvPr id="52" name="Google Shape;52;p5"/>
-          <p:cNvSpPr txBox="1"/>
+          <p:cNvSpPr txBox="1">
+            <a:spLocks noGrp="1"/>
+          </p:cNvSpPr>
           <p:nvPr>
             <p:ph type="title"/>
           </p:nvPr>
@@ -5222,7 +5185,7 @@
           </a:prstGeom>
         </p:spPr>
         <p:txBody>
-          <a:bodyPr anchorCtr="0" anchor="t" bIns="91425" lIns="91425" spcFirstLastPara="1" rIns="91425" wrap="square" tIns="91425">
+          <a:bodyPr spcFirstLastPara="1" wrap="square" lIns="91425" tIns="91425" rIns="91425" bIns="91425" anchor="t" anchorCtr="0">
             <a:normAutofit/>
           </a:bodyPr>
           <a:lstStyle>
@@ -5326,15 +5289,19 @@
               <a:defRPr sz="2400"/>
             </a:lvl9pPr>
           </a:lstStyle>
-          <a:p/>
+          <a:p>
+            <a:endParaRPr/>
+          </a:p>
         </p:txBody>
       </p:sp>
       <p:sp>
         <p:nvSpPr>
           <p:cNvPr id="53" name="Google Shape;53;p5"/>
-          <p:cNvSpPr txBox="1"/>
+          <p:cNvSpPr txBox="1">
+            <a:spLocks noGrp="1"/>
+          </p:cNvSpPr>
           <p:nvPr>
-            <p:ph idx="1" type="body"/>
+            <p:ph type="body" idx="1"/>
           </p:nvPr>
         </p:nvSpPr>
         <p:spPr>
@@ -5347,11 +5314,11 @@
           </a:prstGeom>
         </p:spPr>
         <p:txBody>
-          <a:bodyPr anchorCtr="0" anchor="t" bIns="91425" lIns="91425" spcFirstLastPara="1" rIns="91425" wrap="square" tIns="91425">
+          <a:bodyPr spcFirstLastPara="1" wrap="square" lIns="91425" tIns="91425" rIns="91425" bIns="91425" anchor="t" anchorCtr="0">
             <a:normAutofit/>
           </a:bodyPr>
           <a:lstStyle>
-            <a:lvl1pPr indent="-311150" lvl="0" marL="457200">
+            <a:lvl1pPr marL="457200" lvl="0" indent="-311150">
               <a:spcBef>
                 <a:spcPts val="0"/>
               </a:spcBef>
@@ -5362,7 +5329,7 @@
               <a:buChar char="●"/>
               <a:defRPr/>
             </a:lvl1pPr>
-            <a:lvl2pPr indent="-298450" lvl="1" marL="914400">
+            <a:lvl2pPr marL="914400" lvl="1" indent="-298450">
               <a:spcBef>
                 <a:spcPts val="0"/>
               </a:spcBef>
@@ -5373,7 +5340,7 @@
               <a:buChar char="○"/>
               <a:defRPr/>
             </a:lvl2pPr>
-            <a:lvl3pPr indent="-298450" lvl="2" marL="1371600">
+            <a:lvl3pPr marL="1371600" lvl="2" indent="-298450">
               <a:spcBef>
                 <a:spcPts val="0"/>
               </a:spcBef>
@@ -5384,7 +5351,7 @@
               <a:buChar char="■"/>
               <a:defRPr/>
             </a:lvl3pPr>
-            <a:lvl4pPr indent="-298450" lvl="3" marL="1828800">
+            <a:lvl4pPr marL="1828800" lvl="3" indent="-298450">
               <a:spcBef>
                 <a:spcPts val="0"/>
               </a:spcBef>
@@ -5395,7 +5362,7 @@
               <a:buChar char="●"/>
               <a:defRPr/>
             </a:lvl4pPr>
-            <a:lvl5pPr indent="-298450" lvl="4" marL="2286000">
+            <a:lvl5pPr marL="2286000" lvl="4" indent="-298450">
               <a:spcBef>
                 <a:spcPts val="0"/>
               </a:spcBef>
@@ -5406,7 +5373,7 @@
               <a:buChar char="○"/>
               <a:defRPr/>
             </a:lvl5pPr>
-            <a:lvl6pPr indent="-298450" lvl="5" marL="2743200">
+            <a:lvl6pPr marL="2743200" lvl="5" indent="-298450">
               <a:spcBef>
                 <a:spcPts val="0"/>
               </a:spcBef>
@@ -5417,7 +5384,7 @@
               <a:buChar char="■"/>
               <a:defRPr/>
             </a:lvl6pPr>
-            <a:lvl7pPr indent="-298450" lvl="6" marL="3200400">
+            <a:lvl7pPr marL="3200400" lvl="6" indent="-298450">
               <a:spcBef>
                 <a:spcPts val="0"/>
               </a:spcBef>
@@ -5428,7 +5395,7 @@
               <a:buChar char="●"/>
               <a:defRPr/>
             </a:lvl7pPr>
-            <a:lvl8pPr indent="-298450" lvl="7" marL="3657600">
+            <a:lvl8pPr marL="3657600" lvl="7" indent="-298450">
               <a:spcBef>
                 <a:spcPts val="0"/>
               </a:spcBef>
@@ -5439,7 +5406,7 @@
               <a:buChar char="○"/>
               <a:defRPr/>
             </a:lvl8pPr>
-            <a:lvl9pPr indent="-298450" lvl="8" marL="4114800">
+            <a:lvl9pPr marL="4114800" lvl="8" indent="-298450">
               <a:spcBef>
                 <a:spcPts val="0"/>
               </a:spcBef>
@@ -5451,15 +5418,19 @@
               <a:defRPr/>
             </a:lvl9pPr>
           </a:lstStyle>
-          <a:p/>
+          <a:p>
+            <a:endParaRPr/>
+          </a:p>
         </p:txBody>
       </p:sp>
       <p:sp>
         <p:nvSpPr>
           <p:cNvPr id="54" name="Google Shape;54;p5"/>
-          <p:cNvSpPr txBox="1"/>
+          <p:cNvSpPr txBox="1">
+            <a:spLocks noGrp="1"/>
+          </p:cNvSpPr>
           <p:nvPr>
-            <p:ph idx="2" type="body"/>
+            <p:ph type="body" idx="2"/>
           </p:nvPr>
         </p:nvSpPr>
         <p:spPr>
@@ -5472,11 +5443,11 @@
           </a:prstGeom>
         </p:spPr>
         <p:txBody>
-          <a:bodyPr anchorCtr="0" anchor="t" bIns="91425" lIns="91425" spcFirstLastPara="1" rIns="91425" wrap="square" tIns="91425">
+          <a:bodyPr spcFirstLastPara="1" wrap="square" lIns="91425" tIns="91425" rIns="91425" bIns="91425" anchor="t" anchorCtr="0">
             <a:normAutofit/>
           </a:bodyPr>
           <a:lstStyle>
-            <a:lvl1pPr indent="-311150" lvl="0" marL="457200">
+            <a:lvl1pPr marL="457200" lvl="0" indent="-311150">
               <a:spcBef>
                 <a:spcPts val="0"/>
               </a:spcBef>
@@ -5487,7 +5458,7 @@
               <a:buChar char="●"/>
               <a:defRPr/>
             </a:lvl1pPr>
-            <a:lvl2pPr indent="-298450" lvl="1" marL="914400">
+            <a:lvl2pPr marL="914400" lvl="1" indent="-298450">
               <a:spcBef>
                 <a:spcPts val="0"/>
               </a:spcBef>
@@ -5498,7 +5469,7 @@
               <a:buChar char="○"/>
               <a:defRPr/>
             </a:lvl2pPr>
-            <a:lvl3pPr indent="-298450" lvl="2" marL="1371600">
+            <a:lvl3pPr marL="1371600" lvl="2" indent="-298450">
               <a:spcBef>
                 <a:spcPts val="0"/>
               </a:spcBef>
@@ -5509,7 +5480,7 @@
               <a:buChar char="■"/>
               <a:defRPr/>
             </a:lvl3pPr>
-            <a:lvl4pPr indent="-298450" lvl="3" marL="1828800">
+            <a:lvl4pPr marL="1828800" lvl="3" indent="-298450">
               <a:spcBef>
                 <a:spcPts val="0"/>
               </a:spcBef>
@@ -5520,7 +5491,7 @@
               <a:buChar char="●"/>
               <a:defRPr/>
             </a:lvl4pPr>
-            <a:lvl5pPr indent="-298450" lvl="4" marL="2286000">
+            <a:lvl5pPr marL="2286000" lvl="4" indent="-298450">
               <a:spcBef>
                 <a:spcPts val="0"/>
               </a:spcBef>
@@ -5531,7 +5502,7 @@
               <a:buChar char="○"/>
               <a:defRPr/>
             </a:lvl5pPr>
-            <a:lvl6pPr indent="-298450" lvl="5" marL="2743200">
+            <a:lvl6pPr marL="2743200" lvl="5" indent="-298450">
               <a:spcBef>
                 <a:spcPts val="0"/>
               </a:spcBef>
@@ -5542,7 +5513,7 @@
               <a:buChar char="■"/>
               <a:defRPr/>
             </a:lvl6pPr>
-            <a:lvl7pPr indent="-298450" lvl="6" marL="3200400">
+            <a:lvl7pPr marL="3200400" lvl="6" indent="-298450">
               <a:spcBef>
                 <a:spcPts val="0"/>
               </a:spcBef>
@@ -5553,7 +5524,7 @@
               <a:buChar char="●"/>
               <a:defRPr/>
             </a:lvl7pPr>
-            <a:lvl8pPr indent="-298450" lvl="7" marL="3657600">
+            <a:lvl8pPr marL="3657600" lvl="7" indent="-298450">
               <a:spcBef>
                 <a:spcPts val="0"/>
               </a:spcBef>
@@ -5564,7 +5535,7 @@
               <a:buChar char="○"/>
               <a:defRPr/>
             </a:lvl8pPr>
-            <a:lvl9pPr indent="-298450" lvl="8" marL="4114800">
+            <a:lvl9pPr marL="4114800" lvl="8" indent="-298450">
               <a:spcBef>
                 <a:spcPts val="0"/>
               </a:spcBef>
@@ -5576,15 +5547,19 @@
               <a:defRPr/>
             </a:lvl9pPr>
           </a:lstStyle>
-          <a:p/>
+          <a:p>
+            <a:endParaRPr/>
+          </a:p>
         </p:txBody>
       </p:sp>
       <p:sp>
         <p:nvSpPr>
           <p:cNvPr id="55" name="Google Shape;55;p5"/>
-          <p:cNvSpPr txBox="1"/>
+          <p:cNvSpPr txBox="1">
+            <a:spLocks noGrp="1"/>
+          </p:cNvSpPr>
           <p:nvPr>
-            <p:ph idx="12" type="sldNum"/>
+            <p:ph type="sldNum" idx="12"/>
           </p:nvPr>
         </p:nvSpPr>
         <p:spPr>
@@ -5597,7 +5572,7 @@
           </a:prstGeom>
         </p:spPr>
         <p:txBody>
-          <a:bodyPr anchorCtr="0" anchor="ctr" bIns="91425" lIns="91425" spcFirstLastPara="1" rIns="91425" wrap="square" tIns="91425">
+          <a:bodyPr spcFirstLastPara="1" wrap="square" lIns="91425" tIns="91425" rIns="91425" bIns="91425" anchor="ctr" anchorCtr="0">
             <a:normAutofit/>
           </a:bodyPr>
           <a:lstStyle>
@@ -5639,7 +5614,7 @@
             </a:lvl9pPr>
           </a:lstStyle>
           <a:p>
-            <a:pPr indent="0" lvl="0" marL="0" rtl="0" algn="r">
+            <a:pPr marL="0" lvl="0" indent="0" algn="r" rtl="0">
               <a:spcBef>
                 <a:spcPts val="0"/>
               </a:spcBef>
@@ -5665,11 +5640,11 @@
 </file>
 
 <file path=ppt/slideLayouts/slideLayout5.xml><?xml version="1.0" encoding="utf-8"?>
-<p:sldLayout xmlns:a="http://schemas.openxmlformats.org/drawingml/2006/main" xmlns:r="http://schemas.openxmlformats.org/officeDocument/2006/relationships" xmlns:mc="http://schemas.openxmlformats.org/markup-compatibility/2006" xmlns:mv="urn:schemas-microsoft-com:mac:vml" xmlns:p="http://schemas.openxmlformats.org/presentationml/2006/main" xmlns:c="http://schemas.openxmlformats.org/drawingml/2006/chart" xmlns:dgm="http://schemas.openxmlformats.org/drawingml/2006/diagram" xmlns:o="urn:schemas-microsoft-com:office:office" xmlns:v="urn:schemas-microsoft-com:vml" xmlns:pvml="urn:schemas-microsoft-com:office:powerpoint" xmlns:com="http://schemas.openxmlformats.org/drawingml/2006/compatibility" xmlns:p14="http://schemas.microsoft.com/office/powerpoint/2010/main" xmlns:p15="http://schemas.microsoft.com/office/powerpoint/2012/main" xmlns:ahyp="http://schemas.microsoft.com/office/drawing/2018/hyperlinkcolor" matchingName="Title only" type="titleOnly">
+<p:sldLayout xmlns:a="http://schemas.openxmlformats.org/drawingml/2006/main" xmlns:r="http://schemas.openxmlformats.org/officeDocument/2006/relationships" xmlns:p="http://schemas.openxmlformats.org/presentationml/2006/main" matchingName="Title only" type="titleOnly">
   <p:cSld name="TITLE_ONLY">
     <p:spTree>
       <p:nvGrpSpPr>
-        <p:cNvPr id="56" name="Shape 56"/>
+        <p:cNvPr id="1" name="Shape 56"/>
         <p:cNvGrpSpPr/>
         <p:nvPr/>
       </p:nvGrpSpPr>
@@ -5708,7 +5683,7 @@
             </a:xfrm>
             <a:prstGeom prst="diagStripe">
               <a:avLst>
-                <a:gd fmla="val 50000" name="adj"/>
+                <a:gd name="adj" fmla="val 50000"/>
               </a:avLst>
             </a:prstGeom>
             <a:solidFill>
@@ -5719,12 +5694,12 @@
             </a:ln>
           </p:spPr>
           <p:txBody>
-            <a:bodyPr anchorCtr="0" anchor="ctr" bIns="91425" lIns="91425" spcFirstLastPara="1" rIns="91425" wrap="square" tIns="91425">
+            <a:bodyPr spcFirstLastPara="1" wrap="square" lIns="91425" tIns="91425" rIns="91425" bIns="91425" anchor="ctr" anchorCtr="0">
               <a:noAutofit/>
             </a:bodyPr>
             <a:lstStyle/>
             <a:p>
-              <a:pPr indent="0" lvl="0" marL="0" rtl="0" algn="l">
+              <a:pPr marL="0" lvl="0" indent="0" algn="l" rtl="0">
                 <a:spcBef>
                   <a:spcPts val="0"/>
                 </a:spcBef>
@@ -5733,9 +5708,6 @@
                 </a:spcAft>
                 <a:buNone/>
               </a:pPr>
-              <a:r>
-                <a:t/>
-              </a:r>
               <a:endParaRPr/>
             </a:p>
           </p:txBody>
@@ -5753,7 +5725,7 @@
             </a:xfrm>
             <a:prstGeom prst="diagStripe">
               <a:avLst>
-                <a:gd fmla="val 50000" name="adj"/>
+                <a:gd name="adj" fmla="val 50000"/>
               </a:avLst>
             </a:prstGeom>
             <a:solidFill>
@@ -5764,12 +5736,12 @@
             </a:ln>
           </p:spPr>
           <p:txBody>
-            <a:bodyPr anchorCtr="0" anchor="ctr" bIns="91425" lIns="91425" spcFirstLastPara="1" rIns="91425" wrap="square" tIns="91425">
+            <a:bodyPr spcFirstLastPara="1" wrap="square" lIns="91425" tIns="91425" rIns="91425" bIns="91425" anchor="ctr" anchorCtr="0">
               <a:noAutofit/>
             </a:bodyPr>
             <a:lstStyle/>
             <a:p>
-              <a:pPr indent="0" lvl="0" marL="0" rtl="0" algn="l">
+              <a:pPr marL="0" lvl="0" indent="0" algn="l" rtl="0">
                 <a:spcBef>
                   <a:spcPts val="0"/>
                 </a:spcBef>
@@ -5778,9 +5750,6 @@
                 </a:spcAft>
                 <a:buNone/>
               </a:pPr>
-              <a:r>
-                <a:t/>
-              </a:r>
               <a:endParaRPr/>
             </a:p>
           </p:txBody>
@@ -5789,7 +5758,9 @@
       <p:sp>
         <p:nvSpPr>
           <p:cNvPr id="60" name="Google Shape;60;p6"/>
-          <p:cNvSpPr txBox="1"/>
+          <p:cNvSpPr txBox="1">
+            <a:spLocks noGrp="1"/>
+          </p:cNvSpPr>
           <p:nvPr>
             <p:ph type="title"/>
           </p:nvPr>
@@ -5804,7 +5775,7 @@
           </a:prstGeom>
         </p:spPr>
         <p:txBody>
-          <a:bodyPr anchorCtr="0" anchor="t" bIns="91425" lIns="91425" spcFirstLastPara="1" rIns="91425" wrap="square" tIns="91425">
+          <a:bodyPr spcFirstLastPara="1" wrap="square" lIns="91425" tIns="91425" rIns="91425" bIns="91425" anchor="t" anchorCtr="0">
             <a:normAutofit/>
           </a:bodyPr>
           <a:lstStyle>
@@ -5908,15 +5879,19 @@
               <a:defRPr sz="2400"/>
             </a:lvl9pPr>
           </a:lstStyle>
-          <a:p/>
+          <a:p>
+            <a:endParaRPr/>
+          </a:p>
         </p:txBody>
       </p:sp>
       <p:sp>
         <p:nvSpPr>
           <p:cNvPr id="61" name="Google Shape;61;p6"/>
-          <p:cNvSpPr txBox="1"/>
+          <p:cNvSpPr txBox="1">
+            <a:spLocks noGrp="1"/>
+          </p:cNvSpPr>
           <p:nvPr>
-            <p:ph idx="12" type="sldNum"/>
+            <p:ph type="sldNum" idx="12"/>
           </p:nvPr>
         </p:nvSpPr>
         <p:spPr>
@@ -5929,7 +5904,7 @@
           </a:prstGeom>
         </p:spPr>
         <p:txBody>
-          <a:bodyPr anchorCtr="0" anchor="ctr" bIns="91425" lIns="91425" spcFirstLastPara="1" rIns="91425" wrap="square" tIns="91425">
+          <a:bodyPr spcFirstLastPara="1" wrap="square" lIns="91425" tIns="91425" rIns="91425" bIns="91425" anchor="ctr" anchorCtr="0">
             <a:normAutofit/>
           </a:bodyPr>
           <a:lstStyle>
@@ -5971,7 +5946,7 @@
             </a:lvl9pPr>
           </a:lstStyle>
           <a:p>
-            <a:pPr indent="0" lvl="0" marL="0" rtl="0" algn="r">
+            <a:pPr marL="0" lvl="0" indent="0" algn="r" rtl="0">
               <a:spcBef>
                 <a:spcPts val="0"/>
               </a:spcBef>
@@ -5997,11 +5972,11 @@
 </file>
 
 <file path=ppt/slideLayouts/slideLayout6.xml><?xml version="1.0" encoding="utf-8"?>
-<p:sldLayout xmlns:a="http://schemas.openxmlformats.org/drawingml/2006/main" xmlns:r="http://schemas.openxmlformats.org/officeDocument/2006/relationships" xmlns:mc="http://schemas.openxmlformats.org/markup-compatibility/2006" xmlns:mv="urn:schemas-microsoft-com:mac:vml" xmlns:p="http://schemas.openxmlformats.org/presentationml/2006/main" xmlns:c="http://schemas.openxmlformats.org/drawingml/2006/chart" xmlns:dgm="http://schemas.openxmlformats.org/drawingml/2006/diagram" xmlns:o="urn:schemas-microsoft-com:office:office" xmlns:v="urn:schemas-microsoft-com:vml" xmlns:pvml="urn:schemas-microsoft-com:office:powerpoint" xmlns:com="http://schemas.openxmlformats.org/drawingml/2006/compatibility" xmlns:p14="http://schemas.microsoft.com/office/powerpoint/2010/main" xmlns:p15="http://schemas.microsoft.com/office/powerpoint/2012/main" xmlns:ahyp="http://schemas.microsoft.com/office/drawing/2018/hyperlinkcolor" matchingName="One column text">
+<p:sldLayout xmlns:a="http://schemas.openxmlformats.org/drawingml/2006/main" xmlns:r="http://schemas.openxmlformats.org/officeDocument/2006/relationships" xmlns:p="http://schemas.openxmlformats.org/presentationml/2006/main" matchingName="One column text">
   <p:cSld name="ONE_COLUMN_TEXT">
     <p:spTree>
       <p:nvGrpSpPr>
-        <p:cNvPr id="62" name="Shape 62"/>
+        <p:cNvPr id="1" name="Shape 62"/>
         <p:cNvGrpSpPr/>
         <p:nvPr/>
       </p:nvGrpSpPr>
@@ -6040,7 +6015,7 @@
             </a:xfrm>
             <a:prstGeom prst="diagStripe">
               <a:avLst>
-                <a:gd fmla="val 50000" name="adj"/>
+                <a:gd name="adj" fmla="val 50000"/>
               </a:avLst>
             </a:prstGeom>
             <a:solidFill>
@@ -6051,12 +6026,12 @@
             </a:ln>
           </p:spPr>
           <p:txBody>
-            <a:bodyPr anchorCtr="0" anchor="ctr" bIns="91425" lIns="91425" spcFirstLastPara="1" rIns="91425" wrap="square" tIns="91425">
+            <a:bodyPr spcFirstLastPara="1" wrap="square" lIns="91425" tIns="91425" rIns="91425" bIns="91425" anchor="ctr" anchorCtr="0">
               <a:noAutofit/>
             </a:bodyPr>
             <a:lstStyle/>
             <a:p>
-              <a:pPr indent="0" lvl="0" marL="0" rtl="0" algn="l">
+              <a:pPr marL="0" lvl="0" indent="0" algn="l" rtl="0">
                 <a:spcBef>
                   <a:spcPts val="0"/>
                 </a:spcBef>
@@ -6065,9 +6040,6 @@
                 </a:spcAft>
                 <a:buNone/>
               </a:pPr>
-              <a:r>
-                <a:t/>
-              </a:r>
               <a:endParaRPr/>
             </a:p>
           </p:txBody>
@@ -6085,7 +6057,7 @@
             </a:xfrm>
             <a:prstGeom prst="diagStripe">
               <a:avLst>
-                <a:gd fmla="val 50000" name="adj"/>
+                <a:gd name="adj" fmla="val 50000"/>
               </a:avLst>
             </a:prstGeom>
             <a:solidFill>
@@ -6096,12 +6068,12 @@
             </a:ln>
           </p:spPr>
           <p:txBody>
-            <a:bodyPr anchorCtr="0" anchor="ctr" bIns="91425" lIns="91425" spcFirstLastPara="1" rIns="91425" wrap="square" tIns="91425">
+            <a:bodyPr spcFirstLastPara="1" wrap="square" lIns="91425" tIns="91425" rIns="91425" bIns="91425" anchor="ctr" anchorCtr="0">
               <a:noAutofit/>
             </a:bodyPr>
             <a:lstStyle/>
             <a:p>
-              <a:pPr indent="0" lvl="0" marL="0" rtl="0" algn="l">
+              <a:pPr marL="0" lvl="0" indent="0" algn="l" rtl="0">
                 <a:spcBef>
                   <a:spcPts val="0"/>
                 </a:spcBef>
@@ -6110,9 +6082,6 @@
                 </a:spcAft>
                 <a:buNone/>
               </a:pPr>
-              <a:r>
-                <a:t/>
-              </a:r>
               <a:endParaRPr/>
             </a:p>
           </p:txBody>
@@ -6121,7 +6090,9 @@
       <p:sp>
         <p:nvSpPr>
           <p:cNvPr id="66" name="Google Shape;66;p7"/>
-          <p:cNvSpPr txBox="1"/>
+          <p:cNvSpPr txBox="1">
+            <a:spLocks noGrp="1"/>
+          </p:cNvSpPr>
           <p:nvPr>
             <p:ph type="title"/>
           </p:nvPr>
@@ -6136,7 +6107,7 @@
           </a:prstGeom>
         </p:spPr>
         <p:txBody>
-          <a:bodyPr anchorCtr="0" anchor="t" bIns="91425" lIns="91425" spcFirstLastPara="1" rIns="91425" wrap="square" tIns="91425">
+          <a:bodyPr spcFirstLastPara="1" wrap="square" lIns="91425" tIns="91425" rIns="91425" bIns="91425" anchor="t" anchorCtr="0">
             <a:normAutofit/>
           </a:bodyPr>
           <a:lstStyle>
@@ -6240,15 +6211,19 @@
               <a:defRPr sz="2400"/>
             </a:lvl9pPr>
           </a:lstStyle>
-          <a:p/>
+          <a:p>
+            <a:endParaRPr/>
+          </a:p>
         </p:txBody>
       </p:sp>
       <p:sp>
         <p:nvSpPr>
           <p:cNvPr id="67" name="Google Shape;67;p7"/>
-          <p:cNvSpPr txBox="1"/>
+          <p:cNvSpPr txBox="1">
+            <a:spLocks noGrp="1"/>
+          </p:cNvSpPr>
           <p:nvPr>
-            <p:ph idx="1" type="body"/>
+            <p:ph type="body" idx="1"/>
           </p:nvPr>
         </p:nvSpPr>
         <p:spPr>
@@ -6261,11 +6236,11 @@
           </a:prstGeom>
         </p:spPr>
         <p:txBody>
-          <a:bodyPr anchorCtr="0" anchor="t" bIns="91425" lIns="91425" spcFirstLastPara="1" rIns="91425" wrap="square" tIns="91425">
+          <a:bodyPr spcFirstLastPara="1" wrap="square" lIns="91425" tIns="91425" rIns="91425" bIns="91425" anchor="t" anchorCtr="0">
             <a:normAutofit/>
           </a:bodyPr>
           <a:lstStyle>
-            <a:lvl1pPr indent="-311150" lvl="0" marL="457200">
+            <a:lvl1pPr marL="457200" lvl="0" indent="-311150">
               <a:spcBef>
                 <a:spcPts val="0"/>
               </a:spcBef>
@@ -6276,7 +6251,7 @@
               <a:buChar char="●"/>
               <a:defRPr/>
             </a:lvl1pPr>
-            <a:lvl2pPr indent="-298450" lvl="1" marL="914400">
+            <a:lvl2pPr marL="914400" lvl="1" indent="-298450">
               <a:spcBef>
                 <a:spcPts val="0"/>
               </a:spcBef>
@@ -6287,7 +6262,7 @@
               <a:buChar char="○"/>
               <a:defRPr/>
             </a:lvl2pPr>
-            <a:lvl3pPr indent="-298450" lvl="2" marL="1371600">
+            <a:lvl3pPr marL="1371600" lvl="2" indent="-298450">
               <a:spcBef>
                 <a:spcPts val="0"/>
               </a:spcBef>
@@ -6298,7 +6273,7 @@
               <a:buChar char="■"/>
               <a:defRPr/>
             </a:lvl3pPr>
-            <a:lvl4pPr indent="-298450" lvl="3" marL="1828800">
+            <a:lvl4pPr marL="1828800" lvl="3" indent="-298450">
               <a:spcBef>
                 <a:spcPts val="0"/>
               </a:spcBef>
@@ -6309,7 +6284,7 @@
               <a:buChar char="●"/>
               <a:defRPr/>
             </a:lvl4pPr>
-            <a:lvl5pPr indent="-298450" lvl="4" marL="2286000">
+            <a:lvl5pPr marL="2286000" lvl="4" indent="-298450">
               <a:spcBef>
                 <a:spcPts val="0"/>
               </a:spcBef>
@@ -6320,7 +6295,7 @@
               <a:buChar char="○"/>
               <a:defRPr/>
             </a:lvl5pPr>
-            <a:lvl6pPr indent="-298450" lvl="5" marL="2743200">
+            <a:lvl6pPr marL="2743200" lvl="5" indent="-298450">
               <a:spcBef>
                 <a:spcPts val="0"/>
               </a:spcBef>
@@ -6331,7 +6306,7 @@
               <a:buChar char="■"/>
               <a:defRPr/>
             </a:lvl6pPr>
-            <a:lvl7pPr indent="-298450" lvl="6" marL="3200400">
+            <a:lvl7pPr marL="3200400" lvl="6" indent="-298450">
               <a:spcBef>
                 <a:spcPts val="0"/>
               </a:spcBef>
@@ -6342,7 +6317,7 @@
               <a:buChar char="●"/>
               <a:defRPr/>
             </a:lvl7pPr>
-            <a:lvl8pPr indent="-298450" lvl="7" marL="3657600">
+            <a:lvl8pPr marL="3657600" lvl="7" indent="-298450">
               <a:spcBef>
                 <a:spcPts val="0"/>
               </a:spcBef>
@@ -6353,7 +6328,7 @@
               <a:buChar char="○"/>
               <a:defRPr/>
             </a:lvl8pPr>
-            <a:lvl9pPr indent="-298450" lvl="8" marL="4114800">
+            <a:lvl9pPr marL="4114800" lvl="8" indent="-298450">
               <a:spcBef>
                 <a:spcPts val="0"/>
               </a:spcBef>
@@ -6365,15 +6340,19 @@
               <a:defRPr/>
             </a:lvl9pPr>
           </a:lstStyle>
-          <a:p/>
+          <a:p>
+            <a:endParaRPr/>
+          </a:p>
         </p:txBody>
       </p:sp>
       <p:sp>
         <p:nvSpPr>
           <p:cNvPr id="68" name="Google Shape;68;p7"/>
-          <p:cNvSpPr txBox="1"/>
+          <p:cNvSpPr txBox="1">
+            <a:spLocks noGrp="1"/>
+          </p:cNvSpPr>
           <p:nvPr>
-            <p:ph idx="12" type="sldNum"/>
+            <p:ph type="sldNum" idx="12"/>
           </p:nvPr>
         </p:nvSpPr>
         <p:spPr>
@@ -6386,7 +6365,7 @@
           </a:prstGeom>
         </p:spPr>
         <p:txBody>
-          <a:bodyPr anchorCtr="0" anchor="ctr" bIns="91425" lIns="91425" spcFirstLastPara="1" rIns="91425" wrap="square" tIns="91425">
+          <a:bodyPr spcFirstLastPara="1" wrap="square" lIns="91425" tIns="91425" rIns="91425" bIns="91425" anchor="ctr" anchorCtr="0">
             <a:normAutofit/>
           </a:bodyPr>
           <a:lstStyle>
@@ -6428,7 +6407,7 @@
             </a:lvl9pPr>
           </a:lstStyle>
           <a:p>
-            <a:pPr indent="0" lvl="0" marL="0" rtl="0" algn="r">
+            <a:pPr marL="0" lvl="0" indent="0" algn="r" rtl="0">
               <a:spcBef>
                 <a:spcPts val="0"/>
               </a:spcBef>
@@ -6454,11 +6433,11 @@
 </file>
 
 <file path=ppt/slideLayouts/slideLayout7.xml><?xml version="1.0" encoding="utf-8"?>
-<p:sldLayout xmlns:a="http://schemas.openxmlformats.org/drawingml/2006/main" xmlns:r="http://schemas.openxmlformats.org/officeDocument/2006/relationships" xmlns:mc="http://schemas.openxmlformats.org/markup-compatibility/2006" xmlns:mv="urn:schemas-microsoft-com:mac:vml" xmlns:p="http://schemas.openxmlformats.org/presentationml/2006/main" xmlns:c="http://schemas.openxmlformats.org/drawingml/2006/chart" xmlns:dgm="http://schemas.openxmlformats.org/drawingml/2006/diagram" xmlns:o="urn:schemas-microsoft-com:office:office" xmlns:v="urn:schemas-microsoft-com:vml" xmlns:pvml="urn:schemas-microsoft-com:office:powerpoint" xmlns:com="http://schemas.openxmlformats.org/drawingml/2006/compatibility" xmlns:p14="http://schemas.microsoft.com/office/powerpoint/2010/main" xmlns:p15="http://schemas.microsoft.com/office/powerpoint/2012/main" xmlns:ahyp="http://schemas.microsoft.com/office/drawing/2018/hyperlinkcolor" matchingName="Main point">
+<p:sldLayout xmlns:a="http://schemas.openxmlformats.org/drawingml/2006/main" xmlns:r="http://schemas.openxmlformats.org/officeDocument/2006/relationships" xmlns:p="http://schemas.openxmlformats.org/presentationml/2006/main" matchingName="Main point">
   <p:cSld name="MAIN_POINT">
     <p:spTree>
       <p:nvGrpSpPr>
-        <p:cNvPr id="69" name="Shape 69"/>
+        <p:cNvPr id="1" name="Shape 69"/>
         <p:cNvGrpSpPr/>
         <p:nvPr/>
       </p:nvGrpSpPr>
@@ -6497,7 +6476,7 @@
             </a:xfrm>
             <a:prstGeom prst="diagStripe">
               <a:avLst>
-                <a:gd fmla="val 49469" name="adj"/>
+                <a:gd name="adj" fmla="val 49469"/>
               </a:avLst>
             </a:prstGeom>
             <a:solidFill>
@@ -6510,12 +6489,12 @@
             </a:ln>
           </p:spPr>
           <p:txBody>
-            <a:bodyPr anchorCtr="0" anchor="ctr" bIns="91425" lIns="91425" spcFirstLastPara="1" rIns="91425" wrap="square" tIns="91425">
+            <a:bodyPr spcFirstLastPara="1" wrap="square" lIns="91425" tIns="91425" rIns="91425" bIns="91425" anchor="ctr" anchorCtr="0">
               <a:noAutofit/>
             </a:bodyPr>
             <a:lstStyle/>
             <a:p>
-              <a:pPr indent="0" lvl="0" marL="0" rtl="0" algn="l">
+              <a:pPr marL="0" lvl="0" indent="0" algn="l" rtl="0">
                 <a:spcBef>
                   <a:spcPts val="0"/>
                 </a:spcBef>
@@ -6524,9 +6503,6 @@
                 </a:spcAft>
                 <a:buNone/>
               </a:pPr>
-              <a:r>
-                <a:t/>
-              </a:r>
               <a:endParaRPr/>
             </a:p>
           </p:txBody>
@@ -6544,7 +6520,7 @@
             </a:xfrm>
             <a:prstGeom prst="diagStripe">
               <a:avLst>
-                <a:gd fmla="val 0" name="adj"/>
+                <a:gd name="adj" fmla="val 0"/>
               </a:avLst>
             </a:prstGeom>
             <a:solidFill>
@@ -6557,12 +6533,12 @@
             </a:ln>
           </p:spPr>
           <p:txBody>
-            <a:bodyPr anchorCtr="0" anchor="ctr" bIns="91425" lIns="91425" spcFirstLastPara="1" rIns="91425" wrap="square" tIns="91425">
+            <a:bodyPr spcFirstLastPara="1" wrap="square" lIns="91425" tIns="91425" rIns="91425" bIns="91425" anchor="ctr" anchorCtr="0">
               <a:noAutofit/>
             </a:bodyPr>
             <a:lstStyle/>
             <a:p>
-              <a:pPr indent="0" lvl="0" marL="0" rtl="0" algn="l">
+              <a:pPr marL="0" lvl="0" indent="0" algn="l" rtl="0">
                 <a:spcBef>
                   <a:spcPts val="0"/>
                 </a:spcBef>
@@ -6571,9 +6547,6 @@
                 </a:spcAft>
                 <a:buNone/>
               </a:pPr>
-              <a:r>
-                <a:t/>
-              </a:r>
               <a:endParaRPr/>
             </a:p>
           </p:txBody>
@@ -6591,7 +6564,7 @@
             </a:xfrm>
             <a:prstGeom prst="diagStripe">
               <a:avLst>
-                <a:gd fmla="val 50000" name="adj"/>
+                <a:gd name="adj" fmla="val 50000"/>
               </a:avLst>
             </a:prstGeom>
             <a:solidFill>
@@ -6604,12 +6577,12 @@
             </a:ln>
           </p:spPr>
           <p:txBody>
-            <a:bodyPr anchorCtr="0" anchor="ctr" bIns="91425" lIns="91425" spcFirstLastPara="1" rIns="91425" wrap="square" tIns="91425">
+            <a:bodyPr spcFirstLastPara="1" wrap="square" lIns="91425" tIns="91425" rIns="91425" bIns="91425" anchor="ctr" anchorCtr="0">
               <a:noAutofit/>
             </a:bodyPr>
             <a:lstStyle/>
             <a:p>
-              <a:pPr indent="0" lvl="0" marL="0" rtl="0" algn="l">
+              <a:pPr marL="0" lvl="0" indent="0" algn="l" rtl="0">
                 <a:spcBef>
                   <a:spcPts val="0"/>
                 </a:spcBef>
@@ -6618,9 +6591,6 @@
                 </a:spcAft>
                 <a:buNone/>
               </a:pPr>
-              <a:r>
-                <a:t/>
-              </a:r>
               <a:endParaRPr/>
             </a:p>
           </p:txBody>
@@ -6638,7 +6608,7 @@
             </a:xfrm>
             <a:prstGeom prst="diagStripe">
               <a:avLst>
-                <a:gd fmla="val 50000" name="adj"/>
+                <a:gd name="adj" fmla="val 50000"/>
               </a:avLst>
             </a:prstGeom>
             <a:solidFill>
@@ -6651,12 +6621,12 @@
             </a:ln>
           </p:spPr>
           <p:txBody>
-            <a:bodyPr anchorCtr="0" anchor="ctr" bIns="91425" lIns="91425" spcFirstLastPara="1" rIns="91425" wrap="square" tIns="91425">
+            <a:bodyPr spcFirstLastPara="1" wrap="square" lIns="91425" tIns="91425" rIns="91425" bIns="91425" anchor="ctr" anchorCtr="0">
               <a:noAutofit/>
             </a:bodyPr>
             <a:lstStyle/>
             <a:p>
-              <a:pPr indent="0" lvl="0" marL="0" rtl="0" algn="l">
+              <a:pPr marL="0" lvl="0" indent="0" algn="l" rtl="0">
                 <a:spcBef>
                   <a:spcPts val="0"/>
                 </a:spcBef>
@@ -6665,9 +6635,6 @@
                 </a:spcAft>
                 <a:buNone/>
               </a:pPr>
-              <a:r>
-                <a:t/>
-              </a:r>
               <a:endParaRPr/>
             </a:p>
           </p:txBody>
@@ -6685,7 +6652,7 @@
             </a:xfrm>
             <a:prstGeom prst="diagStripe">
               <a:avLst>
-                <a:gd fmla="val 50000" name="adj"/>
+                <a:gd name="adj" fmla="val 50000"/>
               </a:avLst>
             </a:prstGeom>
             <a:solidFill>
@@ -6698,12 +6665,12 @@
             </a:ln>
           </p:spPr>
           <p:txBody>
-            <a:bodyPr anchorCtr="0" anchor="ctr" bIns="91425" lIns="91425" spcFirstLastPara="1" rIns="91425" wrap="square" tIns="91425">
+            <a:bodyPr spcFirstLastPara="1" wrap="square" lIns="91425" tIns="91425" rIns="91425" bIns="91425" anchor="ctr" anchorCtr="0">
               <a:noAutofit/>
             </a:bodyPr>
             <a:lstStyle/>
             <a:p>
-              <a:pPr indent="0" lvl="0" marL="0" rtl="0" algn="l">
+              <a:pPr marL="0" lvl="0" indent="0" algn="l" rtl="0">
                 <a:spcBef>
                   <a:spcPts val="0"/>
                 </a:spcBef>
@@ -6712,9 +6679,6 @@
                 </a:spcAft>
                 <a:buNone/>
               </a:pPr>
-              <a:r>
-                <a:t/>
-              </a:r>
               <a:endParaRPr/>
             </a:p>
           </p:txBody>
@@ -6732,7 +6696,7 @@
             </a:xfrm>
             <a:prstGeom prst="diagStripe">
               <a:avLst>
-                <a:gd fmla="val 50000" name="adj"/>
+                <a:gd name="adj" fmla="val 50000"/>
               </a:avLst>
             </a:prstGeom>
             <a:solidFill>
@@ -6745,12 +6709,12 @@
             </a:ln>
           </p:spPr>
           <p:txBody>
-            <a:bodyPr anchorCtr="0" anchor="ctr" bIns="91425" lIns="91425" spcFirstLastPara="1" rIns="91425" wrap="square" tIns="91425">
+            <a:bodyPr spcFirstLastPara="1" wrap="square" lIns="91425" tIns="91425" rIns="91425" bIns="91425" anchor="ctr" anchorCtr="0">
               <a:noAutofit/>
             </a:bodyPr>
             <a:lstStyle/>
             <a:p>
-              <a:pPr indent="0" lvl="0" marL="0" rtl="0" algn="l">
+              <a:pPr marL="0" lvl="0" indent="0" algn="l" rtl="0">
                 <a:spcBef>
                   <a:spcPts val="0"/>
                 </a:spcBef>
@@ -6759,9 +6723,6 @@
                 </a:spcAft>
                 <a:buNone/>
               </a:pPr>
-              <a:r>
-                <a:t/>
-              </a:r>
               <a:endParaRPr/>
             </a:p>
           </p:txBody>
@@ -6779,7 +6740,7 @@
             </a:xfrm>
             <a:prstGeom prst="diagStripe">
               <a:avLst>
-                <a:gd fmla="val 50000" name="adj"/>
+                <a:gd name="adj" fmla="val 50000"/>
               </a:avLst>
             </a:prstGeom>
             <a:solidFill>
@@ -6792,12 +6753,12 @@
             </a:ln>
           </p:spPr>
           <p:txBody>
-            <a:bodyPr anchorCtr="0" anchor="ctr" bIns="91425" lIns="91425" spcFirstLastPara="1" rIns="91425" wrap="square" tIns="91425">
+            <a:bodyPr spcFirstLastPara="1" wrap="square" lIns="91425" tIns="91425" rIns="91425" bIns="91425" anchor="ctr" anchorCtr="0">
               <a:noAutofit/>
             </a:bodyPr>
             <a:lstStyle/>
             <a:p>
-              <a:pPr indent="0" lvl="0" marL="0" rtl="0" algn="l">
+              <a:pPr marL="0" lvl="0" indent="0" algn="l" rtl="0">
                 <a:spcBef>
                   <a:spcPts val="0"/>
                 </a:spcBef>
@@ -6806,9 +6767,6 @@
                 </a:spcAft>
                 <a:buNone/>
               </a:pPr>
-              <a:r>
-                <a:t/>
-              </a:r>
               <a:endParaRPr/>
             </a:p>
           </p:txBody>
@@ -6826,7 +6784,7 @@
             </a:xfrm>
             <a:prstGeom prst="diagStripe">
               <a:avLst>
-                <a:gd fmla="val 50000" name="adj"/>
+                <a:gd name="adj" fmla="val 50000"/>
               </a:avLst>
             </a:prstGeom>
             <a:solidFill>
@@ -6837,12 +6795,12 @@
             </a:ln>
           </p:spPr>
           <p:txBody>
-            <a:bodyPr anchorCtr="0" anchor="ctr" bIns="91425" lIns="91425" spcFirstLastPara="1" rIns="91425" wrap="square" tIns="91425">
+            <a:bodyPr spcFirstLastPara="1" wrap="square" lIns="91425" tIns="91425" rIns="91425" bIns="91425" anchor="ctr" anchorCtr="0">
               <a:noAutofit/>
             </a:bodyPr>
             <a:lstStyle/>
             <a:p>
-              <a:pPr indent="0" lvl="0" marL="0" rtl="0" algn="l">
+              <a:pPr marL="0" lvl="0" indent="0" algn="l" rtl="0">
                 <a:spcBef>
                   <a:spcPts val="0"/>
                 </a:spcBef>
@@ -6851,9 +6809,6 @@
                 </a:spcAft>
                 <a:buNone/>
               </a:pPr>
-              <a:r>
-                <a:t/>
-              </a:r>
               <a:endParaRPr/>
             </a:p>
           </p:txBody>
@@ -6871,7 +6826,7 @@
             </a:xfrm>
             <a:prstGeom prst="diagStripe">
               <a:avLst>
-                <a:gd fmla="val 50000" name="adj"/>
+                <a:gd name="adj" fmla="val 50000"/>
               </a:avLst>
             </a:prstGeom>
             <a:solidFill>
@@ -6884,12 +6839,12 @@
             </a:ln>
           </p:spPr>
           <p:txBody>
-            <a:bodyPr anchorCtr="0" anchor="ctr" bIns="91425" lIns="91425" spcFirstLastPara="1" rIns="91425" wrap="square" tIns="91425">
+            <a:bodyPr spcFirstLastPara="1" wrap="square" lIns="91425" tIns="91425" rIns="91425" bIns="91425" anchor="ctr" anchorCtr="0">
               <a:noAutofit/>
             </a:bodyPr>
             <a:lstStyle/>
             <a:p>
-              <a:pPr indent="0" lvl="0" marL="0" rtl="0" algn="l">
+              <a:pPr marL="0" lvl="0" indent="0" algn="l" rtl="0">
                 <a:spcBef>
                   <a:spcPts val="0"/>
                 </a:spcBef>
@@ -6898,9 +6853,6 @@
                 </a:spcAft>
                 <a:buNone/>
               </a:pPr>
-              <a:r>
-                <a:t/>
-              </a:r>
               <a:endParaRPr/>
             </a:p>
           </p:txBody>
@@ -6918,7 +6870,7 @@
             </a:xfrm>
             <a:prstGeom prst="diagStripe">
               <a:avLst>
-                <a:gd fmla="val 50000" name="adj"/>
+                <a:gd name="adj" fmla="val 50000"/>
               </a:avLst>
             </a:prstGeom>
             <a:solidFill>
@@ -6931,12 +6883,12 @@
             </a:ln>
           </p:spPr>
           <p:txBody>
-            <a:bodyPr anchorCtr="0" anchor="ctr" bIns="91425" lIns="91425" spcFirstLastPara="1" rIns="91425" wrap="square" tIns="91425">
+            <a:bodyPr spcFirstLastPara="1" wrap="square" lIns="91425" tIns="91425" rIns="91425" bIns="91425" anchor="ctr" anchorCtr="0">
               <a:noAutofit/>
             </a:bodyPr>
             <a:lstStyle/>
             <a:p>
-              <a:pPr indent="0" lvl="0" marL="0" rtl="0" algn="l">
+              <a:pPr marL="0" lvl="0" indent="0" algn="l" rtl="0">
                 <a:spcBef>
                   <a:spcPts val="0"/>
                 </a:spcBef>
@@ -6945,9 +6897,6 @@
                 </a:spcAft>
                 <a:buNone/>
               </a:pPr>
-              <a:r>
-                <a:t/>
-              </a:r>
               <a:endParaRPr/>
             </a:p>
           </p:txBody>
@@ -6965,7 +6914,7 @@
             </a:xfrm>
             <a:prstGeom prst="diagStripe">
               <a:avLst>
-                <a:gd fmla="val 50000" name="adj"/>
+                <a:gd name="adj" fmla="val 50000"/>
               </a:avLst>
             </a:prstGeom>
             <a:solidFill>
@@ -6978,12 +6927,12 @@
             </a:ln>
           </p:spPr>
           <p:txBody>
-            <a:bodyPr anchorCtr="0" anchor="ctr" bIns="91425" lIns="91425" spcFirstLastPara="1" rIns="91425" wrap="square" tIns="91425">
+            <a:bodyPr spcFirstLastPara="1" wrap="square" lIns="91425" tIns="91425" rIns="91425" bIns="91425" anchor="ctr" anchorCtr="0">
               <a:noAutofit/>
             </a:bodyPr>
             <a:lstStyle/>
             <a:p>
-              <a:pPr indent="0" lvl="0" marL="0" rtl="0" algn="l">
+              <a:pPr marL="0" lvl="0" indent="0" algn="l" rtl="0">
                 <a:spcBef>
                   <a:spcPts val="0"/>
                 </a:spcBef>
@@ -6992,9 +6941,6 @@
                 </a:spcAft>
                 <a:buNone/>
               </a:pPr>
-              <a:r>
-                <a:t/>
-              </a:r>
               <a:endParaRPr/>
             </a:p>
           </p:txBody>
@@ -7012,7 +6958,7 @@
             </a:xfrm>
             <a:prstGeom prst="diagStripe">
               <a:avLst>
-                <a:gd fmla="val 50000" name="adj"/>
+                <a:gd name="adj" fmla="val 50000"/>
               </a:avLst>
             </a:prstGeom>
             <a:solidFill>
@@ -7025,12 +6971,12 @@
             </a:ln>
           </p:spPr>
           <p:txBody>
-            <a:bodyPr anchorCtr="0" anchor="ctr" bIns="91425" lIns="91425" spcFirstLastPara="1" rIns="91425" wrap="square" tIns="91425">
+            <a:bodyPr spcFirstLastPara="1" wrap="square" lIns="91425" tIns="91425" rIns="91425" bIns="91425" anchor="ctr" anchorCtr="0">
               <a:noAutofit/>
             </a:bodyPr>
             <a:lstStyle/>
             <a:p>
-              <a:pPr indent="0" lvl="0" marL="0" rtl="0" algn="l">
+              <a:pPr marL="0" lvl="0" indent="0" algn="l" rtl="0">
                 <a:spcBef>
                   <a:spcPts val="0"/>
                 </a:spcBef>
@@ -7039,9 +6985,6 @@
                 </a:spcAft>
                 <a:buNone/>
               </a:pPr>
-              <a:r>
-                <a:t/>
-              </a:r>
               <a:endParaRPr/>
             </a:p>
           </p:txBody>
@@ -7059,7 +7002,7 @@
             </a:xfrm>
             <a:prstGeom prst="diagStripe">
               <a:avLst>
-                <a:gd fmla="val 50000" name="adj"/>
+                <a:gd name="adj" fmla="val 50000"/>
               </a:avLst>
             </a:prstGeom>
             <a:solidFill>
@@ -7072,12 +7015,12 @@
             </a:ln>
           </p:spPr>
           <p:txBody>
-            <a:bodyPr anchorCtr="0" anchor="ctr" bIns="91425" lIns="91425" spcFirstLastPara="1" rIns="91425" wrap="square" tIns="91425">
+            <a:bodyPr spcFirstLastPara="1" wrap="square" lIns="91425" tIns="91425" rIns="91425" bIns="91425" anchor="ctr" anchorCtr="0">
               <a:noAutofit/>
             </a:bodyPr>
             <a:lstStyle/>
             <a:p>
-              <a:pPr indent="0" lvl="0" marL="0" rtl="0" algn="l">
+              <a:pPr marL="0" lvl="0" indent="0" algn="l" rtl="0">
                 <a:spcBef>
                   <a:spcPts val="0"/>
                 </a:spcBef>
@@ -7086,9 +7029,6 @@
                 </a:spcAft>
                 <a:buNone/>
               </a:pPr>
-              <a:r>
-                <a:t/>
-              </a:r>
               <a:endParaRPr/>
             </a:p>
           </p:txBody>
@@ -7106,7 +7046,7 @@
             </a:xfrm>
             <a:prstGeom prst="diagStripe">
               <a:avLst>
-                <a:gd fmla="val 50000" name="adj"/>
+                <a:gd name="adj" fmla="val 50000"/>
               </a:avLst>
             </a:prstGeom>
             <a:solidFill>
@@ -7117,12 +7057,12 @@
             </a:ln>
           </p:spPr>
           <p:txBody>
-            <a:bodyPr anchorCtr="0" anchor="ctr" bIns="91425" lIns="91425" spcFirstLastPara="1" rIns="91425" wrap="square" tIns="91425">
+            <a:bodyPr spcFirstLastPara="1" wrap="square" lIns="91425" tIns="91425" rIns="91425" bIns="91425" anchor="ctr" anchorCtr="0">
               <a:noAutofit/>
             </a:bodyPr>
             <a:lstStyle/>
             <a:p>
-              <a:pPr indent="0" lvl="0" marL="0" rtl="0" algn="l">
+              <a:pPr marL="0" lvl="0" indent="0" algn="l" rtl="0">
                 <a:spcBef>
                   <a:spcPts val="0"/>
                 </a:spcBef>
@@ -7131,9 +7071,6 @@
                 </a:spcAft>
                 <a:buNone/>
               </a:pPr>
-              <a:r>
-                <a:t/>
-              </a:r>
               <a:endParaRPr/>
             </a:p>
           </p:txBody>
@@ -7151,7 +7088,7 @@
             </a:xfrm>
             <a:prstGeom prst="diagStripe">
               <a:avLst>
-                <a:gd fmla="val 50000" name="adj"/>
+                <a:gd name="adj" fmla="val 50000"/>
               </a:avLst>
             </a:prstGeom>
             <a:solidFill>
@@ -7164,12 +7101,12 @@
             </a:ln>
           </p:spPr>
           <p:txBody>
-            <a:bodyPr anchorCtr="0" anchor="ctr" bIns="91425" lIns="91425" spcFirstLastPara="1" rIns="91425" wrap="square" tIns="91425">
+            <a:bodyPr spcFirstLastPara="1" wrap="square" lIns="91425" tIns="91425" rIns="91425" bIns="91425" anchor="ctr" anchorCtr="0">
               <a:noAutofit/>
             </a:bodyPr>
             <a:lstStyle/>
             <a:p>
-              <a:pPr indent="0" lvl="0" marL="0" rtl="0" algn="l">
+              <a:pPr marL="0" lvl="0" indent="0" algn="l" rtl="0">
                 <a:spcBef>
                   <a:spcPts val="0"/>
                 </a:spcBef>
@@ -7178,9 +7115,6 @@
                 </a:spcAft>
                 <a:buNone/>
               </a:pPr>
-              <a:r>
-                <a:t/>
-              </a:r>
               <a:endParaRPr/>
             </a:p>
           </p:txBody>
@@ -7198,7 +7132,7 @@
             </a:xfrm>
             <a:prstGeom prst="diagStripe">
               <a:avLst>
-                <a:gd fmla="val 50000" name="adj"/>
+                <a:gd name="adj" fmla="val 50000"/>
               </a:avLst>
             </a:prstGeom>
             <a:solidFill>
@@ -7211,12 +7145,12 @@
             </a:ln>
           </p:spPr>
           <p:txBody>
-            <a:bodyPr anchorCtr="0" anchor="ctr" bIns="91425" lIns="91425" spcFirstLastPara="1" rIns="91425" wrap="square" tIns="91425">
+            <a:bodyPr spcFirstLastPara="1" wrap="square" lIns="91425" tIns="91425" rIns="91425" bIns="91425" anchor="ctr" anchorCtr="0">
               <a:noAutofit/>
             </a:bodyPr>
             <a:lstStyle/>
             <a:p>
-              <a:pPr indent="0" lvl="0" marL="0" rtl="0" algn="l">
+              <a:pPr marL="0" lvl="0" indent="0" algn="l" rtl="0">
                 <a:spcBef>
                   <a:spcPts val="0"/>
                 </a:spcBef>
@@ -7225,9 +7159,6 @@
                 </a:spcAft>
                 <a:buNone/>
               </a:pPr>
-              <a:r>
-                <a:t/>
-              </a:r>
               <a:endParaRPr/>
             </a:p>
           </p:txBody>
@@ -7245,7 +7176,7 @@
             </a:xfrm>
             <a:prstGeom prst="diagStripe">
               <a:avLst>
-                <a:gd fmla="val 50000" name="adj"/>
+                <a:gd name="adj" fmla="val 50000"/>
               </a:avLst>
             </a:prstGeom>
             <a:solidFill>
@@ -7258,12 +7189,12 @@
             </a:ln>
           </p:spPr>
           <p:txBody>
-            <a:bodyPr anchorCtr="0" anchor="ctr" bIns="91425" lIns="91425" spcFirstLastPara="1" rIns="91425" wrap="square" tIns="91425">
+            <a:bodyPr spcFirstLastPara="1" wrap="square" lIns="91425" tIns="91425" rIns="91425" bIns="91425" anchor="ctr" anchorCtr="0">
               <a:noAutofit/>
             </a:bodyPr>
             <a:lstStyle/>
             <a:p>
-              <a:pPr indent="0" lvl="0" marL="0" rtl="0" algn="l">
+              <a:pPr marL="0" lvl="0" indent="0" algn="l" rtl="0">
                 <a:spcBef>
                   <a:spcPts val="0"/>
                 </a:spcBef>
@@ -7272,9 +7203,6 @@
                 </a:spcAft>
                 <a:buNone/>
               </a:pPr>
-              <a:r>
-                <a:t/>
-              </a:r>
               <a:endParaRPr/>
             </a:p>
           </p:txBody>
@@ -7292,7 +7220,7 @@
             </a:xfrm>
             <a:prstGeom prst="diagStripe">
               <a:avLst>
-                <a:gd fmla="val 50000" name="adj"/>
+                <a:gd name="adj" fmla="val 50000"/>
               </a:avLst>
             </a:prstGeom>
             <a:solidFill>
@@ -7305,12 +7233,12 @@
             </a:ln>
           </p:spPr>
           <p:txBody>
-            <a:bodyPr anchorCtr="0" anchor="ctr" bIns="91425" lIns="91425" spcFirstLastPara="1" rIns="91425" wrap="square" tIns="91425">
+            <a:bodyPr spcFirstLastPara="1" wrap="square" lIns="91425" tIns="91425" rIns="91425" bIns="91425" anchor="ctr" anchorCtr="0">
               <a:noAutofit/>
             </a:bodyPr>
             <a:lstStyle/>
             <a:p>
-              <a:pPr indent="0" lvl="0" marL="0" rtl="0" algn="l">
+              <a:pPr marL="0" lvl="0" indent="0" algn="l" rtl="0">
                 <a:spcBef>
                   <a:spcPts val="0"/>
                 </a:spcBef>
@@ -7319,9 +7247,6 @@
                 </a:spcAft>
                 <a:buNone/>
               </a:pPr>
-              <a:r>
-                <a:t/>
-              </a:r>
               <a:endParaRPr/>
             </a:p>
           </p:txBody>
@@ -7330,7 +7255,9 @@
       <p:sp>
         <p:nvSpPr>
           <p:cNvPr id="89" name="Google Shape;89;p8"/>
-          <p:cNvSpPr txBox="1"/>
+          <p:cNvSpPr txBox="1">
+            <a:spLocks noGrp="1"/>
+          </p:cNvSpPr>
           <p:nvPr>
             <p:ph type="title"/>
           </p:nvPr>
@@ -7345,7 +7272,7 @@
           </a:prstGeom>
         </p:spPr>
         <p:txBody>
-          <a:bodyPr anchorCtr="0" anchor="ctr" bIns="91425" lIns="91425" spcFirstLastPara="1" rIns="91425" wrap="square" tIns="91425">
+          <a:bodyPr spcFirstLastPara="1" wrap="square" lIns="91425" tIns="91425" rIns="91425" bIns="91425" anchor="ctr" anchorCtr="0">
             <a:normAutofit/>
           </a:bodyPr>
           <a:lstStyle>
@@ -7449,15 +7376,19 @@
               <a:defRPr/>
             </a:lvl9pPr>
           </a:lstStyle>
-          <a:p/>
+          <a:p>
+            <a:endParaRPr/>
+          </a:p>
         </p:txBody>
       </p:sp>
       <p:sp>
         <p:nvSpPr>
           <p:cNvPr id="90" name="Google Shape;90;p8"/>
-          <p:cNvSpPr txBox="1"/>
+          <p:cNvSpPr txBox="1">
+            <a:spLocks noGrp="1"/>
+          </p:cNvSpPr>
           <p:nvPr>
-            <p:ph idx="12" type="sldNum"/>
+            <p:ph type="sldNum" idx="12"/>
           </p:nvPr>
         </p:nvSpPr>
         <p:spPr>
@@ -7470,7 +7401,7 @@
           </a:prstGeom>
         </p:spPr>
         <p:txBody>
-          <a:bodyPr anchorCtr="0" anchor="ctr" bIns="91425" lIns="91425" spcFirstLastPara="1" rIns="91425" wrap="square" tIns="91425">
+          <a:bodyPr spcFirstLastPara="1" wrap="square" lIns="91425" tIns="91425" rIns="91425" bIns="91425" anchor="ctr" anchorCtr="0">
             <a:normAutofit/>
           </a:bodyPr>
           <a:lstStyle>
@@ -7512,7 +7443,7 @@
             </a:lvl9pPr>
           </a:lstStyle>
           <a:p>
-            <a:pPr indent="0" lvl="0" marL="0" rtl="0" algn="r">
+            <a:pPr marL="0" lvl="0" indent="0" algn="r" rtl="0">
               <a:spcBef>
                 <a:spcPts val="0"/>
               </a:spcBef>
@@ -7538,11 +7469,11 @@
 </file>
 
 <file path=ppt/slideLayouts/slideLayout8.xml><?xml version="1.0" encoding="utf-8"?>
-<p:sldLayout xmlns:a="http://schemas.openxmlformats.org/drawingml/2006/main" xmlns:r="http://schemas.openxmlformats.org/officeDocument/2006/relationships" xmlns:mc="http://schemas.openxmlformats.org/markup-compatibility/2006" xmlns:mv="urn:schemas-microsoft-com:mac:vml" xmlns:p="http://schemas.openxmlformats.org/presentationml/2006/main" xmlns:c="http://schemas.openxmlformats.org/drawingml/2006/chart" xmlns:dgm="http://schemas.openxmlformats.org/drawingml/2006/diagram" xmlns:o="urn:schemas-microsoft-com:office:office" xmlns:v="urn:schemas-microsoft-com:vml" xmlns:pvml="urn:schemas-microsoft-com:office:powerpoint" xmlns:com="http://schemas.openxmlformats.org/drawingml/2006/compatibility" xmlns:p14="http://schemas.microsoft.com/office/powerpoint/2010/main" xmlns:p15="http://schemas.microsoft.com/office/powerpoint/2012/main" xmlns:ahyp="http://schemas.microsoft.com/office/drawing/2018/hyperlinkcolor" matchingName="Section title and description">
+<p:sldLayout xmlns:a="http://schemas.openxmlformats.org/drawingml/2006/main" xmlns:r="http://schemas.openxmlformats.org/officeDocument/2006/relationships" xmlns:p="http://schemas.openxmlformats.org/presentationml/2006/main" matchingName="Section title and description">
   <p:cSld name="SECTION_TITLE_AND_DESCRIPTION">
     <p:spTree>
       <p:nvGrpSpPr>
-        <p:cNvPr id="91" name="Shape 91"/>
+        <p:cNvPr id="1" name="Shape 91"/>
         <p:cNvGrpSpPr/>
         <p:nvPr/>
       </p:nvGrpSpPr>
@@ -7581,7 +7512,7 @@
             </a:xfrm>
             <a:prstGeom prst="diagStripe">
               <a:avLst>
-                <a:gd fmla="val 50000" name="adj"/>
+                <a:gd name="adj" fmla="val 50000"/>
               </a:avLst>
             </a:prstGeom>
             <a:solidFill>
@@ -7592,12 +7523,12 @@
             </a:ln>
           </p:spPr>
           <p:txBody>
-            <a:bodyPr anchorCtr="0" anchor="ctr" bIns="91425" lIns="91425" spcFirstLastPara="1" rIns="91425" wrap="square" tIns="91425">
+            <a:bodyPr spcFirstLastPara="1" wrap="square" lIns="91425" tIns="91425" rIns="91425" bIns="91425" anchor="ctr" anchorCtr="0">
               <a:noAutofit/>
             </a:bodyPr>
             <a:lstStyle/>
             <a:p>
-              <a:pPr indent="0" lvl="0" marL="0" rtl="0" algn="l">
+              <a:pPr marL="0" lvl="0" indent="0" algn="l" rtl="0">
                 <a:spcBef>
                   <a:spcPts val="0"/>
                 </a:spcBef>
@@ -7606,9 +7537,6 @@
                 </a:spcAft>
                 <a:buNone/>
               </a:pPr>
-              <a:r>
-                <a:t/>
-              </a:r>
               <a:endParaRPr/>
             </a:p>
           </p:txBody>
@@ -7626,7 +7554,7 @@
             </a:xfrm>
             <a:prstGeom prst="diagStripe">
               <a:avLst>
-                <a:gd fmla="val 50000" name="adj"/>
+                <a:gd name="adj" fmla="val 50000"/>
               </a:avLst>
             </a:prstGeom>
             <a:solidFill>
@@ -7637,12 +7565,12 @@
             </a:ln>
           </p:spPr>
           <p:txBody>
-            <a:bodyPr anchorCtr="0" anchor="ctr" bIns="91425" lIns="91425" spcFirstLastPara="1" rIns="91425" wrap="square" tIns="91425">
+            <a:bodyPr spcFirstLastPara="1" wrap="square" lIns="91425" tIns="91425" rIns="91425" bIns="91425" anchor="ctr" anchorCtr="0">
               <a:noAutofit/>
             </a:bodyPr>
             <a:lstStyle/>
             <a:p>
-              <a:pPr indent="0" lvl="0" marL="0" rtl="0" algn="l">
+              <a:pPr marL="0" lvl="0" indent="0" algn="l" rtl="0">
                 <a:spcBef>
                   <a:spcPts val="0"/>
                 </a:spcBef>
@@ -7651,9 +7579,6 @@
                 </a:spcAft>
                 <a:buNone/>
               </a:pPr>
-              <a:r>
-                <a:t/>
-              </a:r>
               <a:endParaRPr/>
             </a:p>
           </p:txBody>
@@ -7662,7 +7587,9 @@
       <p:sp>
         <p:nvSpPr>
           <p:cNvPr id="95" name="Google Shape;95;p9"/>
-          <p:cNvSpPr txBox="1"/>
+          <p:cNvSpPr txBox="1">
+            <a:spLocks noGrp="1"/>
+          </p:cNvSpPr>
           <p:nvPr>
             <p:ph type="title"/>
           </p:nvPr>
@@ -7677,7 +7604,7 @@
           </a:prstGeom>
         </p:spPr>
         <p:txBody>
-          <a:bodyPr anchorCtr="0" anchor="t" bIns="91425" lIns="91425" spcFirstLastPara="1" rIns="91425" wrap="square" tIns="91425">
+          <a:bodyPr spcFirstLastPara="1" wrap="square" lIns="91425" tIns="91425" rIns="91425" bIns="91425" anchor="t" anchorCtr="0">
             <a:normAutofit/>
           </a:bodyPr>
           <a:lstStyle>
@@ -7781,15 +7708,19 @@
               <a:defRPr sz="2400"/>
             </a:lvl9pPr>
           </a:lstStyle>
-          <a:p/>
+          <a:p>
+            <a:endParaRPr/>
+          </a:p>
         </p:txBody>
       </p:sp>
       <p:sp>
         <p:nvSpPr>
           <p:cNvPr id="96" name="Google Shape;96;p9"/>
-          <p:cNvSpPr txBox="1"/>
+          <p:cNvSpPr txBox="1">
+            <a:spLocks noGrp="1"/>
+          </p:cNvSpPr>
           <p:nvPr>
-            <p:ph idx="1" type="subTitle"/>
+            <p:ph type="subTitle" idx="1"/>
           </p:nvPr>
         </p:nvSpPr>
         <p:spPr>
@@ -7802,7 +7733,7 @@
           </a:prstGeom>
         </p:spPr>
         <p:txBody>
-          <a:bodyPr anchorCtr="0" anchor="t" bIns="91425" lIns="91425" spcFirstLastPara="1" rIns="91425" wrap="square" tIns="91425">
+          <a:bodyPr spcFirstLastPara="1" wrap="square" lIns="91425" tIns="91425" rIns="91425" bIns="91425" anchor="t" anchorCtr="0">
             <a:normAutofit/>
           </a:bodyPr>
           <a:lstStyle>
@@ -7933,15 +7864,19 @@
               <a:defRPr sz="1300"/>
             </a:lvl9pPr>
           </a:lstStyle>
-          <a:p/>
+          <a:p>
+            <a:endParaRPr/>
+          </a:p>
         </p:txBody>
       </p:sp>
       <p:sp>
         <p:nvSpPr>
           <p:cNvPr id="97" name="Google Shape;97;p9"/>
-          <p:cNvSpPr txBox="1"/>
+          <p:cNvSpPr txBox="1">
+            <a:spLocks noGrp="1"/>
+          </p:cNvSpPr>
           <p:nvPr>
-            <p:ph idx="2" type="body"/>
+            <p:ph type="body" idx="2"/>
           </p:nvPr>
         </p:nvSpPr>
         <p:spPr>
@@ -7954,11 +7889,11 @@
           </a:prstGeom>
         </p:spPr>
         <p:txBody>
-          <a:bodyPr anchorCtr="0" anchor="t" bIns="91425" lIns="91425" spcFirstLastPara="1" rIns="91425" wrap="square" tIns="91425">
+          <a:bodyPr spcFirstLastPara="1" wrap="square" lIns="91425" tIns="91425" rIns="91425" bIns="91425" anchor="t" anchorCtr="0">
             <a:normAutofit/>
           </a:bodyPr>
           <a:lstStyle>
-            <a:lvl1pPr indent="-311150" lvl="0" marL="457200">
+            <a:lvl1pPr marL="457200" lvl="0" indent="-311150">
               <a:spcBef>
                 <a:spcPts val="0"/>
               </a:spcBef>
@@ -7969,7 +7904,7 @@
               <a:buChar char="●"/>
               <a:defRPr/>
             </a:lvl1pPr>
-            <a:lvl2pPr indent="-298450" lvl="1" marL="914400">
+            <a:lvl2pPr marL="914400" lvl="1" indent="-298450">
               <a:spcBef>
                 <a:spcPts val="0"/>
               </a:spcBef>
@@ -7980,7 +7915,7 @@
               <a:buChar char="○"/>
               <a:defRPr/>
             </a:lvl2pPr>
-            <a:lvl3pPr indent="-298450" lvl="2" marL="1371600">
+            <a:lvl3pPr marL="1371600" lvl="2" indent="-298450">
               <a:spcBef>
                 <a:spcPts val="0"/>
               </a:spcBef>
@@ -7991,7 +7926,7 @@
               <a:buChar char="■"/>
               <a:defRPr/>
             </a:lvl3pPr>
-            <a:lvl4pPr indent="-298450" lvl="3" marL="1828800">
+            <a:lvl4pPr marL="1828800" lvl="3" indent="-298450">
               <a:spcBef>
                 <a:spcPts val="0"/>
               </a:spcBef>
@@ -8002,7 +7937,7 @@
               <a:buChar char="●"/>
               <a:defRPr/>
             </a:lvl4pPr>
-            <a:lvl5pPr indent="-298450" lvl="4" marL="2286000">
+            <a:lvl5pPr marL="2286000" lvl="4" indent="-298450">
               <a:spcBef>
                 <a:spcPts val="0"/>
               </a:spcBef>
@@ -8013,7 +7948,7 @@
               <a:buChar char="○"/>
               <a:defRPr/>
             </a:lvl5pPr>
-            <a:lvl6pPr indent="-298450" lvl="5" marL="2743200">
+            <a:lvl6pPr marL="2743200" lvl="5" indent="-298450">
               <a:spcBef>
                 <a:spcPts val="0"/>
               </a:spcBef>
@@ -8024,7 +7959,7 @@
               <a:buChar char="■"/>
               <a:defRPr/>
             </a:lvl6pPr>
-            <a:lvl7pPr indent="-298450" lvl="6" marL="3200400">
+            <a:lvl7pPr marL="3200400" lvl="6" indent="-298450">
               <a:spcBef>
                 <a:spcPts val="0"/>
               </a:spcBef>
@@ -8035,7 +7970,7 @@
               <a:buChar char="●"/>
               <a:defRPr/>
             </a:lvl7pPr>
-            <a:lvl8pPr indent="-298450" lvl="7" marL="3657600">
+            <a:lvl8pPr marL="3657600" lvl="7" indent="-298450">
               <a:spcBef>
                 <a:spcPts val="0"/>
               </a:spcBef>
@@ -8046,7 +7981,7 @@
               <a:buChar char="○"/>
               <a:defRPr/>
             </a:lvl8pPr>
-            <a:lvl9pPr indent="-298450" lvl="8" marL="4114800">
+            <a:lvl9pPr marL="4114800" lvl="8" indent="-298450">
               <a:spcBef>
                 <a:spcPts val="0"/>
               </a:spcBef>
@@ -8058,15 +7993,19 @@
               <a:defRPr/>
             </a:lvl9pPr>
           </a:lstStyle>
-          <a:p/>
+          <a:p>
+            <a:endParaRPr/>
+          </a:p>
         </p:txBody>
       </p:sp>
       <p:sp>
         <p:nvSpPr>
           <p:cNvPr id="98" name="Google Shape;98;p9"/>
-          <p:cNvSpPr txBox="1"/>
+          <p:cNvSpPr txBox="1">
+            <a:spLocks noGrp="1"/>
+          </p:cNvSpPr>
           <p:nvPr>
-            <p:ph idx="12" type="sldNum"/>
+            <p:ph type="sldNum" idx="12"/>
           </p:nvPr>
         </p:nvSpPr>
         <p:spPr>
@@ -8079,7 +8018,7 @@
           </a:prstGeom>
         </p:spPr>
         <p:txBody>
-          <a:bodyPr anchorCtr="0" anchor="ctr" bIns="91425" lIns="91425" spcFirstLastPara="1" rIns="91425" wrap="square" tIns="91425">
+          <a:bodyPr spcFirstLastPara="1" wrap="square" lIns="91425" tIns="91425" rIns="91425" bIns="91425" anchor="ctr" anchorCtr="0">
             <a:normAutofit/>
           </a:bodyPr>
           <a:lstStyle>
@@ -8121,7 +8060,7 @@
             </a:lvl9pPr>
           </a:lstStyle>
           <a:p>
-            <a:pPr indent="0" lvl="0" marL="0" rtl="0" algn="r">
+            <a:pPr marL="0" lvl="0" indent="0" algn="r" rtl="0">
               <a:spcBef>
                 <a:spcPts val="0"/>
               </a:spcBef>
@@ -8147,11 +8086,11 @@
 </file>
 
 <file path=ppt/slideLayouts/slideLayout9.xml><?xml version="1.0" encoding="utf-8"?>
-<p:sldLayout xmlns:a="http://schemas.openxmlformats.org/drawingml/2006/main" xmlns:r="http://schemas.openxmlformats.org/officeDocument/2006/relationships" xmlns:mc="http://schemas.openxmlformats.org/markup-compatibility/2006" xmlns:mv="urn:schemas-microsoft-com:mac:vml" xmlns:p="http://schemas.openxmlformats.org/presentationml/2006/main" xmlns:c="http://schemas.openxmlformats.org/drawingml/2006/chart" xmlns:dgm="http://schemas.openxmlformats.org/drawingml/2006/diagram" xmlns:o="urn:schemas-microsoft-com:office:office" xmlns:v="urn:schemas-microsoft-com:vml" xmlns:pvml="urn:schemas-microsoft-com:office:powerpoint" xmlns:com="http://schemas.openxmlformats.org/drawingml/2006/compatibility" xmlns:p14="http://schemas.microsoft.com/office/powerpoint/2010/main" xmlns:p15="http://schemas.microsoft.com/office/powerpoint/2012/main" xmlns:ahyp="http://schemas.microsoft.com/office/drawing/2018/hyperlinkcolor" matchingName="Caption">
+<p:sldLayout xmlns:a="http://schemas.openxmlformats.org/drawingml/2006/main" xmlns:r="http://schemas.openxmlformats.org/officeDocument/2006/relationships" xmlns:p="http://schemas.openxmlformats.org/presentationml/2006/main" matchingName="Caption">
   <p:cSld name="CAPTION_ONLY">
     <p:spTree>
       <p:nvGrpSpPr>
-        <p:cNvPr id="99" name="Shape 99"/>
+        <p:cNvPr id="1" name="Shape 99"/>
         <p:cNvGrpSpPr/>
         <p:nvPr/>
       </p:nvGrpSpPr>
@@ -8190,7 +8129,7 @@
             </a:xfrm>
             <a:prstGeom prst="diagStripe">
               <a:avLst>
-                <a:gd fmla="val 50000" name="adj"/>
+                <a:gd name="adj" fmla="val 50000"/>
               </a:avLst>
             </a:prstGeom>
             <a:solidFill>
@@ -8203,12 +8142,12 @@
             </a:ln>
           </p:spPr>
           <p:txBody>
-            <a:bodyPr anchorCtr="0" anchor="ctr" bIns="91425" lIns="91425" spcFirstLastPara="1" rIns="91425" wrap="square" tIns="91425">
+            <a:bodyPr spcFirstLastPara="1" wrap="square" lIns="91425" tIns="91425" rIns="91425" bIns="91425" anchor="ctr" anchorCtr="0">
               <a:noAutofit/>
             </a:bodyPr>
             <a:lstStyle/>
             <a:p>
-              <a:pPr indent="0" lvl="0" marL="0" rtl="0" algn="l">
+              <a:pPr marL="0" lvl="0" indent="0" algn="l" rtl="0">
                 <a:spcBef>
                   <a:spcPts val="0"/>
                 </a:spcBef>
@@ -8217,9 +8156,6 @@
                 </a:spcAft>
                 <a:buNone/>
               </a:pPr>
-              <a:r>
-                <a:t/>
-              </a:r>
               <a:endParaRPr/>
             </a:p>
           </p:txBody>
@@ -8237,7 +8173,7 @@
             </a:xfrm>
             <a:prstGeom prst="diagStripe">
               <a:avLst>
-                <a:gd fmla="val 50000" name="adj"/>
+                <a:gd name="adj" fmla="val 50000"/>
               </a:avLst>
             </a:prstGeom>
             <a:solidFill>
@@ -8250,12 +8186,12 @@
             </a:ln>
           </p:spPr>
           <p:txBody>
-            <a:bodyPr anchorCtr="0" anchor="ctr" bIns="91425" lIns="91425" spcFirstLastPara="1" rIns="91425" wrap="square" tIns="91425">
+            <a:bodyPr spcFirstLastPara="1" wrap="square" lIns="91425" tIns="91425" rIns="91425" bIns="91425" anchor="ctr" anchorCtr="0">
               <a:noAutofit/>
             </a:bodyPr>
             <a:lstStyle/>
             <a:p>
-              <a:pPr indent="0" lvl="0" marL="0" rtl="0" algn="l">
+              <a:pPr marL="0" lvl="0" indent="0" algn="l" rtl="0">
                 <a:spcBef>
                   <a:spcPts val="0"/>
                 </a:spcBef>
@@ -8264,9 +8200,6 @@
                 </a:spcAft>
                 <a:buNone/>
               </a:pPr>
-              <a:r>
-                <a:t/>
-              </a:r>
               <a:endParaRPr/>
             </a:p>
           </p:txBody>
@@ -8275,9 +8208,11 @@
       <p:sp>
         <p:nvSpPr>
           <p:cNvPr id="103" name="Google Shape;103;p10"/>
-          <p:cNvSpPr txBox="1"/>
+          <p:cNvSpPr txBox="1">
+            <a:spLocks noGrp="1"/>
+          </p:cNvSpPr>
           <p:nvPr>
-            <p:ph idx="1" type="body"/>
+            <p:ph type="body" idx="1"/>
           </p:nvPr>
         </p:nvSpPr>
         <p:spPr>
@@ -8290,11 +8225,11 @@
           </a:prstGeom>
         </p:spPr>
         <p:txBody>
-          <a:bodyPr anchorCtr="0" anchor="ctr" bIns="91425" lIns="91425" spcFirstLastPara="1" rIns="91425" wrap="square" tIns="91425">
+          <a:bodyPr spcFirstLastPara="1" wrap="square" lIns="91425" tIns="91425" rIns="91425" bIns="91425" anchor="ctr" anchorCtr="0">
             <a:normAutofit/>
           </a:bodyPr>
           <a:lstStyle>
-            <a:lvl1pPr indent="-228600" lvl="0" marL="457200">
+            <a:lvl1pPr marL="457200" lvl="0" indent="-228600">
               <a:lnSpc>
                 <a:spcPct val="100000"/>
               </a:lnSpc>
@@ -8309,15 +8244,19 @@
               <a:defRPr/>
             </a:lvl1pPr>
           </a:lstStyle>
-          <a:p/>
+          <a:p>
+            <a:endParaRPr/>
+          </a:p>
         </p:txBody>
       </p:sp>
       <p:sp>
         <p:nvSpPr>
           <p:cNvPr id="104" name="Google Shape;104;p10"/>
-          <p:cNvSpPr txBox="1"/>
+          <p:cNvSpPr txBox="1">
+            <a:spLocks noGrp="1"/>
+          </p:cNvSpPr>
           <p:nvPr>
-            <p:ph idx="12" type="sldNum"/>
+            <p:ph type="sldNum" idx="12"/>
           </p:nvPr>
         </p:nvSpPr>
         <p:spPr>
@@ -8330,7 +8269,7 @@
           </a:prstGeom>
         </p:spPr>
         <p:txBody>
-          <a:bodyPr anchorCtr="0" anchor="ctr" bIns="91425" lIns="91425" spcFirstLastPara="1" rIns="91425" wrap="square" tIns="91425">
+          <a:bodyPr spcFirstLastPara="1" wrap="square" lIns="91425" tIns="91425" rIns="91425" bIns="91425" anchor="ctr" anchorCtr="0">
             <a:normAutofit/>
           </a:bodyPr>
           <a:lstStyle>
@@ -8372,7 +8311,7 @@
             </a:lvl9pPr>
           </a:lstStyle>
           <a:p>
-            <a:pPr indent="0" lvl="0" marL="0" rtl="0" algn="r">
+            <a:pPr marL="0" lvl="0" indent="0" algn="r" rtl="0">
               <a:spcBef>
                 <a:spcPts val="0"/>
               </a:spcBef>
@@ -8398,18 +8337,19 @@
 </file>
 
 <file path=ppt/slideMasters/slideMaster1.xml><?xml version="1.0" encoding="utf-8"?>
-<p:sldMaster xmlns:a="http://schemas.openxmlformats.org/drawingml/2006/main" xmlns:r="http://schemas.openxmlformats.org/officeDocument/2006/relationships" xmlns:mc="http://schemas.openxmlformats.org/markup-compatibility/2006" xmlns:mv="urn:schemas-microsoft-com:mac:vml" xmlns:p="http://schemas.openxmlformats.org/presentationml/2006/main" xmlns:c="http://schemas.openxmlformats.org/drawingml/2006/chart" xmlns:dgm="http://schemas.openxmlformats.org/drawingml/2006/diagram" xmlns:o="urn:schemas-microsoft-com:office:office" xmlns:v="urn:schemas-microsoft-com:vml" xmlns:pvml="urn:schemas-microsoft-com:office:powerpoint" xmlns:com="http://schemas.openxmlformats.org/drawingml/2006/compatibility" xmlns:p14="http://schemas.microsoft.com/office/powerpoint/2010/main" xmlns:p15="http://schemas.microsoft.com/office/powerpoint/2012/main" xmlns:ahyp="http://schemas.microsoft.com/office/drawing/2018/hyperlinkcolor">
+<p:sldMaster xmlns:a="http://schemas.openxmlformats.org/drawingml/2006/main" xmlns:r="http://schemas.openxmlformats.org/officeDocument/2006/relationships" xmlns:p="http://schemas.openxmlformats.org/presentationml/2006/main">
   <p:cSld name="focus">
     <p:bg>
       <p:bgPr>
         <a:solidFill>
           <a:schemeClr val="dk1"/>
         </a:solidFill>
+        <a:effectLst/>
       </p:bgPr>
     </p:bg>
     <p:spTree>
       <p:nvGrpSpPr>
-        <p:cNvPr id="5" name="Shape 5"/>
+        <p:cNvPr id="1" name="Shape 5"/>
         <p:cNvGrpSpPr/>
         <p:nvPr/>
       </p:nvGrpSpPr>
@@ -8424,7 +8364,9 @@
       <p:sp>
         <p:nvSpPr>
           <p:cNvPr id="6" name="Google Shape;6;p1"/>
-          <p:cNvSpPr txBox="1"/>
+          <p:cNvSpPr txBox="1">
+            <a:spLocks noGrp="1"/>
+          </p:cNvSpPr>
           <p:nvPr>
             <p:ph type="title"/>
           </p:nvPr>
@@ -8443,7 +8385,7 @@
           </a:ln>
         </p:spPr>
         <p:txBody>
-          <a:bodyPr anchorCtr="0" anchor="t" bIns="91425" lIns="91425" spcFirstLastPara="1" rIns="91425" wrap="square" tIns="91425">
+          <a:bodyPr spcFirstLastPara="1" wrap="square" lIns="91425" tIns="91425" rIns="91425" bIns="91425" anchor="t" anchorCtr="0">
             <a:normAutofit/>
           </a:bodyPr>
           <a:lstStyle>
@@ -8655,15 +8597,19 @@
               </a:defRPr>
             </a:lvl9pPr>
           </a:lstStyle>
-          <a:p/>
+          <a:p>
+            <a:endParaRPr/>
+          </a:p>
         </p:txBody>
       </p:sp>
       <p:sp>
         <p:nvSpPr>
           <p:cNvPr id="7" name="Google Shape;7;p1"/>
-          <p:cNvSpPr txBox="1"/>
+          <p:cNvSpPr txBox="1">
+            <a:spLocks noGrp="1"/>
+          </p:cNvSpPr>
           <p:nvPr>
-            <p:ph idx="1" type="body"/>
+            <p:ph type="body" idx="1"/>
           </p:nvPr>
         </p:nvSpPr>
         <p:spPr>
@@ -8680,11 +8626,11 @@
           </a:ln>
         </p:spPr>
         <p:txBody>
-          <a:bodyPr anchorCtr="0" anchor="t" bIns="91425" lIns="91425" spcFirstLastPara="1" rIns="91425" wrap="square" tIns="91425">
+          <a:bodyPr spcFirstLastPara="1" wrap="square" lIns="91425" tIns="91425" rIns="91425" bIns="91425" anchor="t" anchorCtr="0">
             <a:normAutofit/>
           </a:bodyPr>
           <a:lstStyle>
-            <a:lvl1pPr indent="-311150" lvl="0" marL="457200">
+            <a:lvl1pPr marL="457200" lvl="0" indent="-311150">
               <a:lnSpc>
                 <a:spcPct val="115000"/>
               </a:lnSpc>
@@ -8710,7 +8656,7 @@
                 <a:sym typeface="Lato"/>
               </a:defRPr>
             </a:lvl1pPr>
-            <a:lvl2pPr indent="-298450" lvl="1" marL="914400">
+            <a:lvl2pPr marL="914400" lvl="1" indent="-298450">
               <a:lnSpc>
                 <a:spcPct val="115000"/>
               </a:lnSpc>
@@ -8736,7 +8682,7 @@
                 <a:sym typeface="Lato"/>
               </a:defRPr>
             </a:lvl2pPr>
-            <a:lvl3pPr indent="-298450" lvl="2" marL="1371600">
+            <a:lvl3pPr marL="1371600" lvl="2" indent="-298450">
               <a:lnSpc>
                 <a:spcPct val="115000"/>
               </a:lnSpc>
@@ -8762,7 +8708,7 @@
                 <a:sym typeface="Lato"/>
               </a:defRPr>
             </a:lvl3pPr>
-            <a:lvl4pPr indent="-298450" lvl="3" marL="1828800">
+            <a:lvl4pPr marL="1828800" lvl="3" indent="-298450">
               <a:lnSpc>
                 <a:spcPct val="115000"/>
               </a:lnSpc>
@@ -8788,7 +8734,7 @@
                 <a:sym typeface="Lato"/>
               </a:defRPr>
             </a:lvl4pPr>
-            <a:lvl5pPr indent="-298450" lvl="4" marL="2286000">
+            <a:lvl5pPr marL="2286000" lvl="4" indent="-298450">
               <a:lnSpc>
                 <a:spcPct val="115000"/>
               </a:lnSpc>
@@ -8814,7 +8760,7 @@
                 <a:sym typeface="Lato"/>
               </a:defRPr>
             </a:lvl5pPr>
-            <a:lvl6pPr indent="-298450" lvl="5" marL="2743200">
+            <a:lvl6pPr marL="2743200" lvl="5" indent="-298450">
               <a:lnSpc>
                 <a:spcPct val="115000"/>
               </a:lnSpc>
@@ -8840,7 +8786,7 @@
                 <a:sym typeface="Lato"/>
               </a:defRPr>
             </a:lvl6pPr>
-            <a:lvl7pPr indent="-298450" lvl="6" marL="3200400">
+            <a:lvl7pPr marL="3200400" lvl="6" indent="-298450">
               <a:lnSpc>
                 <a:spcPct val="115000"/>
               </a:lnSpc>
@@ -8866,7 +8812,7 @@
                 <a:sym typeface="Lato"/>
               </a:defRPr>
             </a:lvl7pPr>
-            <a:lvl8pPr indent="-298450" lvl="7" marL="3657600">
+            <a:lvl8pPr marL="3657600" lvl="7" indent="-298450">
               <a:lnSpc>
                 <a:spcPct val="115000"/>
               </a:lnSpc>
@@ -8892,7 +8838,7 @@
                 <a:sym typeface="Lato"/>
               </a:defRPr>
             </a:lvl8pPr>
-            <a:lvl9pPr indent="-298450" lvl="8" marL="4114800">
+            <a:lvl9pPr marL="4114800" lvl="8" indent="-298450">
               <a:lnSpc>
                 <a:spcPct val="115000"/>
               </a:lnSpc>
@@ -8919,15 +8865,19 @@
               </a:defRPr>
             </a:lvl9pPr>
           </a:lstStyle>
-          <a:p/>
+          <a:p>
+            <a:endParaRPr/>
+          </a:p>
         </p:txBody>
       </p:sp>
       <p:sp>
         <p:nvSpPr>
           <p:cNvPr id="8" name="Google Shape;8;p1"/>
-          <p:cNvSpPr txBox="1"/>
+          <p:cNvSpPr txBox="1">
+            <a:spLocks noGrp="1"/>
+          </p:cNvSpPr>
           <p:nvPr>
-            <p:ph idx="12" type="sldNum"/>
+            <p:ph type="sldNum" idx="12"/>
           </p:nvPr>
         </p:nvSpPr>
         <p:spPr>
@@ -8944,7 +8894,7 @@
           </a:ln>
         </p:spPr>
         <p:txBody>
-          <a:bodyPr anchorCtr="0" anchor="ctr" bIns="91425" lIns="91425" spcFirstLastPara="1" rIns="91425" wrap="square" tIns="91425">
+          <a:bodyPr spcFirstLastPara="1" wrap="square" lIns="91425" tIns="91425" rIns="91425" bIns="91425" anchor="ctr" anchorCtr="0">
             <a:normAutofit/>
           </a:bodyPr>
           <a:lstStyle>
@@ -9058,7 +9008,7 @@
             </a:lvl9pPr>
           </a:lstStyle>
           <a:p>
-            <a:pPr indent="0" lvl="0" marL="0" rtl="0" algn="r">
+            <a:pPr marL="0" lvl="0" indent="0" algn="r" rtl="0">
               <a:spcBef>
                 <a:spcPts val="0"/>
               </a:spcBef>
@@ -9077,7 +9027,7 @@
       </p:sp>
     </p:spTree>
   </p:cSld>
-  <p:clrMap accent1="accent1" accent2="accent2" accent3="accent3" accent4="accent4" accent5="accent5" accent6="accent6" bg1="lt1" bg2="dk2" tx1="dk1" tx2="lt2" folHlink="folHlink" hlink="hlink"/>
+  <p:clrMap bg1="lt1" tx1="dk1" bg2="dk2" tx2="lt2" accent1="accent1" accent2="accent2" accent3="accent3" accent4="accent4" accent5="accent5" accent6="accent6" hlink="hlink" folHlink="folHlink"/>
   <p:sldLayoutIdLst>
     <p:sldLayoutId id="2147483648" r:id="rId1"/>
     <p:sldLayoutId id="2147483649" r:id="rId2"/>
@@ -9091,10 +9041,10 @@
     <p:sldLayoutId id="2147483657" r:id="rId10"/>
     <p:sldLayoutId id="2147483658" r:id="rId11"/>
   </p:sldLayoutIdLst>
-  <p:hf dt="0" ftr="0" hdr="0" sldNum="0"/>
+  <p:hf sldNum="0" hdr="0" ftr="0" dt="0"/>
   <p:txStyles>
     <p:titleStyle>
-      <a:defPPr lvl="0" marR="0" rtl="0" algn="l">
+      <a:defPPr marR="0" lvl="0" algn="l" rtl="0">
         <a:lnSpc>
           <a:spcPct val="100000"/>
         </a:lnSpc>
@@ -9105,7 +9055,7 @@
           <a:spcPts val="0"/>
         </a:spcAft>
       </a:defPPr>
-      <a:lvl1pPr lvl="0" marR="0" rtl="0" algn="l">
+      <a:lvl1pPr marR="0" lvl="0" algn="l" rtl="0">
         <a:lnSpc>
           <a:spcPct val="100000"/>
         </a:lnSpc>
@@ -9119,7 +9069,7 @@
           <a:srgbClr val="000000"/>
         </a:buClr>
         <a:buFont typeface="Arial"/>
-        <a:defRPr b="0" i="0" sz="1400" u="none" cap="none" strike="noStrike">
+        <a:defRPr sz="1400" b="0" i="0" u="none" strike="noStrike" cap="none">
           <a:solidFill>
             <a:srgbClr val="000000"/>
           </a:solidFill>
@@ -9129,7 +9079,7 @@
           <a:sym typeface="Arial"/>
         </a:defRPr>
       </a:lvl1pPr>
-      <a:lvl2pPr lvl="1" marR="0" rtl="0" algn="l">
+      <a:lvl2pPr marR="0" lvl="1" algn="l" rtl="0">
         <a:lnSpc>
           <a:spcPct val="100000"/>
         </a:lnSpc>
@@ -9143,7 +9093,7 @@
           <a:srgbClr val="000000"/>
         </a:buClr>
         <a:buFont typeface="Arial"/>
-        <a:defRPr b="0" i="0" sz="1400" u="none" cap="none" strike="noStrike">
+        <a:defRPr sz="1400" b="0" i="0" u="none" strike="noStrike" cap="none">
           <a:solidFill>
             <a:srgbClr val="000000"/>
           </a:solidFill>
@@ -9153,7 +9103,7 @@
           <a:sym typeface="Arial"/>
         </a:defRPr>
       </a:lvl2pPr>
-      <a:lvl3pPr lvl="2" marR="0" rtl="0" algn="l">
+      <a:lvl3pPr marR="0" lvl="2" algn="l" rtl="0">
         <a:lnSpc>
           <a:spcPct val="100000"/>
         </a:lnSpc>
@@ -9167,7 +9117,7 @@
           <a:srgbClr val="000000"/>
         </a:buClr>
         <a:buFont typeface="Arial"/>
-        <a:defRPr b="0" i="0" sz="1400" u="none" cap="none" strike="noStrike">
+        <a:defRPr sz="1400" b="0" i="0" u="none" strike="noStrike" cap="none">
           <a:solidFill>
             <a:srgbClr val="000000"/>
           </a:solidFill>
@@ -9177,7 +9127,7 @@
           <a:sym typeface="Arial"/>
         </a:defRPr>
       </a:lvl3pPr>
-      <a:lvl4pPr lvl="3" marR="0" rtl="0" algn="l">
+      <a:lvl4pPr marR="0" lvl="3" algn="l" rtl="0">
         <a:lnSpc>
           <a:spcPct val="100000"/>
         </a:lnSpc>
@@ -9191,7 +9141,7 @@
           <a:srgbClr val="000000"/>
         </a:buClr>
         <a:buFont typeface="Arial"/>
-        <a:defRPr b="0" i="0" sz="1400" u="none" cap="none" strike="noStrike">
+        <a:defRPr sz="1400" b="0" i="0" u="none" strike="noStrike" cap="none">
           <a:solidFill>
             <a:srgbClr val="000000"/>
           </a:solidFill>
@@ -9201,7 +9151,7 @@
           <a:sym typeface="Arial"/>
         </a:defRPr>
       </a:lvl4pPr>
-      <a:lvl5pPr lvl="4" marR="0" rtl="0" algn="l">
+      <a:lvl5pPr marR="0" lvl="4" algn="l" rtl="0">
         <a:lnSpc>
           <a:spcPct val="100000"/>
         </a:lnSpc>
@@ -9215,7 +9165,7 @@
           <a:srgbClr val="000000"/>
         </a:buClr>
         <a:buFont typeface="Arial"/>
-        <a:defRPr b="0" i="0" sz="1400" u="none" cap="none" strike="noStrike">
+        <a:defRPr sz="1400" b="0" i="0" u="none" strike="noStrike" cap="none">
           <a:solidFill>
             <a:srgbClr val="000000"/>
           </a:solidFill>
@@ -9225,7 +9175,7 @@
           <a:sym typeface="Arial"/>
         </a:defRPr>
       </a:lvl5pPr>
-      <a:lvl6pPr lvl="5" marR="0" rtl="0" algn="l">
+      <a:lvl6pPr marR="0" lvl="5" algn="l" rtl="0">
         <a:lnSpc>
           <a:spcPct val="100000"/>
         </a:lnSpc>
@@ -9239,7 +9189,7 @@
           <a:srgbClr val="000000"/>
         </a:buClr>
         <a:buFont typeface="Arial"/>
-        <a:defRPr b="0" i="0" sz="1400" u="none" cap="none" strike="noStrike">
+        <a:defRPr sz="1400" b="0" i="0" u="none" strike="noStrike" cap="none">
           <a:solidFill>
             <a:srgbClr val="000000"/>
           </a:solidFill>
@@ -9249,7 +9199,7 @@
           <a:sym typeface="Arial"/>
         </a:defRPr>
       </a:lvl6pPr>
-      <a:lvl7pPr lvl="6" marR="0" rtl="0" algn="l">
+      <a:lvl7pPr marR="0" lvl="6" algn="l" rtl="0">
         <a:lnSpc>
           <a:spcPct val="100000"/>
         </a:lnSpc>
@@ -9263,7 +9213,7 @@
           <a:srgbClr val="000000"/>
         </a:buClr>
         <a:buFont typeface="Arial"/>
-        <a:defRPr b="0" i="0" sz="1400" u="none" cap="none" strike="noStrike">
+        <a:defRPr sz="1400" b="0" i="0" u="none" strike="noStrike" cap="none">
           <a:solidFill>
             <a:srgbClr val="000000"/>
           </a:solidFill>
@@ -9273,7 +9223,7 @@
           <a:sym typeface="Arial"/>
         </a:defRPr>
       </a:lvl7pPr>
-      <a:lvl8pPr lvl="7" marR="0" rtl="0" algn="l">
+      <a:lvl8pPr marR="0" lvl="7" algn="l" rtl="0">
         <a:lnSpc>
           <a:spcPct val="100000"/>
         </a:lnSpc>
@@ -9287,7 +9237,7 @@
           <a:srgbClr val="000000"/>
         </a:buClr>
         <a:buFont typeface="Arial"/>
-        <a:defRPr b="0" i="0" sz="1400" u="none" cap="none" strike="noStrike">
+        <a:defRPr sz="1400" b="0" i="0" u="none" strike="noStrike" cap="none">
           <a:solidFill>
             <a:srgbClr val="000000"/>
           </a:solidFill>
@@ -9297,7 +9247,7 @@
           <a:sym typeface="Arial"/>
         </a:defRPr>
       </a:lvl8pPr>
-      <a:lvl9pPr lvl="8" marR="0" rtl="0" algn="l">
+      <a:lvl9pPr marR="0" lvl="8" algn="l" rtl="0">
         <a:lnSpc>
           <a:spcPct val="100000"/>
         </a:lnSpc>
@@ -9311,7 +9261,7 @@
           <a:srgbClr val="000000"/>
         </a:buClr>
         <a:buFont typeface="Arial"/>
-        <a:defRPr b="0" i="0" sz="1400" u="none" cap="none" strike="noStrike">
+        <a:defRPr sz="1400" b="0" i="0" u="none" strike="noStrike" cap="none">
           <a:solidFill>
             <a:srgbClr val="000000"/>
           </a:solidFill>
@@ -9323,7 +9273,7 @@
       </a:lvl9pPr>
     </p:titleStyle>
     <p:bodyStyle>
-      <a:defPPr lvl="0" marR="0" rtl="0" algn="l">
+      <a:defPPr marR="0" lvl="0" algn="l" rtl="0">
         <a:lnSpc>
           <a:spcPct val="100000"/>
         </a:lnSpc>
@@ -9334,7 +9284,7 @@
           <a:spcPts val="0"/>
         </a:spcAft>
       </a:defPPr>
-      <a:lvl1pPr lvl="0" marR="0" rtl="0" algn="l">
+      <a:lvl1pPr marR="0" lvl="0" algn="l" rtl="0">
         <a:lnSpc>
           <a:spcPct val="100000"/>
         </a:lnSpc>
@@ -9348,7 +9298,7 @@
           <a:srgbClr val="000000"/>
         </a:buClr>
         <a:buFont typeface="Arial"/>
-        <a:defRPr b="0" i="0" sz="1400" u="none" cap="none" strike="noStrike">
+        <a:defRPr sz="1400" b="0" i="0" u="none" strike="noStrike" cap="none">
           <a:solidFill>
             <a:srgbClr val="000000"/>
           </a:solidFill>
@@ -9358,7 +9308,7 @@
           <a:sym typeface="Arial"/>
         </a:defRPr>
       </a:lvl1pPr>
-      <a:lvl2pPr lvl="1" marR="0" rtl="0" algn="l">
+      <a:lvl2pPr marR="0" lvl="1" algn="l" rtl="0">
         <a:lnSpc>
           <a:spcPct val="100000"/>
         </a:lnSpc>
@@ -9372,7 +9322,7 @@
           <a:srgbClr val="000000"/>
         </a:buClr>
         <a:buFont typeface="Arial"/>
-        <a:defRPr b="0" i="0" sz="1400" u="none" cap="none" strike="noStrike">
+        <a:defRPr sz="1400" b="0" i="0" u="none" strike="noStrike" cap="none">
           <a:solidFill>
             <a:srgbClr val="000000"/>
           </a:solidFill>
@@ -9382,7 +9332,7 @@
           <a:sym typeface="Arial"/>
         </a:defRPr>
       </a:lvl2pPr>
-      <a:lvl3pPr lvl="2" marR="0" rtl="0" algn="l">
+      <a:lvl3pPr marR="0" lvl="2" algn="l" rtl="0">
         <a:lnSpc>
           <a:spcPct val="100000"/>
         </a:lnSpc>
@@ -9396,7 +9346,7 @@
           <a:srgbClr val="000000"/>
         </a:buClr>
         <a:buFont typeface="Arial"/>
-        <a:defRPr b="0" i="0" sz="1400" u="none" cap="none" strike="noStrike">
+        <a:defRPr sz="1400" b="0" i="0" u="none" strike="noStrike" cap="none">
           <a:solidFill>
             <a:srgbClr val="000000"/>
           </a:solidFill>
@@ -9406,7 +9356,7 @@
           <a:sym typeface="Arial"/>
         </a:defRPr>
       </a:lvl3pPr>
-      <a:lvl4pPr lvl="3" marR="0" rtl="0" algn="l">
+      <a:lvl4pPr marR="0" lvl="3" algn="l" rtl="0">
         <a:lnSpc>
           <a:spcPct val="100000"/>
         </a:lnSpc>
@@ -9420,7 +9370,7 @@
           <a:srgbClr val="000000"/>
         </a:buClr>
         <a:buFont typeface="Arial"/>
-        <a:defRPr b="0" i="0" sz="1400" u="none" cap="none" strike="noStrike">
+        <a:defRPr sz="1400" b="0" i="0" u="none" strike="noStrike" cap="none">
           <a:solidFill>
             <a:srgbClr val="000000"/>
           </a:solidFill>
@@ -9430,7 +9380,7 @@
           <a:sym typeface="Arial"/>
         </a:defRPr>
       </a:lvl4pPr>
-      <a:lvl5pPr lvl="4" marR="0" rtl="0" algn="l">
+      <a:lvl5pPr marR="0" lvl="4" algn="l" rtl="0">
         <a:lnSpc>
           <a:spcPct val="100000"/>
         </a:lnSpc>
@@ -9444,7 +9394,7 @@
           <a:srgbClr val="000000"/>
         </a:buClr>
         <a:buFont typeface="Arial"/>
-        <a:defRPr b="0" i="0" sz="1400" u="none" cap="none" strike="noStrike">
+        <a:defRPr sz="1400" b="0" i="0" u="none" strike="noStrike" cap="none">
           <a:solidFill>
             <a:srgbClr val="000000"/>
           </a:solidFill>
@@ -9454,7 +9404,7 @@
           <a:sym typeface="Arial"/>
         </a:defRPr>
       </a:lvl5pPr>
-      <a:lvl6pPr lvl="5" marR="0" rtl="0" algn="l">
+      <a:lvl6pPr marR="0" lvl="5" algn="l" rtl="0">
         <a:lnSpc>
           <a:spcPct val="100000"/>
         </a:lnSpc>
@@ -9468,7 +9418,7 @@
           <a:srgbClr val="000000"/>
         </a:buClr>
         <a:buFont typeface="Arial"/>
-        <a:defRPr b="0" i="0" sz="1400" u="none" cap="none" strike="noStrike">
+        <a:defRPr sz="1400" b="0" i="0" u="none" strike="noStrike" cap="none">
           <a:solidFill>
             <a:srgbClr val="000000"/>
           </a:solidFill>
@@ -9478,7 +9428,7 @@
           <a:sym typeface="Arial"/>
         </a:defRPr>
       </a:lvl6pPr>
-      <a:lvl7pPr lvl="6" marR="0" rtl="0" algn="l">
+      <a:lvl7pPr marR="0" lvl="6" algn="l" rtl="0">
         <a:lnSpc>
           <a:spcPct val="100000"/>
         </a:lnSpc>
@@ -9492,7 +9442,7 @@
           <a:srgbClr val="000000"/>
         </a:buClr>
         <a:buFont typeface="Arial"/>
-        <a:defRPr b="0" i="0" sz="1400" u="none" cap="none" strike="noStrike">
+        <a:defRPr sz="1400" b="0" i="0" u="none" strike="noStrike" cap="none">
           <a:solidFill>
             <a:srgbClr val="000000"/>
           </a:solidFill>
@@ -9502,7 +9452,7 @@
           <a:sym typeface="Arial"/>
         </a:defRPr>
       </a:lvl7pPr>
-      <a:lvl8pPr lvl="7" marR="0" rtl="0" algn="l">
+      <a:lvl8pPr marR="0" lvl="7" algn="l" rtl="0">
         <a:lnSpc>
           <a:spcPct val="100000"/>
         </a:lnSpc>
@@ -9516,7 +9466,7 @@
           <a:srgbClr val="000000"/>
         </a:buClr>
         <a:buFont typeface="Arial"/>
-        <a:defRPr b="0" i="0" sz="1400" u="none" cap="none" strike="noStrike">
+        <a:defRPr sz="1400" b="0" i="0" u="none" strike="noStrike" cap="none">
           <a:solidFill>
             <a:srgbClr val="000000"/>
           </a:solidFill>
@@ -9526,7 +9476,7 @@
           <a:sym typeface="Arial"/>
         </a:defRPr>
       </a:lvl8pPr>
-      <a:lvl9pPr lvl="8" marR="0" rtl="0" algn="l">
+      <a:lvl9pPr marR="0" lvl="8" algn="l" rtl="0">
         <a:lnSpc>
           <a:spcPct val="100000"/>
         </a:lnSpc>
@@ -9540,7 +9490,7 @@
           <a:srgbClr val="000000"/>
         </a:buClr>
         <a:buFont typeface="Arial"/>
-        <a:defRPr b="0" i="0" sz="1400" u="none" cap="none" strike="noStrike">
+        <a:defRPr sz="1400" b="0" i="0" u="none" strike="noStrike" cap="none">
           <a:solidFill>
             <a:srgbClr val="000000"/>
           </a:solidFill>
@@ -9552,7 +9502,7 @@
       </a:lvl9pPr>
     </p:bodyStyle>
     <p:otherStyle>
-      <a:defPPr lvl="0" marR="0" rtl="0" algn="l">
+      <a:defPPr marR="0" lvl="0" algn="l" rtl="0">
         <a:lnSpc>
           <a:spcPct val="100000"/>
         </a:lnSpc>
@@ -9563,7 +9513,7 @@
           <a:spcPts val="0"/>
         </a:spcAft>
       </a:defPPr>
-      <a:lvl1pPr lvl="0" marR="0" rtl="0" algn="l">
+      <a:lvl1pPr marR="0" lvl="0" algn="l" rtl="0">
         <a:lnSpc>
           <a:spcPct val="100000"/>
         </a:lnSpc>
@@ -9577,7 +9527,7 @@
           <a:srgbClr val="000000"/>
         </a:buClr>
         <a:buFont typeface="Arial"/>
-        <a:defRPr b="0" i="0" sz="1400" u="none" cap="none" strike="noStrike">
+        <a:defRPr sz="1400" b="0" i="0" u="none" strike="noStrike" cap="none">
           <a:solidFill>
             <a:srgbClr val="000000"/>
           </a:solidFill>
@@ -9587,7 +9537,7 @@
           <a:sym typeface="Arial"/>
         </a:defRPr>
       </a:lvl1pPr>
-      <a:lvl2pPr lvl="1" marR="0" rtl="0" algn="l">
+      <a:lvl2pPr marR="0" lvl="1" algn="l" rtl="0">
         <a:lnSpc>
           <a:spcPct val="100000"/>
         </a:lnSpc>
@@ -9601,7 +9551,7 @@
           <a:srgbClr val="000000"/>
         </a:buClr>
         <a:buFont typeface="Arial"/>
-        <a:defRPr b="0" i="0" sz="1400" u="none" cap="none" strike="noStrike">
+        <a:defRPr sz="1400" b="0" i="0" u="none" strike="noStrike" cap="none">
           <a:solidFill>
             <a:srgbClr val="000000"/>
           </a:solidFill>
@@ -9611,7 +9561,7 @@
           <a:sym typeface="Arial"/>
         </a:defRPr>
       </a:lvl2pPr>
-      <a:lvl3pPr lvl="2" marR="0" rtl="0" algn="l">
+      <a:lvl3pPr marR="0" lvl="2" algn="l" rtl="0">
         <a:lnSpc>
           <a:spcPct val="100000"/>
         </a:lnSpc>
@@ -9625,7 +9575,7 @@
           <a:srgbClr val="000000"/>
         </a:buClr>
         <a:buFont typeface="Arial"/>
-        <a:defRPr b="0" i="0" sz="1400" u="none" cap="none" strike="noStrike">
+        <a:defRPr sz="1400" b="0" i="0" u="none" strike="noStrike" cap="none">
           <a:solidFill>
             <a:srgbClr val="000000"/>
           </a:solidFill>
@@ -9635,7 +9585,7 @@
           <a:sym typeface="Arial"/>
         </a:defRPr>
       </a:lvl3pPr>
-      <a:lvl4pPr lvl="3" marR="0" rtl="0" algn="l">
+      <a:lvl4pPr marR="0" lvl="3" algn="l" rtl="0">
         <a:lnSpc>
           <a:spcPct val="100000"/>
         </a:lnSpc>
@@ -9649,7 +9599,7 @@
           <a:srgbClr val="000000"/>
         </a:buClr>
         <a:buFont typeface="Arial"/>
-        <a:defRPr b="0" i="0" sz="1400" u="none" cap="none" strike="noStrike">
+        <a:defRPr sz="1400" b="0" i="0" u="none" strike="noStrike" cap="none">
           <a:solidFill>
             <a:srgbClr val="000000"/>
           </a:solidFill>
@@ -9659,7 +9609,7 @@
           <a:sym typeface="Arial"/>
         </a:defRPr>
       </a:lvl4pPr>
-      <a:lvl5pPr lvl="4" marR="0" rtl="0" algn="l">
+      <a:lvl5pPr marR="0" lvl="4" algn="l" rtl="0">
         <a:lnSpc>
           <a:spcPct val="100000"/>
         </a:lnSpc>
@@ -9673,7 +9623,7 @@
           <a:srgbClr val="000000"/>
         </a:buClr>
         <a:buFont typeface="Arial"/>
-        <a:defRPr b="0" i="0" sz="1400" u="none" cap="none" strike="noStrike">
+        <a:defRPr sz="1400" b="0" i="0" u="none" strike="noStrike" cap="none">
           <a:solidFill>
             <a:srgbClr val="000000"/>
           </a:solidFill>
@@ -9683,7 +9633,7 @@
           <a:sym typeface="Arial"/>
         </a:defRPr>
       </a:lvl5pPr>
-      <a:lvl6pPr lvl="5" marR="0" rtl="0" algn="l">
+      <a:lvl6pPr marR="0" lvl="5" algn="l" rtl="0">
         <a:lnSpc>
           <a:spcPct val="100000"/>
         </a:lnSpc>
@@ -9697,7 +9647,7 @@
           <a:srgbClr val="000000"/>
         </a:buClr>
         <a:buFont typeface="Arial"/>
-        <a:defRPr b="0" i="0" sz="1400" u="none" cap="none" strike="noStrike">
+        <a:defRPr sz="1400" b="0" i="0" u="none" strike="noStrike" cap="none">
           <a:solidFill>
             <a:srgbClr val="000000"/>
           </a:solidFill>
@@ -9707,7 +9657,7 @@
           <a:sym typeface="Arial"/>
         </a:defRPr>
       </a:lvl6pPr>
-      <a:lvl7pPr lvl="6" marR="0" rtl="0" algn="l">
+      <a:lvl7pPr marR="0" lvl="6" algn="l" rtl="0">
         <a:lnSpc>
           <a:spcPct val="100000"/>
         </a:lnSpc>
@@ -9721,7 +9671,7 @@
           <a:srgbClr val="000000"/>
         </a:buClr>
         <a:buFont typeface="Arial"/>
-        <a:defRPr b="0" i="0" sz="1400" u="none" cap="none" strike="noStrike">
+        <a:defRPr sz="1400" b="0" i="0" u="none" strike="noStrike" cap="none">
           <a:solidFill>
             <a:srgbClr val="000000"/>
           </a:solidFill>
@@ -9731,7 +9681,7 @@
           <a:sym typeface="Arial"/>
         </a:defRPr>
       </a:lvl7pPr>
-      <a:lvl8pPr lvl="7" marR="0" rtl="0" algn="l">
+      <a:lvl8pPr marR="0" lvl="7" algn="l" rtl="0">
         <a:lnSpc>
           <a:spcPct val="100000"/>
         </a:lnSpc>
@@ -9745,7 +9695,7 @@
           <a:srgbClr val="000000"/>
         </a:buClr>
         <a:buFont typeface="Arial"/>
-        <a:defRPr b="0" i="0" sz="1400" u="none" cap="none" strike="noStrike">
+        <a:defRPr sz="1400" b="0" i="0" u="none" strike="noStrike" cap="none">
           <a:solidFill>
             <a:srgbClr val="000000"/>
           </a:solidFill>
@@ -9755,7 +9705,7 @@
           <a:sym typeface="Arial"/>
         </a:defRPr>
       </a:lvl8pPr>
-      <a:lvl9pPr lvl="8" marR="0" rtl="0" algn="l">
+      <a:lvl9pPr marR="0" lvl="8" algn="l" rtl="0">
         <a:lnSpc>
           <a:spcPct val="100000"/>
         </a:lnSpc>
@@ -9769,7 +9719,7 @@
           <a:srgbClr val="000000"/>
         </a:buClr>
         <a:buFont typeface="Arial"/>
-        <a:defRPr b="0" i="0" sz="1400" u="none" cap="none" strike="noStrike">
+        <a:defRPr sz="1400" b="0" i="0" u="none" strike="noStrike" cap="none">
           <a:solidFill>
             <a:srgbClr val="000000"/>
           </a:solidFill>
@@ -9785,11 +9735,11 @@
 </file>
 
 <file path=ppt/slides/slide1.xml><?xml version="1.0" encoding="utf-8"?>
-<p:sld xmlns:a="http://schemas.openxmlformats.org/drawingml/2006/main" xmlns:r="http://schemas.openxmlformats.org/officeDocument/2006/relationships" xmlns:mc="http://schemas.openxmlformats.org/markup-compatibility/2006" xmlns:mv="urn:schemas-microsoft-com:mac:vml" xmlns:p="http://schemas.openxmlformats.org/presentationml/2006/main" xmlns:c="http://schemas.openxmlformats.org/drawingml/2006/chart" xmlns:dgm="http://schemas.openxmlformats.org/drawingml/2006/diagram" xmlns:o="urn:schemas-microsoft-com:office:office" xmlns:v="urn:schemas-microsoft-com:vml" xmlns:pvml="urn:schemas-microsoft-com:office:powerpoint" xmlns:com="http://schemas.openxmlformats.org/drawingml/2006/compatibility" xmlns:p14="http://schemas.microsoft.com/office/powerpoint/2010/main" xmlns:p15="http://schemas.microsoft.com/office/powerpoint/2012/main" xmlns:ahyp="http://schemas.microsoft.com/office/drawing/2018/hyperlinkcolor">
+<p:sld xmlns:a="http://schemas.openxmlformats.org/drawingml/2006/main" xmlns:r="http://schemas.openxmlformats.org/officeDocument/2006/relationships" xmlns:p="http://schemas.openxmlformats.org/presentationml/2006/main">
   <p:cSld>
     <p:spTree>
       <p:nvGrpSpPr>
-        <p:cNvPr id="133" name="Shape 133"/>
+        <p:cNvPr id="1" name="Shape 133"/>
         <p:cNvGrpSpPr/>
         <p:nvPr/>
       </p:nvGrpSpPr>
@@ -9804,7 +9754,9 @@
       <p:sp>
         <p:nvSpPr>
           <p:cNvPr id="134" name="Google Shape;134;p13"/>
-          <p:cNvSpPr txBox="1"/>
+          <p:cNvSpPr txBox="1">
+            <a:spLocks noGrp="1"/>
+          </p:cNvSpPr>
           <p:nvPr>
             <p:ph type="ctrTitle"/>
           </p:nvPr>
@@ -9819,12 +9771,12 @@
           </a:prstGeom>
         </p:spPr>
         <p:txBody>
-          <a:bodyPr anchorCtr="0" anchor="t" bIns="91425" lIns="91425" spcFirstLastPara="1" rIns="91425" wrap="square" tIns="91425">
+          <a:bodyPr spcFirstLastPara="1" wrap="square" lIns="91425" tIns="91425" rIns="91425" bIns="91425" anchor="t" anchorCtr="0">
             <a:normAutofit fontScale="90000"/>
           </a:bodyPr>
           <a:lstStyle/>
           <a:p>
-            <a:pPr indent="0" lvl="0" marL="0" rtl="0" algn="l">
+            <a:pPr marL="0" lvl="0" indent="0" algn="l" rtl="0">
               <a:spcBef>
                 <a:spcPts val="0"/>
               </a:spcBef>
@@ -9844,9 +9796,11 @@
       <p:sp>
         <p:nvSpPr>
           <p:cNvPr id="135" name="Google Shape;135;p13"/>
-          <p:cNvSpPr txBox="1"/>
+          <p:cNvSpPr txBox="1">
+            <a:spLocks noGrp="1"/>
+          </p:cNvSpPr>
           <p:nvPr>
-            <p:ph idx="1" type="subTitle"/>
+            <p:ph type="subTitle" idx="1"/>
           </p:nvPr>
         </p:nvSpPr>
         <p:spPr>
@@ -9859,12 +9813,12 @@
           </a:prstGeom>
         </p:spPr>
         <p:txBody>
-          <a:bodyPr anchorCtr="0" anchor="t" bIns="91425" lIns="91425" spcFirstLastPara="1" rIns="91425" wrap="square" tIns="91425">
+          <a:bodyPr spcFirstLastPara="1" wrap="square" lIns="91425" tIns="91425" rIns="91425" bIns="91425" anchor="t" anchorCtr="0">
             <a:normAutofit/>
           </a:bodyPr>
           <a:lstStyle/>
           <a:p>
-            <a:pPr indent="0" lvl="0" marL="0" rtl="0" algn="l">
+            <a:pPr marL="0" lvl="0" indent="0" algn="l" rtl="0">
               <a:spcBef>
                 <a:spcPts val="0"/>
               </a:spcBef>
@@ -9880,7 +9834,7 @@
             <a:endParaRPr sz="2000"/>
           </a:p>
           <a:p>
-            <a:pPr indent="0" lvl="0" marL="0" rtl="0" algn="l">
+            <a:pPr marL="0" lvl="0" indent="0" algn="l" rtl="0">
               <a:spcBef>
                 <a:spcPts val="0"/>
               </a:spcBef>
@@ -9927,11 +9881,11 @@
 </file>
 
 <file path=ppt/slides/slide2.xml><?xml version="1.0" encoding="utf-8"?>
-<p:sld xmlns:a="http://schemas.openxmlformats.org/drawingml/2006/main" xmlns:r="http://schemas.openxmlformats.org/officeDocument/2006/relationships" xmlns:mc="http://schemas.openxmlformats.org/markup-compatibility/2006" xmlns:mv="urn:schemas-microsoft-com:mac:vml" xmlns:p="http://schemas.openxmlformats.org/presentationml/2006/main" xmlns:c="http://schemas.openxmlformats.org/drawingml/2006/chart" xmlns:dgm="http://schemas.openxmlformats.org/drawingml/2006/diagram" xmlns:o="urn:schemas-microsoft-com:office:office" xmlns:v="urn:schemas-microsoft-com:vml" xmlns:pvml="urn:schemas-microsoft-com:office:powerpoint" xmlns:com="http://schemas.openxmlformats.org/drawingml/2006/compatibility" xmlns:p14="http://schemas.microsoft.com/office/powerpoint/2010/main" xmlns:p15="http://schemas.microsoft.com/office/powerpoint/2012/main" xmlns:ahyp="http://schemas.microsoft.com/office/drawing/2018/hyperlinkcolor">
+<p:sld xmlns:a="http://schemas.openxmlformats.org/drawingml/2006/main" xmlns:r="http://schemas.openxmlformats.org/officeDocument/2006/relationships" xmlns:p="http://schemas.openxmlformats.org/presentationml/2006/main">
   <p:cSld>
     <p:spTree>
       <p:nvGrpSpPr>
-        <p:cNvPr id="139" name="Shape 139"/>
+        <p:cNvPr id="1" name="Shape 139"/>
         <p:cNvGrpSpPr/>
         <p:nvPr/>
       </p:nvGrpSpPr>
@@ -9946,7 +9900,9 @@
       <p:sp>
         <p:nvSpPr>
           <p:cNvPr id="140" name="Google Shape;140;p14"/>
-          <p:cNvSpPr txBox="1"/>
+          <p:cNvSpPr txBox="1">
+            <a:spLocks noGrp="1"/>
+          </p:cNvSpPr>
           <p:nvPr>
             <p:ph type="title"/>
           </p:nvPr>
@@ -9961,12 +9917,12 @@
           </a:prstGeom>
         </p:spPr>
         <p:txBody>
-          <a:bodyPr anchorCtr="0" anchor="t" bIns="91425" lIns="91425" spcFirstLastPara="1" rIns="91425" wrap="square" tIns="91425">
+          <a:bodyPr spcFirstLastPara="1" wrap="square" lIns="91425" tIns="91425" rIns="91425" bIns="91425" anchor="t" anchorCtr="0">
             <a:normAutofit/>
           </a:bodyPr>
           <a:lstStyle/>
           <a:p>
-            <a:pPr indent="0" lvl="0" marL="0" rtl="0" algn="l">
+            <a:pPr marL="0" lvl="0" indent="0" algn="l" rtl="0">
               <a:spcBef>
                 <a:spcPts val="0"/>
               </a:spcBef>
@@ -9986,9 +9942,11 @@
       <p:sp>
         <p:nvSpPr>
           <p:cNvPr id="141" name="Google Shape;141;p14"/>
-          <p:cNvSpPr txBox="1"/>
+          <p:cNvSpPr txBox="1">
+            <a:spLocks noGrp="1"/>
+          </p:cNvSpPr>
           <p:nvPr>
-            <p:ph idx="1" type="body"/>
+            <p:ph type="body" idx="1"/>
           </p:nvPr>
         </p:nvSpPr>
         <p:spPr>
@@ -10001,12 +9959,12 @@
           </a:prstGeom>
         </p:spPr>
         <p:txBody>
-          <a:bodyPr anchorCtr="0" anchor="t" bIns="91425" lIns="91425" spcFirstLastPara="1" rIns="91425" wrap="square" tIns="91425">
+          <a:bodyPr spcFirstLastPara="1" wrap="square" lIns="91425" tIns="91425" rIns="91425" bIns="91425" anchor="t" anchorCtr="0">
             <a:normAutofit/>
           </a:bodyPr>
           <a:lstStyle/>
           <a:p>
-            <a:pPr indent="-311150" lvl="0" marL="457200" rtl="0" algn="l">
+            <a:pPr marL="457200" lvl="0" indent="-311150" algn="l" rtl="0">
               <a:spcBef>
                 <a:spcPts val="0"/>
               </a:spcBef>
@@ -10017,13 +9975,13 @@
               <a:buChar char="-"/>
             </a:pPr>
             <a:r>
-              <a:rPr lang="en"/>
+              <a:rPr lang="en" dirty="0"/>
               <a:t>This is a method of adjusting an image’s contrast by using the image’s histogram.</a:t>
             </a:r>
-            <a:endParaRPr/>
+            <a:endParaRPr dirty="0"/>
           </a:p>
           <a:p>
-            <a:pPr indent="-311150" lvl="0" marL="457200" rtl="0" algn="l">
+            <a:pPr marL="457200" lvl="0" indent="-311150" algn="l" rtl="0">
               <a:spcBef>
                 <a:spcPts val="0"/>
               </a:spcBef>
@@ -10034,10 +9992,10 @@
               <a:buChar char="-"/>
             </a:pPr>
             <a:r>
-              <a:rPr lang="en"/>
+              <a:rPr lang="en" dirty="0"/>
               <a:t>This is possible by pulling the image’s histogram to either ends.</a:t>
             </a:r>
-            <a:endParaRPr/>
+            <a:endParaRPr dirty="0"/>
           </a:p>
         </p:txBody>
       </p:sp>
@@ -10057,8 +10015,8 @@
         </p:blipFill>
         <p:spPr>
           <a:xfrm>
-            <a:off x="3033700" y="2571750"/>
-            <a:ext cx="3076575" cy="1619250"/>
+            <a:off x="6044026" y="2571750"/>
+            <a:ext cx="2576865" cy="1651824"/>
           </a:xfrm>
           <a:prstGeom prst="rect">
             <a:avLst/>
@@ -10067,6 +10025,36 @@
           <a:ln>
             <a:noFill/>
           </a:ln>
+        </p:spPr>
+      </p:pic>
+      <p:pic>
+        <p:nvPicPr>
+          <p:cNvPr id="5" name="Picture 4">
+            <a:extLst>
+              <a:ext uri="{FF2B5EF4-FFF2-40B4-BE49-F238E27FC236}">
+                <a16:creationId xmlns:a16="http://schemas.microsoft.com/office/drawing/2014/main" id="{937A7B9E-6568-4E22-AC50-BA0CDE669A05}"/>
+              </a:ext>
+            </a:extLst>
+          </p:cNvPr>
+          <p:cNvPicPr>
+            <a:picLocks noChangeAspect="1"/>
+          </p:cNvPicPr>
+          <p:nvPr/>
+        </p:nvPicPr>
+        <p:blipFill>
+          <a:blip r:embed="rId4"/>
+          <a:stretch>
+            <a:fillRect/>
+          </a:stretch>
+        </p:blipFill>
+        <p:spPr>
+          <a:xfrm>
+            <a:off x="807600" y="2571750"/>
+            <a:ext cx="4951935" cy="1651824"/>
+          </a:xfrm>
+          <a:prstGeom prst="rect">
+            <a:avLst/>
+          </a:prstGeom>
         </p:spPr>
       </p:pic>
     </p:spTree>
@@ -10078,11 +10066,11 @@
 </file>
 
 <file path=ppt/slides/slide3.xml><?xml version="1.0" encoding="utf-8"?>
-<p:sld xmlns:a="http://schemas.openxmlformats.org/drawingml/2006/main" xmlns:r="http://schemas.openxmlformats.org/officeDocument/2006/relationships" xmlns:mc="http://schemas.openxmlformats.org/markup-compatibility/2006" xmlns:mv="urn:schemas-microsoft-com:mac:vml" xmlns:p="http://schemas.openxmlformats.org/presentationml/2006/main" xmlns:c="http://schemas.openxmlformats.org/drawingml/2006/chart" xmlns:dgm="http://schemas.openxmlformats.org/drawingml/2006/diagram" xmlns:o="urn:schemas-microsoft-com:office:office" xmlns:v="urn:schemas-microsoft-com:vml" xmlns:pvml="urn:schemas-microsoft-com:office:powerpoint" xmlns:com="http://schemas.openxmlformats.org/drawingml/2006/compatibility" xmlns:p14="http://schemas.microsoft.com/office/powerpoint/2010/main" xmlns:p15="http://schemas.microsoft.com/office/powerpoint/2012/main" xmlns:ahyp="http://schemas.microsoft.com/office/drawing/2018/hyperlinkcolor">
+<p:sld xmlns:a="http://schemas.openxmlformats.org/drawingml/2006/main" xmlns:r="http://schemas.openxmlformats.org/officeDocument/2006/relationships" xmlns:p="http://schemas.openxmlformats.org/presentationml/2006/main">
   <p:cSld>
     <p:spTree>
       <p:nvGrpSpPr>
-        <p:cNvPr id="146" name="Shape 146"/>
+        <p:cNvPr id="1" name="Shape 146"/>
         <p:cNvGrpSpPr/>
         <p:nvPr/>
       </p:nvGrpSpPr>
@@ -10097,7 +10085,9 @@
       <p:sp>
         <p:nvSpPr>
           <p:cNvPr id="147" name="Google Shape;147;p15"/>
-          <p:cNvSpPr txBox="1"/>
+          <p:cNvSpPr txBox="1">
+            <a:spLocks noGrp="1"/>
+          </p:cNvSpPr>
           <p:nvPr>
             <p:ph type="title"/>
           </p:nvPr>
@@ -10112,12 +10102,12 @@
           </a:prstGeom>
         </p:spPr>
         <p:txBody>
-          <a:bodyPr anchorCtr="0" anchor="t" bIns="91425" lIns="91425" spcFirstLastPara="1" rIns="91425" wrap="square" tIns="91425">
+          <a:bodyPr spcFirstLastPara="1" wrap="square" lIns="91425" tIns="91425" rIns="91425" bIns="91425" anchor="t" anchorCtr="0">
             <a:normAutofit/>
           </a:bodyPr>
           <a:lstStyle/>
           <a:p>
-            <a:pPr indent="0" lvl="0" marL="0" rtl="0" algn="l">
+            <a:pPr marL="0" lvl="0" indent="0" algn="l" rtl="0">
               <a:spcBef>
                 <a:spcPts val="0"/>
               </a:spcBef>
@@ -10128,11 +10118,7 @@
             </a:pPr>
             <a:r>
               <a:rPr lang="en"/>
-              <a:t>Problem with </a:t>
-            </a:r>
-            <a:r>
-              <a:rPr lang="en"/>
-              <a:t>Histogram Equalization</a:t>
+              <a:t>Problem with Histogram Equalization</a:t>
             </a:r>
             <a:endParaRPr/>
           </a:p>
@@ -10141,9 +10127,11 @@
       <p:sp>
         <p:nvSpPr>
           <p:cNvPr id="148" name="Google Shape;148;p15"/>
-          <p:cNvSpPr txBox="1"/>
+          <p:cNvSpPr txBox="1">
+            <a:spLocks noGrp="1"/>
+          </p:cNvSpPr>
           <p:nvPr>
-            <p:ph idx="1" type="body"/>
+            <p:ph type="body" idx="1"/>
           </p:nvPr>
         </p:nvSpPr>
         <p:spPr>
@@ -10156,12 +10144,12 @@
           </a:prstGeom>
         </p:spPr>
         <p:txBody>
-          <a:bodyPr anchorCtr="0" anchor="t" bIns="91425" lIns="91425" spcFirstLastPara="1" rIns="91425" wrap="square" tIns="91425">
+          <a:bodyPr spcFirstLastPara="1" wrap="square" lIns="91425" tIns="91425" rIns="91425" bIns="91425" anchor="t" anchorCtr="0">
             <a:normAutofit/>
           </a:bodyPr>
           <a:lstStyle/>
           <a:p>
-            <a:pPr indent="0" lvl="0" marL="0" rtl="0" algn="just">
+            <a:pPr marL="0" lvl="0" indent="0" algn="just" rtl="0">
               <a:spcBef>
                 <a:spcPts val="0"/>
               </a:spcBef>
@@ -10172,16 +10160,12 @@
             </a:pPr>
             <a:r>
               <a:rPr lang="en"/>
-              <a:t>Whenever an image has areas that have different contrasts, such as an image having a foreground object being brighter than its background, applying histogram equalization globally could result in a contrast enhancement problem that over-amplifies the contrast of </a:t>
-            </a:r>
-            <a:r>
-              <a:rPr lang="en"/>
-              <a:t>certain region/s of an image.</a:t>
+              <a:t>Whenever an image has areas that have different contrasts, such as an image having a foreground object being brighter than its background, applying histogram equalization globally could result in a contrast enhancement problem that over-amplifies the contrast of certain region/s of an image.</a:t>
             </a:r>
             <a:endParaRPr/>
           </a:p>
           <a:p>
-            <a:pPr indent="0" lvl="0" marL="0" rtl="0" algn="l">
+            <a:pPr marL="0" lvl="0" indent="0" algn="l" rtl="0">
               <a:spcBef>
                 <a:spcPts val="1200"/>
               </a:spcBef>
@@ -10190,13 +10174,10 @@
               </a:spcAft>
               <a:buNone/>
             </a:pPr>
-            <a:r>
-              <a:t/>
-            </a:r>
             <a:endParaRPr/>
           </a:p>
           <a:p>
-            <a:pPr indent="0" lvl="0" marL="0" rtl="0" algn="l">
+            <a:pPr marL="0" lvl="0" indent="0" algn="l" rtl="0">
               <a:spcBef>
                 <a:spcPts val="1200"/>
               </a:spcBef>
@@ -10205,9 +10186,6 @@
               </a:spcAft>
               <a:buNone/>
             </a:pPr>
-            <a:r>
-              <a:t/>
-            </a:r>
             <a:endParaRPr/>
           </a:p>
         </p:txBody>
@@ -10249,11 +10227,11 @@
 </file>
 
 <file path=ppt/slides/slide4.xml><?xml version="1.0" encoding="utf-8"?>
-<p:sld xmlns:a="http://schemas.openxmlformats.org/drawingml/2006/main" xmlns:r="http://schemas.openxmlformats.org/officeDocument/2006/relationships" xmlns:mc="http://schemas.openxmlformats.org/markup-compatibility/2006" xmlns:mv="urn:schemas-microsoft-com:mac:vml" xmlns:p="http://schemas.openxmlformats.org/presentationml/2006/main" xmlns:c="http://schemas.openxmlformats.org/drawingml/2006/chart" xmlns:dgm="http://schemas.openxmlformats.org/drawingml/2006/diagram" xmlns:o="urn:schemas-microsoft-com:office:office" xmlns:v="urn:schemas-microsoft-com:vml" xmlns:pvml="urn:schemas-microsoft-com:office:powerpoint" xmlns:com="http://schemas.openxmlformats.org/drawingml/2006/compatibility" xmlns:p14="http://schemas.microsoft.com/office/powerpoint/2010/main" xmlns:p15="http://schemas.microsoft.com/office/powerpoint/2012/main" xmlns:ahyp="http://schemas.microsoft.com/office/drawing/2018/hyperlinkcolor">
+<p:sld xmlns:a="http://schemas.openxmlformats.org/drawingml/2006/main" xmlns:r="http://schemas.openxmlformats.org/officeDocument/2006/relationships" xmlns:p="http://schemas.openxmlformats.org/presentationml/2006/main">
   <p:cSld>
     <p:spTree>
       <p:nvGrpSpPr>
-        <p:cNvPr id="153" name="Shape 153"/>
+        <p:cNvPr id="1" name="Shape 153"/>
         <p:cNvGrpSpPr/>
         <p:nvPr/>
       </p:nvGrpSpPr>
@@ -10268,7 +10246,9 @@
       <p:sp>
         <p:nvSpPr>
           <p:cNvPr id="154" name="Google Shape;154;p16"/>
-          <p:cNvSpPr txBox="1"/>
+          <p:cNvSpPr txBox="1">
+            <a:spLocks noGrp="1"/>
+          </p:cNvSpPr>
           <p:nvPr>
             <p:ph type="title"/>
           </p:nvPr>
@@ -10283,12 +10263,12 @@
           </a:prstGeom>
         </p:spPr>
         <p:txBody>
-          <a:bodyPr anchorCtr="0" anchor="t" bIns="91425" lIns="91425" spcFirstLastPara="1" rIns="91425" wrap="square" tIns="91425">
+          <a:bodyPr spcFirstLastPara="1" wrap="square" lIns="91425" tIns="91425" rIns="91425" bIns="91425" anchor="t" anchorCtr="0">
             <a:normAutofit/>
           </a:bodyPr>
           <a:lstStyle/>
           <a:p>
-            <a:pPr indent="0" lvl="0" marL="0" rtl="0" algn="l">
+            <a:pPr marL="0" lvl="0" indent="0" algn="l" rtl="0">
               <a:spcBef>
                 <a:spcPts val="0"/>
               </a:spcBef>
@@ -10308,9 +10288,11 @@
       <p:sp>
         <p:nvSpPr>
           <p:cNvPr id="155" name="Google Shape;155;p16"/>
-          <p:cNvSpPr txBox="1"/>
+          <p:cNvSpPr txBox="1">
+            <a:spLocks noGrp="1"/>
+          </p:cNvSpPr>
           <p:nvPr>
-            <p:ph idx="1" type="body"/>
+            <p:ph type="body" idx="1"/>
           </p:nvPr>
         </p:nvSpPr>
         <p:spPr>
@@ -10323,12 +10305,12 @@
           </a:prstGeom>
         </p:spPr>
         <p:txBody>
-          <a:bodyPr anchorCtr="0" anchor="t" bIns="91425" lIns="91425" spcFirstLastPara="1" rIns="91425" wrap="square" tIns="91425">
+          <a:bodyPr spcFirstLastPara="1" wrap="square" lIns="91425" tIns="91425" rIns="91425" bIns="91425" anchor="t" anchorCtr="0">
             <a:normAutofit/>
           </a:bodyPr>
           <a:lstStyle/>
           <a:p>
-            <a:pPr indent="-330200" lvl="0" marL="457200" rtl="0" algn="l">
+            <a:pPr marL="457200" lvl="0" indent="-330200" algn="l" rtl="0">
               <a:spcBef>
                 <a:spcPts val="0"/>
               </a:spcBef>
@@ -10340,16 +10322,12 @@
             </a:pPr>
             <a:r>
               <a:rPr lang="en" sz="1600"/>
-              <a:t>This is a histogram equalization that </a:t>
-            </a:r>
-            <a:r>
-              <a:rPr lang="en" sz="1600"/>
-              <a:t>operates on small regions in the image called tiles.</a:t>
+              <a:t>This is a histogram equalization that operates on small regions in the image called tiles.</a:t>
             </a:r>
             <a:endParaRPr sz="1600"/>
           </a:p>
           <a:p>
-            <a:pPr indent="-330200" lvl="0" marL="457200" rtl="0" algn="l">
+            <a:pPr marL="457200" lvl="0" indent="-330200" algn="l" rtl="0">
               <a:spcBef>
                 <a:spcPts val="0"/>
               </a:spcBef>
@@ -10366,7 +10344,7 @@
             <a:endParaRPr sz="1600"/>
           </a:p>
           <a:p>
-            <a:pPr indent="-330200" lvl="0" marL="457200" rtl="0" algn="l">
+            <a:pPr marL="457200" lvl="0" indent="-330200" algn="l" rtl="0">
               <a:spcBef>
                 <a:spcPts val="0"/>
               </a:spcBef>
@@ -10393,11 +10371,11 @@
 </file>
 
 <file path=ppt/slides/slide5.xml><?xml version="1.0" encoding="utf-8"?>
-<p:sld xmlns:a="http://schemas.openxmlformats.org/drawingml/2006/main" xmlns:r="http://schemas.openxmlformats.org/officeDocument/2006/relationships" xmlns:mc="http://schemas.openxmlformats.org/markup-compatibility/2006" xmlns:mv="urn:schemas-microsoft-com:mac:vml" xmlns:p="http://schemas.openxmlformats.org/presentationml/2006/main" xmlns:c="http://schemas.openxmlformats.org/drawingml/2006/chart" xmlns:dgm="http://schemas.openxmlformats.org/drawingml/2006/diagram" xmlns:o="urn:schemas-microsoft-com:office:office" xmlns:v="urn:schemas-microsoft-com:vml" xmlns:pvml="urn:schemas-microsoft-com:office:powerpoint" xmlns:com="http://schemas.openxmlformats.org/drawingml/2006/compatibility" xmlns:p14="http://schemas.microsoft.com/office/powerpoint/2010/main" xmlns:p15="http://schemas.microsoft.com/office/powerpoint/2012/main" xmlns:ahyp="http://schemas.microsoft.com/office/drawing/2018/hyperlinkcolor">
+<p:sld xmlns:a="http://schemas.openxmlformats.org/drawingml/2006/main" xmlns:r="http://schemas.openxmlformats.org/officeDocument/2006/relationships" xmlns:p="http://schemas.openxmlformats.org/presentationml/2006/main">
   <p:cSld>
     <p:spTree>
       <p:nvGrpSpPr>
-        <p:cNvPr id="159" name="Shape 159"/>
+        <p:cNvPr id="1" name="Shape 159"/>
         <p:cNvGrpSpPr/>
         <p:nvPr/>
       </p:nvGrpSpPr>
@@ -10412,7 +10390,9 @@
       <p:sp>
         <p:nvSpPr>
           <p:cNvPr id="160" name="Google Shape;160;p17"/>
-          <p:cNvSpPr txBox="1"/>
+          <p:cNvSpPr txBox="1">
+            <a:spLocks noGrp="1"/>
+          </p:cNvSpPr>
           <p:nvPr>
             <p:ph type="title"/>
           </p:nvPr>
@@ -10427,12 +10407,12 @@
           </a:prstGeom>
         </p:spPr>
         <p:txBody>
-          <a:bodyPr anchorCtr="0" anchor="t" bIns="91425" lIns="91425" spcFirstLastPara="1" rIns="91425" wrap="square" tIns="91425">
+          <a:bodyPr spcFirstLastPara="1" wrap="square" lIns="91425" tIns="91425" rIns="91425" bIns="91425" anchor="t" anchorCtr="0">
             <a:noAutofit/>
           </a:bodyPr>
           <a:lstStyle/>
           <a:p>
-            <a:pPr indent="0" lvl="0" marL="0" rtl="0" algn="l">
+            <a:pPr marL="0" lvl="0" indent="0" algn="l" rtl="0">
               <a:spcBef>
                 <a:spcPts val="0"/>
               </a:spcBef>
@@ -10453,9 +10433,11 @@
       <p:sp>
         <p:nvSpPr>
           <p:cNvPr id="161" name="Google Shape;161;p17"/>
-          <p:cNvSpPr txBox="1"/>
+          <p:cNvSpPr txBox="1">
+            <a:spLocks noGrp="1"/>
+          </p:cNvSpPr>
           <p:nvPr>
-            <p:ph idx="1" type="body"/>
+            <p:ph type="body" idx="1"/>
           </p:nvPr>
         </p:nvSpPr>
         <p:spPr>
@@ -10468,12 +10450,12 @@
           </a:prstGeom>
         </p:spPr>
         <p:txBody>
-          <a:bodyPr anchorCtr="0" anchor="t" bIns="91425" lIns="91425" spcFirstLastPara="1" rIns="91425" wrap="square" tIns="91425">
+          <a:bodyPr spcFirstLastPara="1" wrap="square" lIns="91425" tIns="91425" rIns="91425" bIns="91425" anchor="t" anchorCtr="0">
             <a:normAutofit fontScale="92500" lnSpcReduction="20000"/>
           </a:bodyPr>
           <a:lstStyle/>
           <a:p>
-            <a:pPr indent="-322580" lvl="0" marL="457200" rtl="0" algn="just">
+            <a:pPr marL="457200" lvl="0" indent="-322580" algn="just" rtl="0">
               <a:spcBef>
                 <a:spcPts val="0"/>
               </a:spcBef>
@@ -10490,7 +10472,7 @@
             <a:endParaRPr sz="1600"/>
           </a:p>
           <a:p>
-            <a:pPr indent="-322580" lvl="0" marL="457200" rtl="0" algn="just">
+            <a:pPr marL="457200" lvl="0" indent="-322580" algn="just" rtl="0">
               <a:spcBef>
                 <a:spcPts val="0"/>
               </a:spcBef>
@@ -10507,7 +10489,7 @@
             <a:endParaRPr sz="1600"/>
           </a:p>
           <a:p>
-            <a:pPr indent="-322580" lvl="0" marL="457200" rtl="0" algn="just">
+            <a:pPr marL="457200" lvl="0" indent="-322580" algn="just" rtl="0">
               <a:spcBef>
                 <a:spcPts val="0"/>
               </a:spcBef>
@@ -10562,11 +10544,11 @@
 </file>
 
 <file path=ppt/slides/slide6.xml><?xml version="1.0" encoding="utf-8"?>
-<p:sld xmlns:a="http://schemas.openxmlformats.org/drawingml/2006/main" xmlns:r="http://schemas.openxmlformats.org/officeDocument/2006/relationships" xmlns:mc="http://schemas.openxmlformats.org/markup-compatibility/2006" xmlns:mv="urn:schemas-microsoft-com:mac:vml" xmlns:p="http://schemas.openxmlformats.org/presentationml/2006/main" xmlns:c="http://schemas.openxmlformats.org/drawingml/2006/chart" xmlns:dgm="http://schemas.openxmlformats.org/drawingml/2006/diagram" xmlns:o="urn:schemas-microsoft-com:office:office" xmlns:v="urn:schemas-microsoft-com:vml" xmlns:pvml="urn:schemas-microsoft-com:office:powerpoint" xmlns:com="http://schemas.openxmlformats.org/drawingml/2006/compatibility" xmlns:p14="http://schemas.microsoft.com/office/powerpoint/2010/main" xmlns:p15="http://schemas.microsoft.com/office/powerpoint/2012/main" xmlns:ahyp="http://schemas.microsoft.com/office/drawing/2018/hyperlinkcolor">
+<p:sld xmlns:a="http://schemas.openxmlformats.org/drawingml/2006/main" xmlns:r="http://schemas.openxmlformats.org/officeDocument/2006/relationships" xmlns:p="http://schemas.openxmlformats.org/presentationml/2006/main">
   <p:cSld>
     <p:spTree>
       <p:nvGrpSpPr>
-        <p:cNvPr id="166" name="Shape 166"/>
+        <p:cNvPr id="1" name="Shape 166"/>
         <p:cNvGrpSpPr/>
         <p:nvPr/>
       </p:nvGrpSpPr>
@@ -10581,7 +10563,9 @@
       <p:sp>
         <p:nvSpPr>
           <p:cNvPr id="167" name="Google Shape;167;p18"/>
-          <p:cNvSpPr txBox="1"/>
+          <p:cNvSpPr txBox="1">
+            <a:spLocks noGrp="1"/>
+          </p:cNvSpPr>
           <p:nvPr>
             <p:ph type="title"/>
           </p:nvPr>
@@ -10596,12 +10580,12 @@
           </a:prstGeom>
         </p:spPr>
         <p:txBody>
-          <a:bodyPr anchorCtr="0" anchor="t" bIns="91425" lIns="91425" spcFirstLastPara="1" rIns="91425" wrap="square" tIns="91425">
+          <a:bodyPr spcFirstLastPara="1" wrap="square" lIns="91425" tIns="91425" rIns="91425" bIns="91425" anchor="t" anchorCtr="0">
             <a:normAutofit/>
           </a:bodyPr>
           <a:lstStyle/>
           <a:p>
-            <a:pPr indent="0" lvl="0" marL="0" rtl="0" algn="l">
+            <a:pPr marL="0" lvl="0" indent="0" algn="l" rtl="0">
               <a:spcBef>
                 <a:spcPts val="0"/>
               </a:spcBef>
@@ -10621,9 +10605,11 @@
       <p:sp>
         <p:nvSpPr>
           <p:cNvPr id="168" name="Google Shape;168;p18"/>
-          <p:cNvSpPr txBox="1"/>
+          <p:cNvSpPr txBox="1">
+            <a:spLocks noGrp="1"/>
+          </p:cNvSpPr>
           <p:nvPr>
-            <p:ph idx="1" type="body"/>
+            <p:ph type="body" idx="1"/>
           </p:nvPr>
         </p:nvSpPr>
         <p:spPr>
@@ -10636,12 +10622,12 @@
           </a:prstGeom>
         </p:spPr>
         <p:txBody>
-          <a:bodyPr anchorCtr="0" anchor="t" bIns="91425" lIns="91425" spcFirstLastPara="1" rIns="91425" wrap="square" tIns="91425">
+          <a:bodyPr spcFirstLastPara="1" wrap="square" lIns="91425" tIns="91425" rIns="91425" bIns="91425" anchor="t" anchorCtr="0">
             <a:normAutofit/>
           </a:bodyPr>
           <a:lstStyle/>
           <a:p>
-            <a:pPr indent="-330200" lvl="0" marL="457200" rtl="0" algn="l">
+            <a:pPr marL="457200" lvl="0" indent="-330200" algn="l" rtl="0">
               <a:spcBef>
                 <a:spcPts val="0"/>
               </a:spcBef>
@@ -10653,16 +10639,12 @@
             </a:pPr>
             <a:r>
               <a:rPr lang="en" sz="1600"/>
-              <a:t>I</a:t>
-            </a:r>
-            <a:r>
-              <a:rPr lang="en" sz="1600"/>
-              <a:t>mproves the contrast of images.</a:t>
+              <a:t>Improves the contrast of images.</a:t>
             </a:r>
             <a:endParaRPr sz="1600"/>
           </a:p>
           <a:p>
-            <a:pPr indent="-330200" lvl="0" marL="457200" rtl="0" algn="l">
+            <a:pPr marL="457200" lvl="0" indent="-330200" algn="l" rtl="0">
               <a:spcBef>
                 <a:spcPts val="0"/>
               </a:spcBef>
@@ -10679,7 +10661,7 @@
             <a:endParaRPr sz="1600"/>
           </a:p>
           <a:p>
-            <a:pPr indent="-330200" lvl="0" marL="457200" rtl="0" algn="l">
+            <a:pPr marL="457200" lvl="0" indent="-330200" algn="l" rtl="0">
               <a:spcBef>
                 <a:spcPts val="0"/>
               </a:spcBef>
@@ -10691,15 +10673,7 @@
             </a:pPr>
             <a:r>
               <a:rPr lang="en" sz="1600"/>
-              <a:t>Can be </a:t>
-            </a:r>
-            <a:r>
-              <a:rPr lang="en" sz="1600"/>
-              <a:t>applied</a:t>
-            </a:r>
-            <a:r>
-              <a:rPr lang="en" sz="1600"/>
-              <a:t> to colored images.</a:t>
+              <a:t>Can be applied to colored images.</a:t>
             </a:r>
             <a:endParaRPr sz="1600"/>
           </a:p>
@@ -10714,11 +10688,11 @@
 </file>
 
 <file path=ppt/slides/slide7.xml><?xml version="1.0" encoding="utf-8"?>
-<p:sld xmlns:a="http://schemas.openxmlformats.org/drawingml/2006/main" xmlns:r="http://schemas.openxmlformats.org/officeDocument/2006/relationships" xmlns:mc="http://schemas.openxmlformats.org/markup-compatibility/2006" xmlns:mv="urn:schemas-microsoft-com:mac:vml" xmlns:p="http://schemas.openxmlformats.org/presentationml/2006/main" xmlns:c="http://schemas.openxmlformats.org/drawingml/2006/chart" xmlns:dgm="http://schemas.openxmlformats.org/drawingml/2006/diagram" xmlns:o="urn:schemas-microsoft-com:office:office" xmlns:v="urn:schemas-microsoft-com:vml" xmlns:pvml="urn:schemas-microsoft-com:office:powerpoint" xmlns:com="http://schemas.openxmlformats.org/drawingml/2006/compatibility" xmlns:p14="http://schemas.microsoft.com/office/powerpoint/2010/main" xmlns:p15="http://schemas.microsoft.com/office/powerpoint/2012/main" xmlns:ahyp="http://schemas.microsoft.com/office/drawing/2018/hyperlinkcolor">
+<p:sld xmlns:a="http://schemas.openxmlformats.org/drawingml/2006/main" xmlns:r="http://schemas.openxmlformats.org/officeDocument/2006/relationships" xmlns:p="http://schemas.openxmlformats.org/presentationml/2006/main">
   <p:cSld>
     <p:spTree>
       <p:nvGrpSpPr>
-        <p:cNvPr id="172" name="Shape 172"/>
+        <p:cNvPr id="1" name="Shape 172"/>
         <p:cNvGrpSpPr/>
         <p:nvPr/>
       </p:nvGrpSpPr>
@@ -10733,7 +10707,9 @@
       <p:sp>
         <p:nvSpPr>
           <p:cNvPr id="173" name="Google Shape;173;p19"/>
-          <p:cNvSpPr txBox="1"/>
+          <p:cNvSpPr txBox="1">
+            <a:spLocks noGrp="1"/>
+          </p:cNvSpPr>
           <p:nvPr>
             <p:ph type="title"/>
           </p:nvPr>
@@ -10748,12 +10724,12 @@
           </a:prstGeom>
         </p:spPr>
         <p:txBody>
-          <a:bodyPr anchorCtr="0" anchor="t" bIns="91425" lIns="91425" spcFirstLastPara="1" rIns="91425" wrap="square" tIns="91425">
+          <a:bodyPr spcFirstLastPara="1" wrap="square" lIns="91425" tIns="91425" rIns="91425" bIns="91425" anchor="t" anchorCtr="0">
             <a:normAutofit/>
           </a:bodyPr>
           <a:lstStyle/>
           <a:p>
-            <a:pPr indent="0" lvl="0" marL="0" rtl="0" algn="l">
+            <a:pPr marL="0" lvl="0" indent="0" algn="l" rtl="0">
               <a:spcBef>
                 <a:spcPts val="0"/>
               </a:spcBef>
@@ -10773,9 +10749,11 @@
       <p:sp>
         <p:nvSpPr>
           <p:cNvPr id="174" name="Google Shape;174;p19"/>
-          <p:cNvSpPr txBox="1"/>
+          <p:cNvSpPr txBox="1">
+            <a:spLocks noGrp="1"/>
+          </p:cNvSpPr>
           <p:nvPr>
-            <p:ph idx="1" type="body"/>
+            <p:ph type="body" idx="1"/>
           </p:nvPr>
         </p:nvSpPr>
         <p:spPr>
@@ -10788,12 +10766,12 @@
           </a:prstGeom>
         </p:spPr>
         <p:txBody>
-          <a:bodyPr anchorCtr="0" anchor="t" bIns="91425" lIns="91425" spcFirstLastPara="1" rIns="91425" wrap="square" tIns="91425">
+          <a:bodyPr spcFirstLastPara="1" wrap="square" lIns="91425" tIns="91425" rIns="91425" bIns="91425" anchor="t" anchorCtr="0">
             <a:normAutofit/>
           </a:bodyPr>
           <a:lstStyle/>
           <a:p>
-            <a:pPr indent="-311150" lvl="0" marL="457200" rtl="0" algn="l">
+            <a:pPr marL="457200" lvl="0" indent="-311150" algn="l" rtl="0">
               <a:spcBef>
                 <a:spcPts val="0"/>
               </a:spcBef>
@@ -10804,13 +10782,13 @@
               <a:buChar char="-"/>
             </a:pPr>
             <a:r>
-              <a:rPr lang="en"/>
+              <a:rPr lang="en" dirty="0"/>
               <a:t>Some images are not quite visible due to several factors. </a:t>
             </a:r>
-            <a:endParaRPr/>
+            <a:endParaRPr dirty="0"/>
           </a:p>
           <a:p>
-            <a:pPr indent="-311150" lvl="0" marL="457200" rtl="0" algn="l">
+            <a:pPr marL="457200" lvl="0" indent="-311150" algn="l" rtl="0">
               <a:spcBef>
                 <a:spcPts val="0"/>
               </a:spcBef>
@@ -10821,13 +10799,13 @@
               <a:buChar char="-"/>
             </a:pPr>
             <a:r>
-              <a:rPr lang="en"/>
+              <a:rPr lang="en" dirty="0"/>
               <a:t>Fog, haze, and smoke can significantly degrade an image’s visibility. </a:t>
             </a:r>
-            <a:endParaRPr/>
+            <a:endParaRPr dirty="0"/>
           </a:p>
           <a:p>
-            <a:pPr indent="-311150" lvl="0" marL="457200" rtl="0" algn="l">
+            <a:pPr marL="457200" lvl="0" indent="-311150" algn="l" rtl="0">
               <a:spcBef>
                 <a:spcPts val="0"/>
               </a:spcBef>
@@ -10838,10 +10816,10 @@
               <a:buChar char="-"/>
             </a:pPr>
             <a:r>
-              <a:rPr lang="en"/>
+              <a:rPr lang="en" dirty="0"/>
               <a:t>For removing this problem we introduced a novel algorithm which works over real time video surveillance system. This algorithm is based on Contrast adaptive histogram equalization enhancement technique which works for real time video system. This method is used to overcome the drawback of adaptive histogram equalization</a:t>
             </a:r>
-            <a:endParaRPr/>
+            <a:endParaRPr dirty="0"/>
           </a:p>
         </p:txBody>
       </p:sp>
@@ -10854,11 +10832,11 @@
 </file>
 
 <file path=ppt/slides/slide8.xml><?xml version="1.0" encoding="utf-8"?>
-<p:sld xmlns:a="http://schemas.openxmlformats.org/drawingml/2006/main" xmlns:r="http://schemas.openxmlformats.org/officeDocument/2006/relationships" xmlns:mc="http://schemas.openxmlformats.org/markup-compatibility/2006" xmlns:mv="urn:schemas-microsoft-com:mac:vml" xmlns:p="http://schemas.openxmlformats.org/presentationml/2006/main" xmlns:c="http://schemas.openxmlformats.org/drawingml/2006/chart" xmlns:dgm="http://schemas.openxmlformats.org/drawingml/2006/diagram" xmlns:o="urn:schemas-microsoft-com:office:office" xmlns:v="urn:schemas-microsoft-com:vml" xmlns:pvml="urn:schemas-microsoft-com:office:powerpoint" xmlns:com="http://schemas.openxmlformats.org/drawingml/2006/compatibility" xmlns:p14="http://schemas.microsoft.com/office/powerpoint/2010/main" xmlns:p15="http://schemas.microsoft.com/office/powerpoint/2012/main" xmlns:ahyp="http://schemas.microsoft.com/office/drawing/2018/hyperlinkcolor">
+<p:sld xmlns:a="http://schemas.openxmlformats.org/drawingml/2006/main" xmlns:r="http://schemas.openxmlformats.org/officeDocument/2006/relationships" xmlns:p="http://schemas.openxmlformats.org/presentationml/2006/main">
   <p:cSld>
     <p:spTree>
       <p:nvGrpSpPr>
-        <p:cNvPr id="178" name="Shape 178"/>
+        <p:cNvPr id="1" name="Shape 178"/>
         <p:cNvGrpSpPr/>
         <p:nvPr/>
       </p:nvGrpSpPr>
@@ -10873,7 +10851,9 @@
       <p:sp>
         <p:nvSpPr>
           <p:cNvPr id="179" name="Google Shape;179;p20"/>
-          <p:cNvSpPr txBox="1"/>
+          <p:cNvSpPr txBox="1">
+            <a:spLocks noGrp="1"/>
+          </p:cNvSpPr>
           <p:nvPr>
             <p:ph type="title"/>
           </p:nvPr>
@@ -10888,12 +10868,12 @@
           </a:prstGeom>
         </p:spPr>
         <p:txBody>
-          <a:bodyPr anchorCtr="0" anchor="t" bIns="91425" lIns="91425" spcFirstLastPara="1" rIns="91425" wrap="square" tIns="91425">
+          <a:bodyPr spcFirstLastPara="1" wrap="square" lIns="91425" tIns="91425" rIns="91425" bIns="91425" anchor="t" anchorCtr="0">
             <a:normAutofit/>
           </a:bodyPr>
           <a:lstStyle/>
           <a:p>
-            <a:pPr indent="0" lvl="0" marL="0" rtl="0" algn="l">
+            <a:pPr marL="0" lvl="0" indent="0" algn="l" rtl="0">
               <a:spcBef>
                 <a:spcPts val="0"/>
               </a:spcBef>
@@ -10913,9 +10893,11 @@
       <p:sp>
         <p:nvSpPr>
           <p:cNvPr id="180" name="Google Shape;180;p20"/>
-          <p:cNvSpPr txBox="1"/>
+          <p:cNvSpPr txBox="1">
+            <a:spLocks noGrp="1"/>
+          </p:cNvSpPr>
           <p:nvPr>
-            <p:ph idx="1" type="body"/>
+            <p:ph type="body" idx="1"/>
           </p:nvPr>
         </p:nvSpPr>
         <p:spPr>
@@ -10928,12 +10910,12 @@
           </a:prstGeom>
         </p:spPr>
         <p:txBody>
-          <a:bodyPr anchorCtr="0" anchor="t" bIns="91425" lIns="91425" spcFirstLastPara="1" rIns="91425" wrap="square" tIns="91425">
-            <a:normAutofit/>
+          <a:bodyPr spcFirstLastPara="1" wrap="square" lIns="91425" tIns="91425" rIns="91425" bIns="91425" anchor="t" anchorCtr="0">
+            <a:normAutofit lnSpcReduction="10000"/>
           </a:bodyPr>
           <a:lstStyle/>
           <a:p>
-            <a:pPr indent="0" lvl="0" marL="0" rtl="0" algn="l">
+            <a:pPr marL="0" lvl="0" indent="0" algn="l" rtl="0">
               <a:spcBef>
                 <a:spcPts val="0"/>
               </a:spcBef>
@@ -10943,7 +10925,7 @@
               <a:buNone/>
             </a:pPr>
             <a:r>
-              <a:rPr b="1" lang="en"/>
+              <a:rPr lang="en" b="1"/>
               <a:t>Step 1</a:t>
             </a:r>
             <a:r>
@@ -10953,7 +10935,7 @@
             <a:endParaRPr/>
           </a:p>
           <a:p>
-            <a:pPr indent="0" lvl="0" marL="0" rtl="0" algn="l">
+            <a:pPr marL="0" lvl="0" indent="0" algn="l" rtl="0">
               <a:spcBef>
                 <a:spcPts val="1200"/>
               </a:spcBef>
@@ -10963,7 +10945,7 @@
               <a:buNone/>
             </a:pPr>
             <a:r>
-              <a:rPr b="1" lang="en"/>
+              <a:rPr lang="en" b="1"/>
               <a:t>Step 2</a:t>
             </a:r>
             <a:r>
@@ -10973,7 +10955,7 @@
             <a:endParaRPr/>
           </a:p>
           <a:p>
-            <a:pPr indent="0" lvl="0" marL="0" rtl="0" algn="l">
+            <a:pPr marL="0" lvl="0" indent="0" algn="l" rtl="0">
               <a:spcBef>
                 <a:spcPts val="1200"/>
               </a:spcBef>
@@ -10989,7 +10971,7 @@
             <a:endParaRPr/>
           </a:p>
           <a:p>
-            <a:pPr indent="0" lvl="0" marL="0" rtl="0" algn="l">
+            <a:pPr marL="0" lvl="0" indent="0" algn="l" rtl="0">
               <a:spcBef>
                 <a:spcPts val="1200"/>
               </a:spcBef>
@@ -11000,20 +10982,12 @@
             </a:pPr>
             <a:r>
               <a:rPr lang="en"/>
-              <a:t>Step </a:t>
-            </a:r>
-            <a:r>
-              <a:rPr lang="en"/>
-              <a:t>4</a:t>
-            </a:r>
-            <a:r>
-              <a:rPr lang="en"/>
-              <a:t>: Process applied over tile (contextual region). </a:t>
+              <a:t>Step 4: Process applied over tile (contextual region). </a:t>
             </a:r>
             <a:endParaRPr/>
           </a:p>
           <a:p>
-            <a:pPr indent="0" lvl="0" marL="0" rtl="0" algn="l">
+            <a:pPr marL="0" lvl="0" indent="0" algn="l" rtl="0">
               <a:spcBef>
                 <a:spcPts val="1200"/>
               </a:spcBef>
@@ -11039,11 +11013,11 @@
 </file>
 
 <file path=ppt/slides/slide9.xml><?xml version="1.0" encoding="utf-8"?>
-<p:sld xmlns:a="http://schemas.openxmlformats.org/drawingml/2006/main" xmlns:r="http://schemas.openxmlformats.org/officeDocument/2006/relationships" xmlns:mc="http://schemas.openxmlformats.org/markup-compatibility/2006" xmlns:mv="urn:schemas-microsoft-com:mac:vml" xmlns:p="http://schemas.openxmlformats.org/presentationml/2006/main" xmlns:c="http://schemas.openxmlformats.org/drawingml/2006/chart" xmlns:dgm="http://schemas.openxmlformats.org/drawingml/2006/diagram" xmlns:o="urn:schemas-microsoft-com:office:office" xmlns:v="urn:schemas-microsoft-com:vml" xmlns:pvml="urn:schemas-microsoft-com:office:powerpoint" xmlns:com="http://schemas.openxmlformats.org/drawingml/2006/compatibility" xmlns:p14="http://schemas.microsoft.com/office/powerpoint/2010/main" xmlns:p15="http://schemas.microsoft.com/office/powerpoint/2012/main" xmlns:ahyp="http://schemas.microsoft.com/office/drawing/2018/hyperlinkcolor">
+<p:sld xmlns:a="http://schemas.openxmlformats.org/drawingml/2006/main" xmlns:r="http://schemas.openxmlformats.org/officeDocument/2006/relationships" xmlns:p="http://schemas.openxmlformats.org/presentationml/2006/main">
   <p:cSld>
     <p:spTree>
       <p:nvGrpSpPr>
-        <p:cNvPr id="184" name="Shape 184"/>
+        <p:cNvPr id="1" name="Shape 184"/>
         <p:cNvGrpSpPr/>
         <p:nvPr/>
       </p:nvGrpSpPr>
@@ -11058,7 +11032,9 @@
       <p:sp>
         <p:nvSpPr>
           <p:cNvPr id="185" name="Google Shape;185;p21"/>
-          <p:cNvSpPr txBox="1"/>
+          <p:cNvSpPr txBox="1">
+            <a:spLocks noGrp="1"/>
+          </p:cNvSpPr>
           <p:nvPr>
             <p:ph type="title"/>
           </p:nvPr>
@@ -11073,12 +11049,12 @@
           </a:prstGeom>
         </p:spPr>
         <p:txBody>
-          <a:bodyPr anchorCtr="0" anchor="t" bIns="91425" lIns="91425" spcFirstLastPara="1" rIns="91425" wrap="square" tIns="91425">
+          <a:bodyPr spcFirstLastPara="1" wrap="square" lIns="91425" tIns="91425" rIns="91425" bIns="91425" anchor="t" anchorCtr="0">
             <a:normAutofit/>
           </a:bodyPr>
           <a:lstStyle/>
           <a:p>
-            <a:pPr indent="0" lvl="0" marL="0" rtl="0" algn="l">
+            <a:pPr marL="0" lvl="0" indent="0" algn="l" rtl="0">
               <a:spcBef>
                 <a:spcPts val="0"/>
               </a:spcBef>
@@ -11098,9 +11074,11 @@
       <p:sp>
         <p:nvSpPr>
           <p:cNvPr id="186" name="Google Shape;186;p21"/>
-          <p:cNvSpPr txBox="1"/>
+          <p:cNvSpPr txBox="1">
+            <a:spLocks noGrp="1"/>
+          </p:cNvSpPr>
           <p:nvPr>
-            <p:ph idx="1" type="body"/>
+            <p:ph type="body" idx="1"/>
           </p:nvPr>
         </p:nvSpPr>
         <p:spPr>
@@ -11113,12 +11091,12 @@
           </a:prstGeom>
         </p:spPr>
         <p:txBody>
-          <a:bodyPr anchorCtr="0" anchor="t" bIns="91425" lIns="91425" spcFirstLastPara="1" rIns="91425" wrap="square" tIns="91425">
+          <a:bodyPr spcFirstLastPara="1" wrap="square" lIns="91425" tIns="91425" rIns="91425" bIns="91425" anchor="t" anchorCtr="0">
             <a:normAutofit/>
           </a:bodyPr>
           <a:lstStyle/>
           <a:p>
-            <a:pPr indent="0" lvl="0" marL="0" rtl="0" algn="l">
+            <a:pPr marL="0" lvl="0" indent="0" algn="l" rtl="0">
               <a:spcBef>
                 <a:spcPts val="0"/>
               </a:spcBef>
@@ -11128,13 +11106,13 @@
               <a:buNone/>
             </a:pPr>
             <a:r>
-              <a:rPr b="1" lang="en"/>
+              <a:rPr lang="en" b="1"/>
               <a:t>Step 3: Original image divide into some region any preprocess these inputs. </a:t>
             </a:r>
             <a:endParaRPr b="1"/>
           </a:p>
           <a:p>
-            <a:pPr indent="0" lvl="0" marL="0" rtl="0" algn="l">
+            <a:pPr marL="0" lvl="0" indent="0" algn="l" rtl="0">
               <a:spcBef>
                 <a:spcPts val="1200"/>
               </a:spcBef>
@@ -11144,13 +11122,13 @@
               <a:buNone/>
             </a:pPr>
             <a:r>
-              <a:rPr b="1" lang="en"/>
+              <a:rPr lang="en" b="1"/>
               <a:t>Step 4: Process applied over tile (contextual region). </a:t>
             </a:r>
             <a:endParaRPr b="1"/>
           </a:p>
           <a:p>
-            <a:pPr indent="0" lvl="0" marL="0" rtl="0" algn="l">
+            <a:pPr marL="0" lvl="0" indent="0" algn="l" rtl="0">
               <a:spcBef>
                 <a:spcPts val="1200"/>
               </a:spcBef>
@@ -11160,13 +11138,13 @@
               <a:buNone/>
             </a:pPr>
             <a:r>
-              <a:rPr b="1" lang="en"/>
+              <a:rPr lang="en" b="1"/>
               <a:t>Step 5: Generate gray level mapping and clipped histogram. In contextual region numbers of pixels are equally divided in each gray level. </a:t>
             </a:r>
             <a:endParaRPr b="1"/>
           </a:p>
           <a:p>
-            <a:pPr indent="0" lvl="0" marL="0" rtl="0" algn="l">
+            <a:pPr marL="0" lvl="0" indent="0" algn="l" rtl="0">
               <a:spcBef>
                 <a:spcPts val="1200"/>
               </a:spcBef>
@@ -11176,7 +11154,7 @@
               <a:buNone/>
             </a:pPr>
             <a:r>
-              <a:rPr b="1" lang="en"/>
+              <a:rPr lang="en" b="1"/>
               <a:t>Step 6: Interpolate gray level mapping in order to create enhanced image. In this process use four pixel cluster and applied mapping process then each of mapping tiles will partly overlap in the image region after that a single pixel will be extracted and then apply four mapping to that pixel. Interpolate between that results and get enhance pixel, repeat over an image. </a:t>
             </a:r>
             <a:endParaRPr b="1"/>
@@ -11192,7 +11170,288 @@
 </file>
 
 <file path=ppt/theme/theme1.xml><?xml version="1.0" encoding="utf-8"?>
-<a:theme xmlns:a="http://schemas.openxmlformats.org/drawingml/2006/main" xmlns:r="http://schemas.openxmlformats.org/officeDocument/2006/relationships">
+<a:theme xmlns:a="http://schemas.openxmlformats.org/drawingml/2006/main" name="Focus">
+  <a:themeElements>
+    <a:clrScheme name="Focus">
+      <a:dk1>
+        <a:srgbClr val="1B212C"/>
+      </a:dk1>
+      <a:lt1>
+        <a:srgbClr val="FFFFFF"/>
+      </a:lt1>
+      <a:dk2>
+        <a:srgbClr val="D9D9D9"/>
+      </a:dk2>
+      <a:lt2>
+        <a:srgbClr val="82C7A5"/>
+      </a:lt2>
+      <a:accent1>
+        <a:srgbClr val="0145AC"/>
+      </a:accent1>
+      <a:accent2>
+        <a:srgbClr val="EECE1A"/>
+      </a:accent2>
+      <a:accent3>
+        <a:srgbClr val="4E5567"/>
+      </a:accent3>
+      <a:accent4>
+        <a:srgbClr val="F4D6AD"/>
+      </a:accent4>
+      <a:accent5>
+        <a:srgbClr val="7890CD"/>
+      </a:accent5>
+      <a:accent6>
+        <a:srgbClr val="F15E22"/>
+      </a:accent6>
+      <a:hlink>
+        <a:srgbClr val="7890CD"/>
+      </a:hlink>
+      <a:folHlink>
+        <a:srgbClr val="7890CD"/>
+      </a:folHlink>
+    </a:clrScheme>
+    <a:fontScheme name="Office">
+      <a:majorFont>
+        <a:latin typeface="Arial"/>
+        <a:ea typeface=""/>
+        <a:cs typeface=""/>
+        <a:font script="Jpan" typeface="ＭＳ Ｐゴシック"/>
+        <a:font script="Hang" typeface="맑은 고딕"/>
+        <a:font script="Hans" typeface="宋体"/>
+        <a:font script="Hant" typeface="新細明體"/>
+        <a:font script="Arab" typeface="Times New Roman"/>
+        <a:font script="Hebr" typeface="Times New Roman"/>
+        <a:font script="Thai" typeface="Angsana New"/>
+        <a:font script="Ethi" typeface="Nyala"/>
+        <a:font script="Beng" typeface="Vrinda"/>
+        <a:font script="Gujr" typeface="Shruti"/>
+        <a:font script="Khmr" typeface="MoolBoran"/>
+        <a:font script="Knda" typeface="Tunga"/>
+        <a:font script="Guru" typeface="Raavi"/>
+        <a:font script="Cans" typeface="Euphemia"/>
+        <a:font script="Cher" typeface="Plantagenet Cherokee"/>
+        <a:font script="Yiii" typeface="Microsoft Yi Baiti"/>
+        <a:font script="Tibt" typeface="Microsoft Himalaya"/>
+        <a:font script="Thaa" typeface="MV Boli"/>
+        <a:font script="Deva" typeface="Mangal"/>
+        <a:font script="Telu" typeface="Gautami"/>
+        <a:font script="Taml" typeface="Latha"/>
+        <a:font script="Syrc" typeface="Estrangelo Edessa"/>
+        <a:font script="Orya" typeface="Kalinga"/>
+        <a:font script="Mlym" typeface="Kartika"/>
+        <a:font script="Laoo" typeface="DokChampa"/>
+        <a:font script="Sinh" typeface="Iskoola Pota"/>
+        <a:font script="Mong" typeface="Mongolian Baiti"/>
+        <a:font script="Viet" typeface="Times New Roman"/>
+        <a:font script="Uigh" typeface="Microsoft Uighur"/>
+        <a:font script="Geor" typeface="Sylfaen"/>
+      </a:majorFont>
+      <a:minorFont>
+        <a:latin typeface="Arial"/>
+        <a:ea typeface=""/>
+        <a:cs typeface=""/>
+        <a:font script="Jpan" typeface="ＭＳ Ｐゴシック"/>
+        <a:font script="Hang" typeface="맑은 고딕"/>
+        <a:font script="Hans" typeface="宋体"/>
+        <a:font script="Hant" typeface="新細明體"/>
+        <a:font script="Arab" typeface="Arial"/>
+        <a:font script="Hebr" typeface="Arial"/>
+        <a:font script="Thai" typeface="Cordia New"/>
+        <a:font script="Ethi" typeface="Nyala"/>
+        <a:font script="Beng" typeface="Vrinda"/>
+        <a:font script="Gujr" typeface="Shruti"/>
+        <a:font script="Khmr" typeface="DaunPenh"/>
+        <a:font script="Knda" typeface="Tunga"/>
+        <a:font script="Guru" typeface="Raavi"/>
+        <a:font script="Cans" typeface="Euphemia"/>
+        <a:font script="Cher" typeface="Plantagenet Cherokee"/>
+        <a:font script="Yiii" typeface="Microsoft Yi Baiti"/>
+        <a:font script="Tibt" typeface="Microsoft Himalaya"/>
+        <a:font script="Thaa" typeface="MV Boli"/>
+        <a:font script="Deva" typeface="Mangal"/>
+        <a:font script="Telu" typeface="Gautami"/>
+        <a:font script="Taml" typeface="Latha"/>
+        <a:font script="Syrc" typeface="Estrangelo Edessa"/>
+        <a:font script="Orya" typeface="Kalinga"/>
+        <a:font script="Mlym" typeface="Kartika"/>
+        <a:font script="Laoo" typeface="DokChampa"/>
+        <a:font script="Sinh" typeface="Iskoola Pota"/>
+        <a:font script="Mong" typeface="Mongolian Baiti"/>
+        <a:font script="Viet" typeface="Arial"/>
+        <a:font script="Uigh" typeface="Microsoft Uighur"/>
+        <a:font script="Geor" typeface="Sylfaen"/>
+      </a:minorFont>
+    </a:fontScheme>
+    <a:fmtScheme name="Office">
+      <a:fillStyleLst>
+        <a:solidFill>
+          <a:schemeClr val="phClr"/>
+        </a:solidFill>
+        <a:gradFill rotWithShape="1">
+          <a:gsLst>
+            <a:gs pos="0">
+              <a:schemeClr val="phClr">
+                <a:tint val="50000"/>
+                <a:satMod val="300000"/>
+              </a:schemeClr>
+            </a:gs>
+            <a:gs pos="35000">
+              <a:schemeClr val="phClr">
+                <a:tint val="37000"/>
+                <a:satMod val="300000"/>
+              </a:schemeClr>
+            </a:gs>
+            <a:gs pos="100000">
+              <a:schemeClr val="phClr">
+                <a:tint val="15000"/>
+                <a:satMod val="350000"/>
+              </a:schemeClr>
+            </a:gs>
+          </a:gsLst>
+          <a:lin ang="16200000" scaled="1"/>
+        </a:gradFill>
+        <a:gradFill rotWithShape="1">
+          <a:gsLst>
+            <a:gs pos="0">
+              <a:schemeClr val="phClr">
+                <a:tint val="100000"/>
+                <a:shade val="100000"/>
+                <a:satMod val="130000"/>
+              </a:schemeClr>
+            </a:gs>
+            <a:gs pos="100000">
+              <a:schemeClr val="phClr">
+                <a:tint val="50000"/>
+                <a:shade val="100000"/>
+                <a:satMod val="350000"/>
+              </a:schemeClr>
+            </a:gs>
+          </a:gsLst>
+          <a:lin ang="16200000" scaled="0"/>
+        </a:gradFill>
+      </a:fillStyleLst>
+      <a:lnStyleLst>
+        <a:ln w="9525" cap="flat" cmpd="sng" algn="ctr">
+          <a:solidFill>
+            <a:schemeClr val="phClr">
+              <a:shade val="95000"/>
+              <a:satMod val="105000"/>
+            </a:schemeClr>
+          </a:solidFill>
+          <a:prstDash val="solid"/>
+        </a:ln>
+        <a:ln w="25400" cap="flat" cmpd="sng" algn="ctr">
+          <a:solidFill>
+            <a:schemeClr val="phClr"/>
+          </a:solidFill>
+          <a:prstDash val="solid"/>
+        </a:ln>
+        <a:ln w="38100" cap="flat" cmpd="sng" algn="ctr">
+          <a:solidFill>
+            <a:schemeClr val="phClr"/>
+          </a:solidFill>
+          <a:prstDash val="solid"/>
+        </a:ln>
+      </a:lnStyleLst>
+      <a:effectStyleLst>
+        <a:effectStyle>
+          <a:effectLst>
+            <a:outerShdw blurRad="40000" dist="20000" dir="5400000" rotWithShape="0">
+              <a:srgbClr val="000000">
+                <a:alpha val="38000"/>
+              </a:srgbClr>
+            </a:outerShdw>
+          </a:effectLst>
+        </a:effectStyle>
+        <a:effectStyle>
+          <a:effectLst>
+            <a:outerShdw blurRad="40000" dist="23000" dir="5400000" rotWithShape="0">
+              <a:srgbClr val="000000">
+                <a:alpha val="35000"/>
+              </a:srgbClr>
+            </a:outerShdw>
+          </a:effectLst>
+        </a:effectStyle>
+        <a:effectStyle>
+          <a:effectLst>
+            <a:outerShdw blurRad="40000" dist="23000" dir="5400000" rotWithShape="0">
+              <a:srgbClr val="000000">
+                <a:alpha val="35000"/>
+              </a:srgbClr>
+            </a:outerShdw>
+          </a:effectLst>
+          <a:scene3d>
+            <a:camera prst="orthographicFront">
+              <a:rot lat="0" lon="0" rev="0"/>
+            </a:camera>
+            <a:lightRig rig="threePt" dir="t">
+              <a:rot lat="0" lon="0" rev="1200000"/>
+            </a:lightRig>
+          </a:scene3d>
+          <a:sp3d>
+            <a:bevelT w="63500" h="25400"/>
+          </a:sp3d>
+        </a:effectStyle>
+      </a:effectStyleLst>
+      <a:bgFillStyleLst>
+        <a:solidFill>
+          <a:schemeClr val="phClr"/>
+        </a:solidFill>
+        <a:gradFill rotWithShape="1">
+          <a:gsLst>
+            <a:gs pos="0">
+              <a:schemeClr val="phClr">
+                <a:tint val="40000"/>
+                <a:satMod val="350000"/>
+              </a:schemeClr>
+            </a:gs>
+            <a:gs pos="40000">
+              <a:schemeClr val="phClr">
+                <a:tint val="45000"/>
+                <a:shade val="99000"/>
+                <a:satMod val="350000"/>
+              </a:schemeClr>
+            </a:gs>
+            <a:gs pos="100000">
+              <a:schemeClr val="phClr">
+                <a:shade val="20000"/>
+                <a:satMod val="255000"/>
+              </a:schemeClr>
+            </a:gs>
+          </a:gsLst>
+          <a:path path="circle">
+            <a:fillToRect l="50000" t="-80000" r="50000" b="180000"/>
+          </a:path>
+        </a:gradFill>
+        <a:gradFill rotWithShape="1">
+          <a:gsLst>
+            <a:gs pos="0">
+              <a:schemeClr val="phClr">
+                <a:tint val="80000"/>
+                <a:satMod val="300000"/>
+              </a:schemeClr>
+            </a:gs>
+            <a:gs pos="100000">
+              <a:schemeClr val="phClr">
+                <a:shade val="30000"/>
+                <a:satMod val="200000"/>
+              </a:schemeClr>
+            </a:gs>
+          </a:gsLst>
+          <a:path path="circle">
+            <a:fillToRect l="50000" t="50000" r="50000" b="50000"/>
+          </a:path>
+        </a:gradFill>
+      </a:bgFillStyleLst>
+    </a:fmtScheme>
+  </a:themeElements>
+  <a:objectDefaults/>
+  <a:extraClrSchemeLst/>
+</a:theme>
+</file>
+
+<file path=ppt/theme/theme2.xml><?xml version="1.0" encoding="utf-8"?>
+<a:theme xmlns:a="http://schemas.openxmlformats.org/drawingml/2006/main">
   <a:themeElements>
     <a:clrScheme name="Default">
       <a:dk1>
@@ -11467,284 +11726,7 @@
       </a:bgFillStyleLst>
     </a:fmtScheme>
   </a:themeElements>
-</a:theme>
-</file>
-
-<file path=ppt/theme/theme2.xml><?xml version="1.0" encoding="utf-8"?>
-<a:theme xmlns:a="http://schemas.openxmlformats.org/drawingml/2006/main" xmlns:r="http://schemas.openxmlformats.org/officeDocument/2006/relationships" name="Focus">
-  <a:themeElements>
-    <a:clrScheme name="Focus">
-      <a:dk1>
-        <a:srgbClr val="1B212C"/>
-      </a:dk1>
-      <a:lt1>
-        <a:srgbClr val="FFFFFF"/>
-      </a:lt1>
-      <a:dk2>
-        <a:srgbClr val="D9D9D9"/>
-      </a:dk2>
-      <a:lt2>
-        <a:srgbClr val="82C7A5"/>
-      </a:lt2>
-      <a:accent1>
-        <a:srgbClr val="0145AC"/>
-      </a:accent1>
-      <a:accent2>
-        <a:srgbClr val="EECE1A"/>
-      </a:accent2>
-      <a:accent3>
-        <a:srgbClr val="4E5567"/>
-      </a:accent3>
-      <a:accent4>
-        <a:srgbClr val="F4D6AD"/>
-      </a:accent4>
-      <a:accent5>
-        <a:srgbClr val="7890CD"/>
-      </a:accent5>
-      <a:accent6>
-        <a:srgbClr val="F15E22"/>
-      </a:accent6>
-      <a:hlink>
-        <a:srgbClr val="7890CD"/>
-      </a:hlink>
-      <a:folHlink>
-        <a:srgbClr val="7890CD"/>
-      </a:folHlink>
-    </a:clrScheme>
-    <a:fontScheme name="Office">
-      <a:majorFont>
-        <a:latin typeface="Arial"/>
-        <a:ea typeface=""/>
-        <a:cs typeface=""/>
-        <a:font script="Jpan" typeface="ＭＳ Ｐゴシック"/>
-        <a:font script="Hang" typeface="맑은 고딕"/>
-        <a:font script="Hans" typeface="宋体"/>
-        <a:font script="Hant" typeface="新細明體"/>
-        <a:font script="Arab" typeface="Times New Roman"/>
-        <a:font script="Hebr" typeface="Times New Roman"/>
-        <a:font script="Thai" typeface="Angsana New"/>
-        <a:font script="Ethi" typeface="Nyala"/>
-        <a:font script="Beng" typeface="Vrinda"/>
-        <a:font script="Gujr" typeface="Shruti"/>
-        <a:font script="Khmr" typeface="MoolBoran"/>
-        <a:font script="Knda" typeface="Tunga"/>
-        <a:font script="Guru" typeface="Raavi"/>
-        <a:font script="Cans" typeface="Euphemia"/>
-        <a:font script="Cher" typeface="Plantagenet Cherokee"/>
-        <a:font script="Yiii" typeface="Microsoft Yi Baiti"/>
-        <a:font script="Tibt" typeface="Microsoft Himalaya"/>
-        <a:font script="Thaa" typeface="MV Boli"/>
-        <a:font script="Deva" typeface="Mangal"/>
-        <a:font script="Telu" typeface="Gautami"/>
-        <a:font script="Taml" typeface="Latha"/>
-        <a:font script="Syrc" typeface="Estrangelo Edessa"/>
-        <a:font script="Orya" typeface="Kalinga"/>
-        <a:font script="Mlym" typeface="Kartika"/>
-        <a:font script="Laoo" typeface="DokChampa"/>
-        <a:font script="Sinh" typeface="Iskoola Pota"/>
-        <a:font script="Mong" typeface="Mongolian Baiti"/>
-        <a:font script="Viet" typeface="Times New Roman"/>
-        <a:font script="Uigh" typeface="Microsoft Uighur"/>
-        <a:font script="Geor" typeface="Sylfaen"/>
-      </a:majorFont>
-      <a:minorFont>
-        <a:latin typeface="Arial"/>
-        <a:ea typeface=""/>
-        <a:cs typeface=""/>
-        <a:font script="Jpan" typeface="ＭＳ Ｐゴシック"/>
-        <a:font script="Hang" typeface="맑은 고딕"/>
-        <a:font script="Hans" typeface="宋体"/>
-        <a:font script="Hant" typeface="新細明體"/>
-        <a:font script="Arab" typeface="Arial"/>
-        <a:font script="Hebr" typeface="Arial"/>
-        <a:font script="Thai" typeface="Cordia New"/>
-        <a:font script="Ethi" typeface="Nyala"/>
-        <a:font script="Beng" typeface="Vrinda"/>
-        <a:font script="Gujr" typeface="Shruti"/>
-        <a:font script="Khmr" typeface="DaunPenh"/>
-        <a:font script="Knda" typeface="Tunga"/>
-        <a:font script="Guru" typeface="Raavi"/>
-        <a:font script="Cans" typeface="Euphemia"/>
-        <a:font script="Cher" typeface="Plantagenet Cherokee"/>
-        <a:font script="Yiii" typeface="Microsoft Yi Baiti"/>
-        <a:font script="Tibt" typeface="Microsoft Himalaya"/>
-        <a:font script="Thaa" typeface="MV Boli"/>
-        <a:font script="Deva" typeface="Mangal"/>
-        <a:font script="Telu" typeface="Gautami"/>
-        <a:font script="Taml" typeface="Latha"/>
-        <a:font script="Syrc" typeface="Estrangelo Edessa"/>
-        <a:font script="Orya" typeface="Kalinga"/>
-        <a:font script="Mlym" typeface="Kartika"/>
-        <a:font script="Laoo" typeface="DokChampa"/>
-        <a:font script="Sinh" typeface="Iskoola Pota"/>
-        <a:font script="Mong" typeface="Mongolian Baiti"/>
-        <a:font script="Viet" typeface="Arial"/>
-        <a:font script="Uigh" typeface="Microsoft Uighur"/>
-        <a:font script="Geor" typeface="Sylfaen"/>
-      </a:minorFont>
-    </a:fontScheme>
-    <a:fmtScheme name="Office">
-      <a:fillStyleLst>
-        <a:solidFill>
-          <a:schemeClr val="phClr"/>
-        </a:solidFill>
-        <a:gradFill rotWithShape="1">
-          <a:gsLst>
-            <a:gs pos="0">
-              <a:schemeClr val="phClr">
-                <a:tint val="50000"/>
-                <a:satMod val="300000"/>
-              </a:schemeClr>
-            </a:gs>
-            <a:gs pos="35000">
-              <a:schemeClr val="phClr">
-                <a:tint val="37000"/>
-                <a:satMod val="300000"/>
-              </a:schemeClr>
-            </a:gs>
-            <a:gs pos="100000">
-              <a:schemeClr val="phClr">
-                <a:tint val="15000"/>
-                <a:satMod val="350000"/>
-              </a:schemeClr>
-            </a:gs>
-          </a:gsLst>
-          <a:lin ang="16200000" scaled="1"/>
-        </a:gradFill>
-        <a:gradFill rotWithShape="1">
-          <a:gsLst>
-            <a:gs pos="0">
-              <a:schemeClr val="phClr">
-                <a:tint val="100000"/>
-                <a:shade val="100000"/>
-                <a:satMod val="130000"/>
-              </a:schemeClr>
-            </a:gs>
-            <a:gs pos="100000">
-              <a:schemeClr val="phClr">
-                <a:tint val="50000"/>
-                <a:shade val="100000"/>
-                <a:satMod val="350000"/>
-              </a:schemeClr>
-            </a:gs>
-          </a:gsLst>
-          <a:lin ang="16200000" scaled="0"/>
-        </a:gradFill>
-      </a:fillStyleLst>
-      <a:lnStyleLst>
-        <a:ln w="9525" cap="flat" cmpd="sng" algn="ctr">
-          <a:solidFill>
-            <a:schemeClr val="phClr">
-              <a:shade val="95000"/>
-              <a:satMod val="105000"/>
-            </a:schemeClr>
-          </a:solidFill>
-          <a:prstDash val="solid"/>
-        </a:ln>
-        <a:ln w="25400" cap="flat" cmpd="sng" algn="ctr">
-          <a:solidFill>
-            <a:schemeClr val="phClr"/>
-          </a:solidFill>
-          <a:prstDash val="solid"/>
-        </a:ln>
-        <a:ln w="38100" cap="flat" cmpd="sng" algn="ctr">
-          <a:solidFill>
-            <a:schemeClr val="phClr"/>
-          </a:solidFill>
-          <a:prstDash val="solid"/>
-        </a:ln>
-      </a:lnStyleLst>
-      <a:effectStyleLst>
-        <a:effectStyle>
-          <a:effectLst>
-            <a:outerShdw blurRad="40000" dist="20000" dir="5400000" rotWithShape="0">
-              <a:srgbClr val="000000">
-                <a:alpha val="38000"/>
-              </a:srgbClr>
-            </a:outerShdw>
-          </a:effectLst>
-        </a:effectStyle>
-        <a:effectStyle>
-          <a:effectLst>
-            <a:outerShdw blurRad="40000" dist="23000" dir="5400000" rotWithShape="0">
-              <a:srgbClr val="000000">
-                <a:alpha val="35000"/>
-              </a:srgbClr>
-            </a:outerShdw>
-          </a:effectLst>
-        </a:effectStyle>
-        <a:effectStyle>
-          <a:effectLst>
-            <a:outerShdw blurRad="40000" dist="23000" dir="5400000" rotWithShape="0">
-              <a:srgbClr val="000000">
-                <a:alpha val="35000"/>
-              </a:srgbClr>
-            </a:outerShdw>
-          </a:effectLst>
-          <a:scene3d>
-            <a:camera prst="orthographicFront">
-              <a:rot lat="0" lon="0" rev="0"/>
-            </a:camera>
-            <a:lightRig rig="threePt" dir="t">
-              <a:rot lat="0" lon="0" rev="1200000"/>
-            </a:lightRig>
-          </a:scene3d>
-          <a:sp3d>
-            <a:bevelT w="63500" h="25400"/>
-          </a:sp3d>
-        </a:effectStyle>
-      </a:effectStyleLst>
-      <a:bgFillStyleLst>
-        <a:solidFill>
-          <a:schemeClr val="phClr"/>
-        </a:solidFill>
-        <a:gradFill rotWithShape="1">
-          <a:gsLst>
-            <a:gs pos="0">
-              <a:schemeClr val="phClr">
-                <a:tint val="40000"/>
-                <a:satMod val="350000"/>
-              </a:schemeClr>
-            </a:gs>
-            <a:gs pos="40000">
-              <a:schemeClr val="phClr">
-                <a:tint val="45000"/>
-                <a:shade val="99000"/>
-                <a:satMod val="350000"/>
-              </a:schemeClr>
-            </a:gs>
-            <a:gs pos="100000">
-              <a:schemeClr val="phClr">
-                <a:shade val="20000"/>
-                <a:satMod val="255000"/>
-              </a:schemeClr>
-            </a:gs>
-          </a:gsLst>
-          <a:path path="circle">
-            <a:fillToRect l="50000" t="-80000" r="50000" b="180000"/>
-          </a:path>
-        </a:gradFill>
-        <a:gradFill rotWithShape="1">
-          <a:gsLst>
-            <a:gs pos="0">
-              <a:schemeClr val="phClr">
-                <a:tint val="80000"/>
-                <a:satMod val="300000"/>
-              </a:schemeClr>
-            </a:gs>
-            <a:gs pos="100000">
-              <a:schemeClr val="phClr">
-                <a:shade val="30000"/>
-                <a:satMod val="200000"/>
-              </a:schemeClr>
-            </a:gs>
-          </a:gsLst>
-          <a:path path="circle">
-            <a:fillToRect l="50000" t="50000" r="50000" b="50000"/>
-          </a:path>
-        </a:gradFill>
-      </a:bgFillStyleLst>
-    </a:fmtScheme>
-  </a:themeElements>
+  <a:objectDefaults/>
+  <a:extraClrSchemeLst/>
 </a:theme>
 </file>